--- a/20160222_Asset Life cycle Management System.pptx
+++ b/20160222_Asset Life cycle Management System.pptx
@@ -5,7 +5,7 @@
     <p:sldMasterId id="2147483648" r:id="rId1"/>
   </p:sldMasterIdLst>
   <p:notesMasterIdLst>
-    <p:notesMasterId r:id="rId7"/>
+    <p:notesMasterId r:id="rId8"/>
   </p:notesMasterIdLst>
   <p:sldIdLst>
     <p:sldId id="256" r:id="rId2"/>
@@ -13,6 +13,7 @@
     <p:sldId id="261" r:id="rId4"/>
     <p:sldId id="260" r:id="rId5"/>
     <p:sldId id="258" r:id="rId6"/>
+    <p:sldId id="1616" r:id="rId7"/>
   </p:sldIdLst>
   <p:sldSz cx="9906000" cy="6858000" type="A4"/>
   <p:notesSz cx="6797675" cy="9928225"/>
@@ -15095,7 +15096,7 @@
           <a:p>
             <a:fld id="{446FB07D-283D-42BB-8F2F-8A80CED776E2}" type="datetimeFigureOut">
               <a:rPr lang="en-SG" smtClean="0"/>
-              <a:t>23/8/2023</a:t>
+              <a:t>15/12/2023</a:t>
             </a:fld>
             <a:endParaRPr lang="en-SG"/>
           </a:p>
@@ -15395,6 +15396,110 @@
 </p:notesMaster>
 </file>
 
+<file path=ppt/notesSlides/notesSlide1.xml><?xml version="1.0" encoding="utf-8"?>
+<p:notes xmlns:a="http://schemas.openxmlformats.org/drawingml/2006/main" xmlns:r="http://schemas.openxmlformats.org/officeDocument/2006/relationships" xmlns:p="http://schemas.openxmlformats.org/presentationml/2006/main">
+  <p:cSld>
+    <p:spTree>
+      <p:nvGrpSpPr>
+        <p:cNvPr id="1" name=""/>
+        <p:cNvGrpSpPr/>
+        <p:nvPr/>
+      </p:nvGrpSpPr>
+      <p:grpSpPr>
+        <a:xfrm>
+          <a:off x="0" y="0"/>
+          <a:ext cx="0" cy="0"/>
+          <a:chOff x="0" y="0"/>
+          <a:chExt cx="0" cy="0"/>
+        </a:xfrm>
+      </p:grpSpPr>
+      <p:sp>
+        <p:nvSpPr>
+          <p:cNvPr id="2" name="Slide Image Placeholder 1"/>
+          <p:cNvSpPr>
+            <a:spLocks noGrp="1" noRot="1" noChangeAspect="1"/>
+          </p:cNvSpPr>
+          <p:nvPr>
+            <p:ph type="sldImg"/>
+          </p:nvPr>
+        </p:nvSpPr>
+        <p:spPr>
+          <a:xfrm>
+            <a:off x="711200" y="746125"/>
+            <a:ext cx="5383213" cy="3727450"/>
+          </a:xfrm>
+        </p:spPr>
+      </p:sp>
+      <p:sp>
+        <p:nvSpPr>
+          <p:cNvPr id="3" name="Notes Placeholder 2"/>
+          <p:cNvSpPr>
+            <a:spLocks noGrp="1"/>
+          </p:cNvSpPr>
+          <p:nvPr>
+            <p:ph type="body" idx="1"/>
+          </p:nvPr>
+        </p:nvSpPr>
+        <p:spPr/>
+        <p:txBody>
+          <a:bodyPr/>
+          <a:lstStyle/>
+          <a:p>
+            <a:pPr defTabSz="915406">
+              <a:defRPr/>
+            </a:pPr>
+            <a:endParaRPr lang="en-US" altLang="en-US" dirty="0"/>
+          </a:p>
+          <a:p>
+            <a:pPr defTabSz="915406">
+              <a:defRPr/>
+            </a:pPr>
+            <a:endParaRPr lang="en-US" altLang="en-US" dirty="0"/>
+          </a:p>
+          <a:p>
+            <a:pPr defTabSz="915406">
+              <a:defRPr/>
+            </a:pPr>
+            <a:endParaRPr lang="en-US" altLang="en-US" dirty="0"/>
+          </a:p>
+        </p:txBody>
+      </p:sp>
+      <p:sp>
+        <p:nvSpPr>
+          <p:cNvPr id="4" name="Slide Number Placeholder 3"/>
+          <p:cNvSpPr>
+            <a:spLocks noGrp="1"/>
+          </p:cNvSpPr>
+          <p:nvPr>
+            <p:ph type="sldNum" sz="quarter" idx="10"/>
+          </p:nvPr>
+        </p:nvSpPr>
+        <p:spPr/>
+        <p:txBody>
+          <a:bodyPr/>
+          <a:lstStyle/>
+          <a:p>
+            <a:fld id="{7526A045-34A6-4898-B5FE-2497D3664C5D}" type="slidenum">
+              <a:rPr lang="en-US" smtClean="0"/>
+              <a:t>6</a:t>
+            </a:fld>
+            <a:endParaRPr lang="en-US" dirty="0"/>
+          </a:p>
+        </p:txBody>
+      </p:sp>
+    </p:spTree>
+    <p:extLst>
+      <p:ext uri="{BB962C8B-B14F-4D97-AF65-F5344CB8AC3E}">
+        <p14:creationId xmlns:p14="http://schemas.microsoft.com/office/powerpoint/2010/main" val="2215265578"/>
+      </p:ext>
+    </p:extLst>
+  </p:cSld>
+  <p:clrMapOvr>
+    <a:masterClrMapping/>
+  </p:clrMapOvr>
+</p:notes>
+</file>
+
 <file path=ppt/slideLayouts/slideLayout1.xml><?xml version="1.0" encoding="utf-8"?>
 <p:sldLayout xmlns:a="http://schemas.openxmlformats.org/drawingml/2006/main" xmlns:r="http://schemas.openxmlformats.org/officeDocument/2006/relationships" xmlns:p="http://schemas.openxmlformats.org/presentationml/2006/main" type="title" preserve="1">
   <p:cSld name="タイトル スライド">
@@ -15576,7 +15681,7 @@
           <a:p>
             <a:fld id="{FB77EF16-D06F-48BD-8AA7-85FA054B4B60}" type="datetimeFigureOut">
               <a:rPr lang="en-SG" smtClean="0"/>
-              <a:t>23/8/2023</a:t>
+              <a:t>15/12/2023</a:t>
             </a:fld>
             <a:endParaRPr lang="en-SG"/>
           </a:p>
@@ -15778,7 +15883,7 @@
           <a:p>
             <a:fld id="{FB77EF16-D06F-48BD-8AA7-85FA054B4B60}" type="datetimeFigureOut">
               <a:rPr lang="en-SG" smtClean="0"/>
-              <a:t>23/8/2023</a:t>
+              <a:t>15/12/2023</a:t>
             </a:fld>
             <a:endParaRPr lang="en-SG"/>
           </a:p>
@@ -15990,7 +16095,7 @@
           <a:p>
             <a:fld id="{FB77EF16-D06F-48BD-8AA7-85FA054B4B60}" type="datetimeFigureOut">
               <a:rPr lang="en-SG" smtClean="0"/>
-              <a:t>23/8/2023</a:t>
+              <a:t>15/12/2023</a:t>
             </a:fld>
             <a:endParaRPr lang="en-SG"/>
           </a:p>
@@ -16042,6 +16147,172 @@
     <p:extLst>
       <p:ext uri="{BB962C8B-B14F-4D97-AF65-F5344CB8AC3E}">
         <p14:creationId xmlns:p14="http://schemas.microsoft.com/office/powerpoint/2010/main" val="711007136"/>
+      </p:ext>
+    </p:extLst>
+  </p:cSld>
+  <p:clrMapOvr>
+    <a:masterClrMapping/>
+  </p:clrMapOvr>
+</p:sldLayout>
+</file>
+
+<file path=ppt/slideLayouts/slideLayout12.xml><?xml version="1.0" encoding="utf-8"?>
+<p:sldLayout xmlns:a="http://schemas.openxmlformats.org/drawingml/2006/main" xmlns:r="http://schemas.openxmlformats.org/officeDocument/2006/relationships" xmlns:p="http://schemas.openxmlformats.org/presentationml/2006/main" type="objOnly">
+  <p:cSld name="Content">
+    <p:spTree>
+      <p:nvGrpSpPr>
+        <p:cNvPr id="1" name=""/>
+        <p:cNvGrpSpPr/>
+        <p:nvPr/>
+      </p:nvGrpSpPr>
+      <p:grpSpPr>
+        <a:xfrm>
+          <a:off x="0" y="0"/>
+          <a:ext cx="0" cy="0"/>
+          <a:chOff x="0" y="0"/>
+          <a:chExt cx="0" cy="0"/>
+        </a:xfrm>
+      </p:grpSpPr>
+      <p:sp>
+        <p:nvSpPr>
+          <p:cNvPr id="2" name="Content Placeholder 1"/>
+          <p:cNvSpPr>
+            <a:spLocks noGrp="1"/>
+          </p:cNvSpPr>
+          <p:nvPr>
+            <p:ph/>
+          </p:nvPr>
+        </p:nvSpPr>
+        <p:spPr>
+          <a:xfrm>
+            <a:off x="495300" y="274641"/>
+            <a:ext cx="8915400" cy="5851525"/>
+          </a:xfrm>
+        </p:spPr>
+        <p:txBody>
+          <a:bodyPr/>
+          <a:lstStyle/>
+          <a:p>
+            <a:pPr lvl="0"/>
+            <a:r>
+              <a:rPr lang="en-US"/>
+              <a:t>Click to edit Master text styles</a:t>
+            </a:r>
+          </a:p>
+          <a:p>
+            <a:pPr lvl="1"/>
+            <a:r>
+              <a:rPr lang="en-US"/>
+              <a:t>Second level</a:t>
+            </a:r>
+          </a:p>
+          <a:p>
+            <a:pPr lvl="2"/>
+            <a:r>
+              <a:rPr lang="en-US"/>
+              <a:t>Third level</a:t>
+            </a:r>
+          </a:p>
+          <a:p>
+            <a:pPr lvl="3"/>
+            <a:r>
+              <a:rPr lang="en-US"/>
+              <a:t>Fourth level</a:t>
+            </a:r>
+          </a:p>
+          <a:p>
+            <a:pPr lvl="4"/>
+            <a:r>
+              <a:rPr lang="en-US"/>
+              <a:t>Fifth level</a:t>
+            </a:r>
+          </a:p>
+        </p:txBody>
+      </p:sp>
+      <p:sp>
+        <p:nvSpPr>
+          <p:cNvPr id="3" name="Rectangle 4"/>
+          <p:cNvSpPr>
+            <a:spLocks noGrp="1" noChangeArrowheads="1"/>
+          </p:cNvSpPr>
+          <p:nvPr>
+            <p:ph type="dt" sz="half" idx="10"/>
+          </p:nvPr>
+        </p:nvSpPr>
+        <p:spPr>
+          <a:ln/>
+        </p:spPr>
+        <p:txBody>
+          <a:bodyPr/>
+          <a:lstStyle>
+            <a:lvl1pPr>
+              <a:defRPr/>
+            </a:lvl1pPr>
+          </a:lstStyle>
+          <a:p>
+            <a:endParaRPr lang="en-US" altLang="en-US" dirty="0"/>
+          </a:p>
+        </p:txBody>
+      </p:sp>
+      <p:sp>
+        <p:nvSpPr>
+          <p:cNvPr id="4" name="Rectangle 5"/>
+          <p:cNvSpPr>
+            <a:spLocks noGrp="1" noChangeArrowheads="1"/>
+          </p:cNvSpPr>
+          <p:nvPr>
+            <p:ph type="ftr" sz="quarter" idx="11"/>
+          </p:nvPr>
+        </p:nvSpPr>
+        <p:spPr>
+          <a:ln/>
+        </p:spPr>
+        <p:txBody>
+          <a:bodyPr/>
+          <a:lstStyle>
+            <a:lvl1pPr>
+              <a:defRPr/>
+            </a:lvl1pPr>
+          </a:lstStyle>
+          <a:p>
+            <a:endParaRPr lang="en-US" altLang="en-US" dirty="0"/>
+          </a:p>
+        </p:txBody>
+      </p:sp>
+      <p:sp>
+        <p:nvSpPr>
+          <p:cNvPr id="5" name="Rectangle 6"/>
+          <p:cNvSpPr>
+            <a:spLocks noGrp="1" noChangeArrowheads="1"/>
+          </p:cNvSpPr>
+          <p:nvPr>
+            <p:ph type="sldNum" sz="quarter" idx="12"/>
+          </p:nvPr>
+        </p:nvSpPr>
+        <p:spPr>
+          <a:ln/>
+        </p:spPr>
+        <p:txBody>
+          <a:bodyPr/>
+          <a:lstStyle>
+            <a:lvl1pPr>
+              <a:defRPr/>
+            </a:lvl1pPr>
+          </a:lstStyle>
+          <a:p>
+            <a:fld id="{4E6668AA-B719-4E57-9876-5F3933D70C17}" type="slidenum">
+              <a:rPr lang="en-US" altLang="en-US"/>
+              <a:pPr/>
+              <a:t>‹#›</a:t>
+            </a:fld>
+            <a:endParaRPr lang="en-US" altLang="en-US" dirty="0"/>
+          </a:p>
+        </p:txBody>
+      </p:sp>
+    </p:spTree>
+    <p:extLst>
+      <p:ext uri="{BB962C8B-B14F-4D97-AF65-F5344CB8AC3E}">
+        <p14:creationId xmlns:p14="http://schemas.microsoft.com/office/powerpoint/2010/main" val="1429119136"/>
       </p:ext>
     </p:extLst>
   </p:cSld>
@@ -16192,7 +16463,7 @@
           <a:p>
             <a:fld id="{FB77EF16-D06F-48BD-8AA7-85FA054B4B60}" type="datetimeFigureOut">
               <a:rPr lang="en-SG" smtClean="0"/>
-              <a:t>23/8/2023</a:t>
+              <a:t>15/12/2023</a:t>
             </a:fld>
             <a:endParaRPr lang="en-SG"/>
           </a:p>
@@ -16438,7 +16709,7 @@
           <a:p>
             <a:fld id="{FB77EF16-D06F-48BD-8AA7-85FA054B4B60}" type="datetimeFigureOut">
               <a:rPr lang="en-SG" smtClean="0"/>
-              <a:t>23/8/2023</a:t>
+              <a:t>15/12/2023</a:t>
             </a:fld>
             <a:endParaRPr lang="en-SG"/>
           </a:p>
@@ -16790,7 +17061,7 @@
           <a:p>
             <a:fld id="{FB77EF16-D06F-48BD-8AA7-85FA054B4B60}" type="datetimeFigureOut">
               <a:rPr lang="en-SG" smtClean="0"/>
-              <a:t>23/8/2023</a:t>
+              <a:t>15/12/2023</a:t>
             </a:fld>
             <a:endParaRPr lang="en-SG"/>
           </a:p>
@@ -17281,7 +17552,7 @@
           <a:p>
             <a:fld id="{FB77EF16-D06F-48BD-8AA7-85FA054B4B60}" type="datetimeFigureOut">
               <a:rPr lang="en-SG" smtClean="0"/>
-              <a:t>23/8/2023</a:t>
+              <a:t>15/12/2023</a:t>
             </a:fld>
             <a:endParaRPr lang="en-SG"/>
           </a:p>
@@ -17399,7 +17670,7 @@
           <a:p>
             <a:fld id="{FB77EF16-D06F-48BD-8AA7-85FA054B4B60}" type="datetimeFigureOut">
               <a:rPr lang="en-SG" smtClean="0"/>
-              <a:t>23/8/2023</a:t>
+              <a:t>15/12/2023</a:t>
             </a:fld>
             <a:endParaRPr lang="en-SG"/>
           </a:p>
@@ -17494,7 +17765,7 @@
           <a:p>
             <a:fld id="{FB77EF16-D06F-48BD-8AA7-85FA054B4B60}" type="datetimeFigureOut">
               <a:rPr lang="en-SG" smtClean="0"/>
-              <a:t>23/8/2023</a:t>
+              <a:t>15/12/2023</a:t>
             </a:fld>
             <a:endParaRPr lang="en-SG"/>
           </a:p>
@@ -17803,7 +18074,7 @@
           <a:p>
             <a:fld id="{FB77EF16-D06F-48BD-8AA7-85FA054B4B60}" type="datetimeFigureOut">
               <a:rPr lang="en-SG" smtClean="0"/>
-              <a:t>23/8/2023</a:t>
+              <a:t>15/12/2023</a:t>
             </a:fld>
             <a:endParaRPr lang="en-SG"/>
           </a:p>
@@ -18056,7 +18327,7 @@
           <a:p>
             <a:fld id="{FB77EF16-D06F-48BD-8AA7-85FA054B4B60}" type="datetimeFigureOut">
               <a:rPr lang="en-SG" smtClean="0"/>
-              <a:t>23/8/2023</a:t>
+              <a:t>15/12/2023</a:t>
             </a:fld>
             <a:endParaRPr lang="en-SG"/>
           </a:p>
@@ -18301,7 +18572,7 @@
           <a:p>
             <a:fld id="{FB77EF16-D06F-48BD-8AA7-85FA054B4B60}" type="datetimeFigureOut">
               <a:rPr lang="en-SG" smtClean="0"/>
-              <a:t>23/8/2023</a:t>
+              <a:t>15/12/2023</a:t>
             </a:fld>
             <a:endParaRPr lang="en-SG"/>
           </a:p>
@@ -18405,6 +18676,7 @@
     <p:sldLayoutId id="2147483657" r:id="rId9"/>
     <p:sldLayoutId id="2147483658" r:id="rId10"/>
     <p:sldLayoutId id="2147483659" r:id="rId11"/>
+    <p:sldLayoutId id="2147483660" r:id="rId12"/>
   </p:sldLayoutIdLst>
   <p:txStyles>
     <p:titleStyle>
@@ -22168,6 +22440,5893 @@
 </p:sld>
 </file>
 
+<file path=ppt/slides/slide6.xml><?xml version="1.0" encoding="utf-8"?>
+<p:sld xmlns:a="http://schemas.openxmlformats.org/drawingml/2006/main" xmlns:r="http://schemas.openxmlformats.org/officeDocument/2006/relationships" xmlns:p="http://schemas.openxmlformats.org/presentationml/2006/main">
+  <p:cSld>
+    <p:spTree>
+      <p:nvGrpSpPr>
+        <p:cNvPr id="1" name=""/>
+        <p:cNvGrpSpPr/>
+        <p:nvPr/>
+      </p:nvGrpSpPr>
+      <p:grpSpPr>
+        <a:xfrm>
+          <a:off x="0" y="0"/>
+          <a:ext cx="0" cy="0"/>
+          <a:chOff x="0" y="0"/>
+          <a:chExt cx="0" cy="0"/>
+        </a:xfrm>
+      </p:grpSpPr>
+      <p:sp>
+        <p:nvSpPr>
+          <p:cNvPr id="4195" name="object 30"/>
+          <p:cNvSpPr>
+            <a:spLocks/>
+          </p:cNvSpPr>
+          <p:nvPr/>
+        </p:nvSpPr>
+        <p:spPr bwMode="auto">
+          <a:xfrm>
+            <a:off x="8958896" y="57353"/>
+            <a:ext cx="533400" cy="296862"/>
+          </a:xfrm>
+          <a:custGeom>
+            <a:avLst/>
+            <a:gdLst>
+              <a:gd name="T0" fmla="*/ 0 w 533400"/>
+              <a:gd name="T1" fmla="*/ 0 h 297180"/>
+              <a:gd name="T2" fmla="*/ 533400 w 533400"/>
+              <a:gd name="T3" fmla="*/ 297180 h 297180"/>
+            </a:gdLst>
+            <a:ahLst/>
+            <a:cxnLst/>
+            <a:rect l="T0" t="T1" r="T2" b="T3"/>
+            <a:pathLst>
+              <a:path w="533400" h="297180">
+                <a:moveTo>
+                  <a:pt x="0" y="296862"/>
+                </a:moveTo>
+                <a:lnTo>
+                  <a:pt x="533400" y="296862"/>
+                </a:lnTo>
+                <a:lnTo>
+                  <a:pt x="533400" y="0"/>
+                </a:lnTo>
+                <a:lnTo>
+                  <a:pt x="0" y="0"/>
+                </a:lnTo>
+                <a:lnTo>
+                  <a:pt x="0" y="296862"/>
+                </a:lnTo>
+                <a:close/>
+              </a:path>
+            </a:pathLst>
+          </a:custGeom>
+          <a:noFill/>
+          <a:ln w="28575">
+            <a:solidFill>
+              <a:srgbClr val="FFFFFF"/>
+            </a:solidFill>
+            <a:miter lim="800000"/>
+            <a:headEnd/>
+            <a:tailEnd/>
+          </a:ln>
+          <a:extLst>
+            <a:ext uri="{909E8E84-426E-40DD-AFC4-6F175D3DCCD1}">
+              <a14:hiddenFill xmlns:a14="http://schemas.microsoft.com/office/drawing/2010/main">
+                <a:solidFill>
+                  <a:srgbClr val="FFFFFF"/>
+                </a:solidFill>
+              </a14:hiddenFill>
+            </a:ext>
+          </a:extLst>
+        </p:spPr>
+        <p:txBody>
+          <a:bodyPr lIns="0" tIns="0" rIns="0" bIns="0"/>
+          <a:lstStyle>
+            <a:lvl1pPr eaLnBrk="0" hangingPunct="0">
+              <a:defRPr>
+                <a:solidFill>
+                  <a:schemeClr val="tx1"/>
+                </a:solidFill>
+                <a:latin typeface="Arial" pitchFamily="34" charset="0"/>
+                <a:cs typeface="Arial" pitchFamily="34" charset="0"/>
+              </a:defRPr>
+            </a:lvl1pPr>
+            <a:lvl2pPr marL="742950" indent="-285750" eaLnBrk="0" hangingPunct="0">
+              <a:defRPr>
+                <a:solidFill>
+                  <a:schemeClr val="tx1"/>
+                </a:solidFill>
+                <a:latin typeface="Arial" pitchFamily="34" charset="0"/>
+                <a:cs typeface="Arial" pitchFamily="34" charset="0"/>
+              </a:defRPr>
+            </a:lvl2pPr>
+            <a:lvl3pPr marL="1143000" indent="-228600" eaLnBrk="0" hangingPunct="0">
+              <a:defRPr>
+                <a:solidFill>
+                  <a:schemeClr val="tx1"/>
+                </a:solidFill>
+                <a:latin typeface="Arial" pitchFamily="34" charset="0"/>
+                <a:cs typeface="Arial" pitchFamily="34" charset="0"/>
+              </a:defRPr>
+            </a:lvl3pPr>
+            <a:lvl4pPr marL="1600200" indent="-228600" eaLnBrk="0" hangingPunct="0">
+              <a:defRPr>
+                <a:solidFill>
+                  <a:schemeClr val="tx1"/>
+                </a:solidFill>
+                <a:latin typeface="Arial" pitchFamily="34" charset="0"/>
+                <a:cs typeface="Arial" pitchFamily="34" charset="0"/>
+              </a:defRPr>
+            </a:lvl4pPr>
+            <a:lvl5pPr marL="2057400" indent="-228600" eaLnBrk="0" hangingPunct="0">
+              <a:defRPr>
+                <a:solidFill>
+                  <a:schemeClr val="tx1"/>
+                </a:solidFill>
+                <a:latin typeface="Arial" pitchFamily="34" charset="0"/>
+                <a:cs typeface="Arial" pitchFamily="34" charset="0"/>
+              </a:defRPr>
+            </a:lvl5pPr>
+            <a:lvl6pPr marL="2514600" indent="-228600" eaLnBrk="0" fontAlgn="base" hangingPunct="0">
+              <a:spcBef>
+                <a:spcPct val="0"/>
+              </a:spcBef>
+              <a:spcAft>
+                <a:spcPct val="0"/>
+              </a:spcAft>
+              <a:defRPr>
+                <a:solidFill>
+                  <a:schemeClr val="tx1"/>
+                </a:solidFill>
+                <a:latin typeface="Arial" pitchFamily="34" charset="0"/>
+                <a:cs typeface="Arial" pitchFamily="34" charset="0"/>
+              </a:defRPr>
+            </a:lvl6pPr>
+            <a:lvl7pPr marL="2971800" indent="-228600" eaLnBrk="0" fontAlgn="base" hangingPunct="0">
+              <a:spcBef>
+                <a:spcPct val="0"/>
+              </a:spcBef>
+              <a:spcAft>
+                <a:spcPct val="0"/>
+              </a:spcAft>
+              <a:defRPr>
+                <a:solidFill>
+                  <a:schemeClr val="tx1"/>
+                </a:solidFill>
+                <a:latin typeface="Arial" pitchFamily="34" charset="0"/>
+                <a:cs typeface="Arial" pitchFamily="34" charset="0"/>
+              </a:defRPr>
+            </a:lvl7pPr>
+            <a:lvl8pPr marL="3429000" indent="-228600" eaLnBrk="0" fontAlgn="base" hangingPunct="0">
+              <a:spcBef>
+                <a:spcPct val="0"/>
+              </a:spcBef>
+              <a:spcAft>
+                <a:spcPct val="0"/>
+              </a:spcAft>
+              <a:defRPr>
+                <a:solidFill>
+                  <a:schemeClr val="tx1"/>
+                </a:solidFill>
+                <a:latin typeface="Arial" pitchFamily="34" charset="0"/>
+                <a:cs typeface="Arial" pitchFamily="34" charset="0"/>
+              </a:defRPr>
+            </a:lvl8pPr>
+            <a:lvl9pPr marL="3886200" indent="-228600" eaLnBrk="0" fontAlgn="base" hangingPunct="0">
+              <a:spcBef>
+                <a:spcPct val="0"/>
+              </a:spcBef>
+              <a:spcAft>
+                <a:spcPct val="0"/>
+              </a:spcAft>
+              <a:defRPr>
+                <a:solidFill>
+                  <a:schemeClr val="tx1"/>
+                </a:solidFill>
+                <a:latin typeface="Arial" pitchFamily="34" charset="0"/>
+                <a:cs typeface="Arial" pitchFamily="34" charset="0"/>
+              </a:defRPr>
+            </a:lvl9pPr>
+          </a:lstStyle>
+          <a:p>
+            <a:pPr algn="ctr" eaLnBrk="1" hangingPunct="1"/>
+            <a:r>
+              <a:rPr lang="en-US" altLang="vi-VN" sz="1600" dirty="0">
+                <a:solidFill>
+                  <a:schemeClr val="bg1"/>
+                </a:solidFill>
+              </a:rPr>
+              <a:t>1/10</a:t>
+            </a:r>
+          </a:p>
+        </p:txBody>
+      </p:sp>
+      <p:grpSp>
+        <p:nvGrpSpPr>
+          <p:cNvPr id="9" name="Group 8">
+            <a:extLst>
+              <a:ext uri="{FF2B5EF4-FFF2-40B4-BE49-F238E27FC236}">
+                <a16:creationId xmlns:a16="http://schemas.microsoft.com/office/drawing/2014/main" id="{22C0AC54-1A55-DC88-09F1-50AD73A7A4F2}"/>
+              </a:ext>
+            </a:extLst>
+          </p:cNvPr>
+          <p:cNvGrpSpPr/>
+          <p:nvPr/>
+        </p:nvGrpSpPr>
+        <p:grpSpPr>
+          <a:xfrm>
+            <a:off x="413704" y="11290"/>
+            <a:ext cx="9064036" cy="576263"/>
+            <a:chOff x="-1598" y="-26988"/>
+            <a:chExt cx="9144001" cy="576263"/>
+          </a:xfrm>
+        </p:grpSpPr>
+        <p:sp>
+          <p:nvSpPr>
+            <p:cNvPr id="10" name="Rectangle 9">
+              <a:extLst>
+                <a:ext uri="{FF2B5EF4-FFF2-40B4-BE49-F238E27FC236}">
+                  <a16:creationId xmlns:a16="http://schemas.microsoft.com/office/drawing/2014/main" id="{D636E40C-D1D4-EC26-126F-A6022BE9437F}"/>
+                </a:ext>
+              </a:extLst>
+            </p:cNvPr>
+            <p:cNvSpPr>
+              <a:spLocks noChangeArrowheads="1"/>
+            </p:cNvSpPr>
+            <p:nvPr/>
+          </p:nvSpPr>
+          <p:spPr bwMode="auto">
+            <a:xfrm>
+              <a:off x="-1598" y="-26988"/>
+              <a:ext cx="9144001" cy="576263"/>
+            </a:xfrm>
+            <a:prstGeom prst="rect">
+              <a:avLst/>
+            </a:prstGeom>
+            <a:solidFill>
+              <a:srgbClr val="000080"/>
+            </a:solidFill>
+            <a:ln w="9525">
+              <a:solidFill>
+                <a:srgbClr val="000080"/>
+              </a:solidFill>
+              <a:miter lim="800000"/>
+              <a:headEnd/>
+              <a:tailEnd/>
+            </a:ln>
+            <a:effectLst/>
+          </p:spPr>
+          <p:txBody>
+            <a:bodyPr wrap="none" anchor="ctr" anchorCtr="1"/>
+            <a:lstStyle>
+              <a:lvl1pPr eaLnBrk="0" hangingPunct="0">
+                <a:spcBef>
+                  <a:spcPct val="20000"/>
+                </a:spcBef>
+                <a:buChar char="•"/>
+                <a:defRPr kumimoji="1" sz="3200">
+                  <a:solidFill>
+                    <a:schemeClr val="tx1"/>
+                  </a:solidFill>
+                  <a:latin typeface="Arial" pitchFamily="34" charset="0"/>
+                  <a:ea typeface="ＭＳ Ｐゴシック" pitchFamily="50" charset="-128"/>
+                </a:defRPr>
+              </a:lvl1pPr>
+              <a:lvl2pPr marL="742950" indent="-285750" eaLnBrk="0" hangingPunct="0">
+                <a:spcBef>
+                  <a:spcPct val="20000"/>
+                </a:spcBef>
+                <a:buChar char="–"/>
+                <a:defRPr kumimoji="1" sz="2800">
+                  <a:solidFill>
+                    <a:schemeClr val="tx1"/>
+                  </a:solidFill>
+                  <a:latin typeface="Arial" pitchFamily="34" charset="0"/>
+                  <a:ea typeface="ＭＳ Ｐゴシック" pitchFamily="50" charset="-128"/>
+                </a:defRPr>
+              </a:lvl2pPr>
+              <a:lvl3pPr marL="1143000" indent="-228600" eaLnBrk="0" hangingPunct="0">
+                <a:spcBef>
+                  <a:spcPct val="20000"/>
+                </a:spcBef>
+                <a:buChar char="•"/>
+                <a:defRPr kumimoji="1" sz="2400">
+                  <a:solidFill>
+                    <a:schemeClr val="tx1"/>
+                  </a:solidFill>
+                  <a:latin typeface="Arial" pitchFamily="34" charset="0"/>
+                  <a:ea typeface="ＭＳ Ｐゴシック" pitchFamily="50" charset="-128"/>
+                </a:defRPr>
+              </a:lvl3pPr>
+              <a:lvl4pPr marL="1600200" indent="-228600" eaLnBrk="0" hangingPunct="0">
+                <a:spcBef>
+                  <a:spcPct val="20000"/>
+                </a:spcBef>
+                <a:buChar char="–"/>
+                <a:defRPr kumimoji="1" sz="2000">
+                  <a:solidFill>
+                    <a:schemeClr val="tx1"/>
+                  </a:solidFill>
+                  <a:latin typeface="Arial" pitchFamily="34" charset="0"/>
+                  <a:ea typeface="ＭＳ Ｐゴシック" pitchFamily="50" charset="-128"/>
+                </a:defRPr>
+              </a:lvl4pPr>
+              <a:lvl5pPr marL="2057400" indent="-228600" eaLnBrk="0" hangingPunct="0">
+                <a:spcBef>
+                  <a:spcPct val="20000"/>
+                </a:spcBef>
+                <a:buChar char="»"/>
+                <a:defRPr kumimoji="1" sz="2000">
+                  <a:solidFill>
+                    <a:schemeClr val="tx1"/>
+                  </a:solidFill>
+                  <a:latin typeface="Arial" pitchFamily="34" charset="0"/>
+                  <a:ea typeface="ＭＳ Ｐゴシック" pitchFamily="50" charset="-128"/>
+                </a:defRPr>
+              </a:lvl5pPr>
+              <a:lvl6pPr marL="2514600" indent="-228600" eaLnBrk="0" fontAlgn="base" hangingPunct="0">
+                <a:spcBef>
+                  <a:spcPct val="20000"/>
+                </a:spcBef>
+                <a:spcAft>
+                  <a:spcPct val="0"/>
+                </a:spcAft>
+                <a:buChar char="»"/>
+                <a:defRPr kumimoji="1" sz="2000">
+                  <a:solidFill>
+                    <a:schemeClr val="tx1"/>
+                  </a:solidFill>
+                  <a:latin typeface="Arial" pitchFamily="34" charset="0"/>
+                  <a:ea typeface="ＭＳ Ｐゴシック" pitchFamily="50" charset="-128"/>
+                </a:defRPr>
+              </a:lvl6pPr>
+              <a:lvl7pPr marL="2971800" indent="-228600" eaLnBrk="0" fontAlgn="base" hangingPunct="0">
+                <a:spcBef>
+                  <a:spcPct val="20000"/>
+                </a:spcBef>
+                <a:spcAft>
+                  <a:spcPct val="0"/>
+                </a:spcAft>
+                <a:buChar char="»"/>
+                <a:defRPr kumimoji="1" sz="2000">
+                  <a:solidFill>
+                    <a:schemeClr val="tx1"/>
+                  </a:solidFill>
+                  <a:latin typeface="Arial" pitchFamily="34" charset="0"/>
+                  <a:ea typeface="ＭＳ Ｐゴシック" pitchFamily="50" charset="-128"/>
+                </a:defRPr>
+              </a:lvl7pPr>
+              <a:lvl8pPr marL="3429000" indent="-228600" eaLnBrk="0" fontAlgn="base" hangingPunct="0">
+                <a:spcBef>
+                  <a:spcPct val="20000"/>
+                </a:spcBef>
+                <a:spcAft>
+                  <a:spcPct val="0"/>
+                </a:spcAft>
+                <a:buChar char="»"/>
+                <a:defRPr kumimoji="1" sz="2000">
+                  <a:solidFill>
+                    <a:schemeClr val="tx1"/>
+                  </a:solidFill>
+                  <a:latin typeface="Arial" pitchFamily="34" charset="0"/>
+                  <a:ea typeface="ＭＳ Ｐゴシック" pitchFamily="50" charset="-128"/>
+                </a:defRPr>
+              </a:lvl8pPr>
+              <a:lvl9pPr marL="3886200" indent="-228600" eaLnBrk="0" fontAlgn="base" hangingPunct="0">
+                <a:spcBef>
+                  <a:spcPct val="20000"/>
+                </a:spcBef>
+                <a:spcAft>
+                  <a:spcPct val="0"/>
+                </a:spcAft>
+                <a:buChar char="»"/>
+                <a:defRPr kumimoji="1" sz="2000">
+                  <a:solidFill>
+                    <a:schemeClr val="tx1"/>
+                  </a:solidFill>
+                  <a:latin typeface="Arial" pitchFamily="34" charset="0"/>
+                  <a:ea typeface="ＭＳ Ｐゴシック" pitchFamily="50" charset="-128"/>
+                </a:defRPr>
+              </a:lvl9pPr>
+            </a:lstStyle>
+            <a:p>
+              <a:pPr algn="ctr">
+                <a:spcBef>
+                  <a:spcPct val="0"/>
+                </a:spcBef>
+                <a:buNone/>
+              </a:pPr>
+              <a:r>
+                <a:rPr lang="en-US" altLang="ja-JP" sz="2000" b="1" dirty="0">
+                  <a:solidFill>
+                    <a:srgbClr val="FFFFCC"/>
+                  </a:solidFill>
+                  <a:ea typeface="Meiryo UI" panose="020B0604030504040204" pitchFamily="50" charset="-128"/>
+                  <a:cs typeface="Arial" panose="020B0604020202020204" pitchFamily="34" charset="0"/>
+                </a:rPr>
+                <a:t>Current Issue &amp; Improvement Activities Theme 2</a:t>
+              </a:r>
+              <a:endParaRPr lang="en-US" altLang="ja-JP" sz="2000" b="1" dirty="0">
+                <a:solidFill>
+                  <a:srgbClr val="FFFFCC"/>
+                </a:solidFill>
+                <a:latin typeface="+mn-lt"/>
+                <a:ea typeface="Meiryo UI" panose="020B0604030504040204" pitchFamily="50" charset="-128"/>
+                <a:cs typeface="Arial" panose="020B0604020202020204" pitchFamily="34" charset="0"/>
+              </a:endParaRPr>
+            </a:p>
+          </p:txBody>
+        </p:sp>
+        <p:sp>
+          <p:nvSpPr>
+            <p:cNvPr id="11" name="正方形/長方形 40">
+              <a:extLst>
+                <a:ext uri="{FF2B5EF4-FFF2-40B4-BE49-F238E27FC236}">
+                  <a16:creationId xmlns:a16="http://schemas.microsoft.com/office/drawing/2014/main" id="{D1EECAAE-2A4F-1E78-43E2-3452BA5AC55F}"/>
+                </a:ext>
+              </a:extLst>
+            </p:cNvPr>
+            <p:cNvSpPr/>
+            <p:nvPr/>
+          </p:nvSpPr>
+          <p:spPr>
+            <a:xfrm>
+              <a:off x="8208319" y="115888"/>
+              <a:ext cx="793971" cy="288925"/>
+            </a:xfrm>
+            <a:prstGeom prst="rect">
+              <a:avLst/>
+            </a:prstGeom>
+            <a:noFill/>
+            <a:ln>
+              <a:solidFill>
+                <a:schemeClr val="bg1"/>
+              </a:solidFill>
+            </a:ln>
+            <a:effectLst/>
+          </p:spPr>
+          <p:style>
+            <a:lnRef idx="2">
+              <a:schemeClr val="accent1">
+                <a:shade val="50000"/>
+              </a:schemeClr>
+            </a:lnRef>
+            <a:fillRef idx="1">
+              <a:schemeClr val="accent1"/>
+            </a:fillRef>
+            <a:effectRef idx="0">
+              <a:schemeClr val="accent1"/>
+            </a:effectRef>
+            <a:fontRef idx="minor">
+              <a:schemeClr val="lt1"/>
+            </a:fontRef>
+          </p:style>
+          <p:txBody>
+            <a:bodyPr anchor="ctr"/>
+            <a:lstStyle/>
+            <a:p>
+              <a:pPr algn="ctr">
+                <a:defRPr/>
+              </a:pPr>
+              <a:r>
+                <a:rPr lang="en-US" altLang="ja-JP" b="1" dirty="0">
+                  <a:solidFill>
+                    <a:schemeClr val="bg1"/>
+                  </a:solidFill>
+                  <a:latin typeface="Arial" panose="020B0604020202020204" pitchFamily="34" charset="0"/>
+                  <a:ea typeface="HGP創英角ｺﾞｼｯｸUB" panose="020B0900000000000000" pitchFamily="50" charset="-128"/>
+                  <a:cs typeface="Arial" panose="020B0604020202020204" pitchFamily="34" charset="0"/>
+                </a:rPr>
+                <a:t>7</a:t>
+              </a:r>
+              <a:r>
+                <a:rPr lang="en-US" altLang="ja-JP" dirty="0">
+                  <a:solidFill>
+                    <a:schemeClr val="bg1"/>
+                  </a:solidFill>
+                  <a:latin typeface="Arial" panose="020B0604020202020204" pitchFamily="34" charset="0"/>
+                  <a:ea typeface="HGP創英角ｺﾞｼｯｸUB" panose="020B0900000000000000" pitchFamily="50" charset="-128"/>
+                  <a:cs typeface="Arial" panose="020B0604020202020204" pitchFamily="34" charset="0"/>
+                </a:rPr>
+                <a:t>/</a:t>
+              </a:r>
+              <a:r>
+                <a:rPr lang="en-US" altLang="ja-JP" sz="1400" dirty="0">
+                  <a:solidFill>
+                    <a:schemeClr val="bg1"/>
+                  </a:solidFill>
+                  <a:latin typeface="Arial" panose="020B0604020202020204" pitchFamily="34" charset="0"/>
+                  <a:ea typeface="HGP創英角ｺﾞｼｯｸUB" panose="020B0900000000000000" pitchFamily="50" charset="-128"/>
+                  <a:cs typeface="Arial" panose="020B0604020202020204" pitchFamily="34" charset="0"/>
+                </a:rPr>
+                <a:t>10</a:t>
+              </a:r>
+              <a:endParaRPr lang="ja-JP" altLang="en-US" sz="1400" dirty="0">
+                <a:solidFill>
+                  <a:schemeClr val="bg1"/>
+                </a:solidFill>
+                <a:latin typeface="Arial" panose="020B0604020202020204" pitchFamily="34" charset="0"/>
+                <a:ea typeface="HGP創英角ｺﾞｼｯｸUB" panose="020B0900000000000000" pitchFamily="50" charset="-128"/>
+                <a:cs typeface="Arial" panose="020B0604020202020204" pitchFamily="34" charset="0"/>
+              </a:endParaRPr>
+            </a:p>
+          </p:txBody>
+        </p:sp>
+      </p:grpSp>
+      <p:sp>
+        <p:nvSpPr>
+          <p:cNvPr id="6" name="Rectangle 5"/>
+          <p:cNvSpPr/>
+          <p:nvPr/>
+        </p:nvSpPr>
+        <p:spPr>
+          <a:xfrm>
+            <a:off x="1448819" y="606441"/>
+            <a:ext cx="8043477" cy="701516"/>
+          </a:xfrm>
+          <a:prstGeom prst="rect">
+            <a:avLst/>
+          </a:prstGeom>
+          <a:solidFill>
+            <a:schemeClr val="accent5">
+              <a:lumMod val="20000"/>
+              <a:lumOff val="80000"/>
+            </a:schemeClr>
+          </a:solidFill>
+        </p:spPr>
+        <p:style>
+          <a:lnRef idx="2">
+            <a:schemeClr val="accent1">
+              <a:shade val="50000"/>
+            </a:schemeClr>
+          </a:lnRef>
+          <a:fillRef idx="1">
+            <a:schemeClr val="accent1"/>
+          </a:fillRef>
+          <a:effectRef idx="0">
+            <a:schemeClr val="accent1"/>
+          </a:effectRef>
+          <a:fontRef idx="minor">
+            <a:schemeClr val="lt1"/>
+          </a:fontRef>
+        </p:style>
+        <p:txBody>
+          <a:bodyPr rtlCol="0" anchor="ctr"/>
+          <a:lstStyle/>
+          <a:p>
+            <a:pPr marL="285750" indent="-285750">
+              <a:buFont typeface="Wingdings 2" panose="05020102010507070707" pitchFamily="18" charset="2"/>
+              <a:buChar char=""/>
+            </a:pPr>
+            <a:r>
+              <a:rPr kumimoji="1" lang="en-US" altLang="ja-JP" dirty="0">
+                <a:solidFill>
+                  <a:schemeClr val="tx1"/>
+                </a:solidFill>
+                <a:latin typeface="Arial" panose="020B0604020202020204" pitchFamily="34" charset="0"/>
+                <a:ea typeface="HGP創英角ｺﾞｼｯｸUB" pitchFamily="50" charset="-128"/>
+                <a:cs typeface="Arial" panose="020B0604020202020204" pitchFamily="34" charset="0"/>
+                <a:sym typeface="Wingdings 2" panose="05020102010507070707" pitchFamily="18" charset="2"/>
+              </a:rPr>
+              <a:t>M</a:t>
+            </a:r>
+            <a:r>
+              <a:rPr kumimoji="1" lang="en-US" altLang="ja-JP" dirty="0">
+                <a:solidFill>
+                  <a:schemeClr val="tx1"/>
+                </a:solidFill>
+                <a:latin typeface="Arial" panose="020B0604020202020204" pitchFamily="34" charset="0"/>
+                <a:ea typeface="HGP創英角ｺﾞｼｯｸUB" pitchFamily="50" charset="-128"/>
+                <a:cs typeface="Arial" panose="020B0604020202020204" pitchFamily="34" charset="0"/>
+              </a:rPr>
+              <a:t>anage Asset of IT by barcode.</a:t>
+            </a:r>
+          </a:p>
+          <a:p>
+            <a:pPr marL="285750" indent="-285750">
+              <a:buFont typeface="Wingdings 2" panose="05020102010507070707" pitchFamily="18" charset="2"/>
+              <a:buChar char=""/>
+            </a:pPr>
+            <a:r>
+              <a:rPr kumimoji="1" lang="en-US" altLang="ja-JP" dirty="0">
+                <a:solidFill>
+                  <a:schemeClr val="tx1"/>
+                </a:solidFill>
+                <a:latin typeface="Arial" panose="020B0604020202020204" pitchFamily="34" charset="0"/>
+                <a:ea typeface="HGP創英角ｺﾞｼｯｸUB" pitchFamily="50" charset="-128"/>
+                <a:cs typeface="Arial" panose="020B0604020202020204" pitchFamily="34" charset="0"/>
+              </a:rPr>
+              <a:t>Optimize all manual jobs by using a management system. </a:t>
+            </a:r>
+            <a:endParaRPr lang="en-US" dirty="0">
+              <a:solidFill>
+                <a:schemeClr val="tx1"/>
+              </a:solidFill>
+              <a:latin typeface="Arial" panose="020B0604020202020204" pitchFamily="34" charset="0"/>
+              <a:cs typeface="Arial" panose="020B0604020202020204" pitchFamily="34" charset="0"/>
+            </a:endParaRPr>
+          </a:p>
+        </p:txBody>
+      </p:sp>
+      <p:sp>
+        <p:nvSpPr>
+          <p:cNvPr id="7" name="Rectangle 6"/>
+          <p:cNvSpPr>
+            <a:spLocks noChangeArrowheads="1"/>
+          </p:cNvSpPr>
+          <p:nvPr/>
+        </p:nvSpPr>
+        <p:spPr bwMode="auto">
+          <a:xfrm>
+            <a:off x="436407" y="1329297"/>
+            <a:ext cx="2417391" cy="347104"/>
+          </a:xfrm>
+          <a:prstGeom prst="rect">
+            <a:avLst/>
+          </a:prstGeom>
+          <a:solidFill>
+            <a:srgbClr val="0000CC"/>
+          </a:solidFill>
+          <a:ln w="9525">
+            <a:solidFill>
+              <a:srgbClr val="333399"/>
+            </a:solidFill>
+            <a:miter lim="800000"/>
+            <a:headEnd/>
+            <a:tailEnd/>
+          </a:ln>
+        </p:spPr>
+        <p:txBody>
+          <a:bodyPr wrap="none" anchor="ctr"/>
+          <a:lstStyle>
+            <a:lvl1pPr eaLnBrk="0" hangingPunct="0">
+              <a:defRPr>
+                <a:solidFill>
+                  <a:schemeClr val="tx1"/>
+                </a:solidFill>
+                <a:latin typeface="Arial" charset="0"/>
+                <a:cs typeface="Arial" charset="0"/>
+              </a:defRPr>
+            </a:lvl1pPr>
+            <a:lvl2pPr marL="742950" indent="-285750" eaLnBrk="0" hangingPunct="0">
+              <a:defRPr>
+                <a:solidFill>
+                  <a:schemeClr val="tx1"/>
+                </a:solidFill>
+                <a:latin typeface="Arial" charset="0"/>
+                <a:cs typeface="Arial" charset="0"/>
+              </a:defRPr>
+            </a:lvl2pPr>
+            <a:lvl3pPr marL="1143000" indent="-228600" eaLnBrk="0" hangingPunct="0">
+              <a:defRPr>
+                <a:solidFill>
+                  <a:schemeClr val="tx1"/>
+                </a:solidFill>
+                <a:latin typeface="Arial" charset="0"/>
+                <a:cs typeface="Arial" charset="0"/>
+              </a:defRPr>
+            </a:lvl3pPr>
+            <a:lvl4pPr marL="1600200" indent="-228600" eaLnBrk="0" hangingPunct="0">
+              <a:defRPr>
+                <a:solidFill>
+                  <a:schemeClr val="tx1"/>
+                </a:solidFill>
+                <a:latin typeface="Arial" charset="0"/>
+                <a:cs typeface="Arial" charset="0"/>
+              </a:defRPr>
+            </a:lvl4pPr>
+            <a:lvl5pPr marL="2057400" indent="-228600" eaLnBrk="0" hangingPunct="0">
+              <a:defRPr>
+                <a:solidFill>
+                  <a:schemeClr val="tx1"/>
+                </a:solidFill>
+                <a:latin typeface="Arial" charset="0"/>
+                <a:cs typeface="Arial" charset="0"/>
+              </a:defRPr>
+            </a:lvl5pPr>
+            <a:lvl6pPr marL="2514600" indent="-228600" eaLnBrk="0" fontAlgn="base" hangingPunct="0">
+              <a:spcBef>
+                <a:spcPct val="0"/>
+              </a:spcBef>
+              <a:spcAft>
+                <a:spcPct val="0"/>
+              </a:spcAft>
+              <a:defRPr>
+                <a:solidFill>
+                  <a:schemeClr val="tx1"/>
+                </a:solidFill>
+                <a:latin typeface="Arial" charset="0"/>
+                <a:cs typeface="Arial" charset="0"/>
+              </a:defRPr>
+            </a:lvl6pPr>
+            <a:lvl7pPr marL="2971800" indent="-228600" eaLnBrk="0" fontAlgn="base" hangingPunct="0">
+              <a:spcBef>
+                <a:spcPct val="0"/>
+              </a:spcBef>
+              <a:spcAft>
+                <a:spcPct val="0"/>
+              </a:spcAft>
+              <a:defRPr>
+                <a:solidFill>
+                  <a:schemeClr val="tx1"/>
+                </a:solidFill>
+                <a:latin typeface="Arial" charset="0"/>
+                <a:cs typeface="Arial" charset="0"/>
+              </a:defRPr>
+            </a:lvl7pPr>
+            <a:lvl8pPr marL="3429000" indent="-228600" eaLnBrk="0" fontAlgn="base" hangingPunct="0">
+              <a:spcBef>
+                <a:spcPct val="0"/>
+              </a:spcBef>
+              <a:spcAft>
+                <a:spcPct val="0"/>
+              </a:spcAft>
+              <a:defRPr>
+                <a:solidFill>
+                  <a:schemeClr val="tx1"/>
+                </a:solidFill>
+                <a:latin typeface="Arial" charset="0"/>
+                <a:cs typeface="Arial" charset="0"/>
+              </a:defRPr>
+            </a:lvl8pPr>
+            <a:lvl9pPr marL="3886200" indent="-228600" eaLnBrk="0" fontAlgn="base" hangingPunct="0">
+              <a:spcBef>
+                <a:spcPct val="0"/>
+              </a:spcBef>
+              <a:spcAft>
+                <a:spcPct val="0"/>
+              </a:spcAft>
+              <a:defRPr>
+                <a:solidFill>
+                  <a:schemeClr val="tx1"/>
+                </a:solidFill>
+                <a:latin typeface="Arial" charset="0"/>
+                <a:cs typeface="Arial" charset="0"/>
+              </a:defRPr>
+            </a:lvl9pPr>
+          </a:lstStyle>
+          <a:p>
+            <a:pPr algn="ctr" eaLnBrk="1" hangingPunct="1"/>
+            <a:r>
+              <a:rPr kumimoji="1" lang="en-US" altLang="ja-JP" sz="2000" b="1" dirty="0">
+                <a:solidFill>
+                  <a:schemeClr val="bg1"/>
+                </a:solidFill>
+                <a:latin typeface="Arial" panose="020B0604020202020204" pitchFamily="34" charset="0"/>
+                <a:ea typeface="HGP創英角ｺﾞｼｯｸUB" pitchFamily="50" charset="-128"/>
+                <a:cs typeface="Arial" panose="020B0604020202020204" pitchFamily="34" charset="0"/>
+              </a:rPr>
+              <a:t>Main Issue</a:t>
+            </a:r>
+          </a:p>
+        </p:txBody>
+      </p:sp>
+      <p:sp>
+        <p:nvSpPr>
+          <p:cNvPr id="8" name="Rectangle 5"/>
+          <p:cNvSpPr>
+            <a:spLocks noChangeArrowheads="1"/>
+          </p:cNvSpPr>
+          <p:nvPr/>
+        </p:nvSpPr>
+        <p:spPr bwMode="auto">
+          <a:xfrm>
+            <a:off x="2895599" y="1329296"/>
+            <a:ext cx="5029201" cy="377025"/>
+          </a:xfrm>
+          <a:prstGeom prst="rect">
+            <a:avLst/>
+          </a:prstGeom>
+          <a:solidFill>
+            <a:srgbClr val="0000CC"/>
+          </a:solidFill>
+          <a:ln w="9525">
+            <a:solidFill>
+              <a:srgbClr val="333399"/>
+            </a:solidFill>
+            <a:miter lim="800000"/>
+            <a:headEnd/>
+            <a:tailEnd/>
+          </a:ln>
+        </p:spPr>
+        <p:txBody>
+          <a:bodyPr wrap="none" anchor="ctr"/>
+          <a:lstStyle>
+            <a:lvl1pPr eaLnBrk="0" hangingPunct="0">
+              <a:defRPr>
+                <a:solidFill>
+                  <a:schemeClr val="tx1"/>
+                </a:solidFill>
+                <a:latin typeface="Arial" charset="0"/>
+                <a:cs typeface="Arial" charset="0"/>
+              </a:defRPr>
+            </a:lvl1pPr>
+            <a:lvl2pPr marL="742950" indent="-285750" eaLnBrk="0" hangingPunct="0">
+              <a:defRPr>
+                <a:solidFill>
+                  <a:schemeClr val="tx1"/>
+                </a:solidFill>
+                <a:latin typeface="Arial" charset="0"/>
+                <a:cs typeface="Arial" charset="0"/>
+              </a:defRPr>
+            </a:lvl2pPr>
+            <a:lvl3pPr marL="1143000" indent="-228600" eaLnBrk="0" hangingPunct="0">
+              <a:defRPr>
+                <a:solidFill>
+                  <a:schemeClr val="tx1"/>
+                </a:solidFill>
+                <a:latin typeface="Arial" charset="0"/>
+                <a:cs typeface="Arial" charset="0"/>
+              </a:defRPr>
+            </a:lvl3pPr>
+            <a:lvl4pPr marL="1600200" indent="-228600" eaLnBrk="0" hangingPunct="0">
+              <a:defRPr>
+                <a:solidFill>
+                  <a:schemeClr val="tx1"/>
+                </a:solidFill>
+                <a:latin typeface="Arial" charset="0"/>
+                <a:cs typeface="Arial" charset="0"/>
+              </a:defRPr>
+            </a:lvl4pPr>
+            <a:lvl5pPr marL="2057400" indent="-228600" eaLnBrk="0" hangingPunct="0">
+              <a:defRPr>
+                <a:solidFill>
+                  <a:schemeClr val="tx1"/>
+                </a:solidFill>
+                <a:latin typeface="Arial" charset="0"/>
+                <a:cs typeface="Arial" charset="0"/>
+              </a:defRPr>
+            </a:lvl5pPr>
+            <a:lvl6pPr marL="2514600" indent="-228600" eaLnBrk="0" fontAlgn="base" hangingPunct="0">
+              <a:spcBef>
+                <a:spcPct val="0"/>
+              </a:spcBef>
+              <a:spcAft>
+                <a:spcPct val="0"/>
+              </a:spcAft>
+              <a:defRPr>
+                <a:solidFill>
+                  <a:schemeClr val="tx1"/>
+                </a:solidFill>
+                <a:latin typeface="Arial" charset="0"/>
+                <a:cs typeface="Arial" charset="0"/>
+              </a:defRPr>
+            </a:lvl6pPr>
+            <a:lvl7pPr marL="2971800" indent="-228600" eaLnBrk="0" fontAlgn="base" hangingPunct="0">
+              <a:spcBef>
+                <a:spcPct val="0"/>
+              </a:spcBef>
+              <a:spcAft>
+                <a:spcPct val="0"/>
+              </a:spcAft>
+              <a:defRPr>
+                <a:solidFill>
+                  <a:schemeClr val="tx1"/>
+                </a:solidFill>
+                <a:latin typeface="Arial" charset="0"/>
+                <a:cs typeface="Arial" charset="0"/>
+              </a:defRPr>
+            </a:lvl7pPr>
+            <a:lvl8pPr marL="3429000" indent="-228600" eaLnBrk="0" fontAlgn="base" hangingPunct="0">
+              <a:spcBef>
+                <a:spcPct val="0"/>
+              </a:spcBef>
+              <a:spcAft>
+                <a:spcPct val="0"/>
+              </a:spcAft>
+              <a:defRPr>
+                <a:solidFill>
+                  <a:schemeClr val="tx1"/>
+                </a:solidFill>
+                <a:latin typeface="Arial" charset="0"/>
+                <a:cs typeface="Arial" charset="0"/>
+              </a:defRPr>
+            </a:lvl8pPr>
+            <a:lvl9pPr marL="3886200" indent="-228600" eaLnBrk="0" fontAlgn="base" hangingPunct="0">
+              <a:spcBef>
+                <a:spcPct val="0"/>
+              </a:spcBef>
+              <a:spcAft>
+                <a:spcPct val="0"/>
+              </a:spcAft>
+              <a:defRPr>
+                <a:solidFill>
+                  <a:schemeClr val="tx1"/>
+                </a:solidFill>
+                <a:latin typeface="Arial" charset="0"/>
+                <a:cs typeface="Arial" charset="0"/>
+              </a:defRPr>
+            </a:lvl9pPr>
+          </a:lstStyle>
+          <a:p>
+            <a:pPr algn="ctr" eaLnBrk="1" hangingPunct="1"/>
+            <a:r>
+              <a:rPr kumimoji="1" lang="en-US" altLang="ja-JP" sz="2000" b="1" dirty="0">
+                <a:solidFill>
+                  <a:schemeClr val="bg1"/>
+                </a:solidFill>
+                <a:latin typeface="Arial" panose="020B0604020202020204" pitchFamily="34" charset="0"/>
+                <a:ea typeface="HGP創英角ｺﾞｼｯｸUB" pitchFamily="50" charset="-128"/>
+                <a:cs typeface="Arial" panose="020B0604020202020204" pitchFamily="34" charset="0"/>
+              </a:rPr>
+              <a:t>Corrective Action</a:t>
+            </a:r>
+          </a:p>
+        </p:txBody>
+      </p:sp>
+      <p:sp>
+        <p:nvSpPr>
+          <p:cNvPr id="12" name="Rectangle 9"/>
+          <p:cNvSpPr>
+            <a:spLocks noChangeArrowheads="1"/>
+          </p:cNvSpPr>
+          <p:nvPr/>
+        </p:nvSpPr>
+        <p:spPr bwMode="auto">
+          <a:xfrm>
+            <a:off x="7966600" y="1327693"/>
+            <a:ext cx="1511140" cy="380230"/>
+          </a:xfrm>
+          <a:prstGeom prst="rect">
+            <a:avLst/>
+          </a:prstGeom>
+          <a:solidFill>
+            <a:srgbClr val="0000CC"/>
+          </a:solidFill>
+          <a:ln w="9525">
+            <a:solidFill>
+              <a:srgbClr val="333399"/>
+            </a:solidFill>
+            <a:miter lim="800000"/>
+            <a:headEnd/>
+            <a:tailEnd/>
+          </a:ln>
+        </p:spPr>
+        <p:txBody>
+          <a:bodyPr wrap="none" anchor="ctr"/>
+          <a:lstStyle>
+            <a:lvl1pPr eaLnBrk="0" hangingPunct="0">
+              <a:defRPr>
+                <a:solidFill>
+                  <a:schemeClr val="tx1"/>
+                </a:solidFill>
+                <a:latin typeface="Arial" charset="0"/>
+                <a:cs typeface="Arial" charset="0"/>
+              </a:defRPr>
+            </a:lvl1pPr>
+            <a:lvl2pPr marL="742950" indent="-285750" eaLnBrk="0" hangingPunct="0">
+              <a:defRPr>
+                <a:solidFill>
+                  <a:schemeClr val="tx1"/>
+                </a:solidFill>
+                <a:latin typeface="Arial" charset="0"/>
+                <a:cs typeface="Arial" charset="0"/>
+              </a:defRPr>
+            </a:lvl2pPr>
+            <a:lvl3pPr marL="1143000" indent="-228600" eaLnBrk="0" hangingPunct="0">
+              <a:defRPr>
+                <a:solidFill>
+                  <a:schemeClr val="tx1"/>
+                </a:solidFill>
+                <a:latin typeface="Arial" charset="0"/>
+                <a:cs typeface="Arial" charset="0"/>
+              </a:defRPr>
+            </a:lvl3pPr>
+            <a:lvl4pPr marL="1600200" indent="-228600" eaLnBrk="0" hangingPunct="0">
+              <a:defRPr>
+                <a:solidFill>
+                  <a:schemeClr val="tx1"/>
+                </a:solidFill>
+                <a:latin typeface="Arial" charset="0"/>
+                <a:cs typeface="Arial" charset="0"/>
+              </a:defRPr>
+            </a:lvl4pPr>
+            <a:lvl5pPr marL="2057400" indent="-228600" eaLnBrk="0" hangingPunct="0">
+              <a:defRPr>
+                <a:solidFill>
+                  <a:schemeClr val="tx1"/>
+                </a:solidFill>
+                <a:latin typeface="Arial" charset="0"/>
+                <a:cs typeface="Arial" charset="0"/>
+              </a:defRPr>
+            </a:lvl5pPr>
+            <a:lvl6pPr marL="2514600" indent="-228600" eaLnBrk="0" fontAlgn="base" hangingPunct="0">
+              <a:spcBef>
+                <a:spcPct val="0"/>
+              </a:spcBef>
+              <a:spcAft>
+                <a:spcPct val="0"/>
+              </a:spcAft>
+              <a:defRPr>
+                <a:solidFill>
+                  <a:schemeClr val="tx1"/>
+                </a:solidFill>
+                <a:latin typeface="Arial" charset="0"/>
+                <a:cs typeface="Arial" charset="0"/>
+              </a:defRPr>
+            </a:lvl6pPr>
+            <a:lvl7pPr marL="2971800" indent="-228600" eaLnBrk="0" fontAlgn="base" hangingPunct="0">
+              <a:spcBef>
+                <a:spcPct val="0"/>
+              </a:spcBef>
+              <a:spcAft>
+                <a:spcPct val="0"/>
+              </a:spcAft>
+              <a:defRPr>
+                <a:solidFill>
+                  <a:schemeClr val="tx1"/>
+                </a:solidFill>
+                <a:latin typeface="Arial" charset="0"/>
+                <a:cs typeface="Arial" charset="0"/>
+              </a:defRPr>
+            </a:lvl7pPr>
+            <a:lvl8pPr marL="3429000" indent="-228600" eaLnBrk="0" fontAlgn="base" hangingPunct="0">
+              <a:spcBef>
+                <a:spcPct val="0"/>
+              </a:spcBef>
+              <a:spcAft>
+                <a:spcPct val="0"/>
+              </a:spcAft>
+              <a:defRPr>
+                <a:solidFill>
+                  <a:schemeClr val="tx1"/>
+                </a:solidFill>
+                <a:latin typeface="Arial" charset="0"/>
+                <a:cs typeface="Arial" charset="0"/>
+              </a:defRPr>
+            </a:lvl8pPr>
+            <a:lvl9pPr marL="3886200" indent="-228600" eaLnBrk="0" fontAlgn="base" hangingPunct="0">
+              <a:spcBef>
+                <a:spcPct val="0"/>
+              </a:spcBef>
+              <a:spcAft>
+                <a:spcPct val="0"/>
+              </a:spcAft>
+              <a:defRPr>
+                <a:solidFill>
+                  <a:schemeClr val="tx1"/>
+                </a:solidFill>
+                <a:latin typeface="Arial" charset="0"/>
+                <a:cs typeface="Arial" charset="0"/>
+              </a:defRPr>
+            </a:lvl9pPr>
+          </a:lstStyle>
+          <a:p>
+            <a:pPr algn="ctr" eaLnBrk="1" hangingPunct="1"/>
+            <a:r>
+              <a:rPr kumimoji="1" lang="en-US" altLang="ja-JP" sz="2000" b="1" dirty="0">
+                <a:solidFill>
+                  <a:schemeClr val="bg1"/>
+                </a:solidFill>
+                <a:latin typeface="Arial" panose="020B0604020202020204" pitchFamily="34" charset="0"/>
+                <a:ea typeface="HGP創英角ｺﾞｼｯｸUB" pitchFamily="50" charset="-128"/>
+                <a:cs typeface="Arial" panose="020B0604020202020204" pitchFamily="34" charset="0"/>
+              </a:rPr>
+              <a:t>Result</a:t>
+            </a:r>
+          </a:p>
+        </p:txBody>
+      </p:sp>
+      <p:sp>
+        <p:nvSpPr>
+          <p:cNvPr id="13" name="Rectangle 8"/>
+          <p:cNvSpPr>
+            <a:spLocks noChangeArrowheads="1"/>
+          </p:cNvSpPr>
+          <p:nvPr/>
+        </p:nvSpPr>
+        <p:spPr bwMode="auto">
+          <a:xfrm>
+            <a:off x="428260" y="1720731"/>
+            <a:ext cx="2425538" cy="5137269"/>
+          </a:xfrm>
+          <a:prstGeom prst="rect">
+            <a:avLst/>
+          </a:prstGeom>
+          <a:noFill/>
+          <a:ln w="3175">
+            <a:solidFill>
+              <a:srgbClr val="0E067C"/>
+            </a:solidFill>
+            <a:miter lim="800000"/>
+            <a:headEnd/>
+            <a:tailEnd/>
+          </a:ln>
+          <a:extLst>
+            <a:ext uri="{909E8E84-426E-40DD-AFC4-6F175D3DCCD1}">
+              <a14:hiddenFill xmlns:a14="http://schemas.microsoft.com/office/drawing/2010/main">
+                <a:solidFill>
+                  <a:srgbClr val="FFFFFF"/>
+                </a:solidFill>
+              </a14:hiddenFill>
+            </a:ext>
+          </a:extLst>
+        </p:spPr>
+        <p:txBody>
+          <a:bodyPr wrap="none" anchor="ctr"/>
+          <a:lstStyle>
+            <a:lvl1pPr eaLnBrk="0" hangingPunct="0">
+              <a:defRPr>
+                <a:solidFill>
+                  <a:schemeClr val="tx1"/>
+                </a:solidFill>
+                <a:latin typeface="Arial" charset="0"/>
+                <a:cs typeface="Arial" charset="0"/>
+              </a:defRPr>
+            </a:lvl1pPr>
+            <a:lvl2pPr marL="742950" indent="-285750" eaLnBrk="0" hangingPunct="0">
+              <a:defRPr>
+                <a:solidFill>
+                  <a:schemeClr val="tx1"/>
+                </a:solidFill>
+                <a:latin typeface="Arial" charset="0"/>
+                <a:cs typeface="Arial" charset="0"/>
+              </a:defRPr>
+            </a:lvl2pPr>
+            <a:lvl3pPr marL="1143000" indent="-228600" eaLnBrk="0" hangingPunct="0">
+              <a:defRPr>
+                <a:solidFill>
+                  <a:schemeClr val="tx1"/>
+                </a:solidFill>
+                <a:latin typeface="Arial" charset="0"/>
+                <a:cs typeface="Arial" charset="0"/>
+              </a:defRPr>
+            </a:lvl3pPr>
+            <a:lvl4pPr marL="1600200" indent="-228600" eaLnBrk="0" hangingPunct="0">
+              <a:defRPr>
+                <a:solidFill>
+                  <a:schemeClr val="tx1"/>
+                </a:solidFill>
+                <a:latin typeface="Arial" charset="0"/>
+                <a:cs typeface="Arial" charset="0"/>
+              </a:defRPr>
+            </a:lvl4pPr>
+            <a:lvl5pPr marL="2057400" indent="-228600" eaLnBrk="0" hangingPunct="0">
+              <a:defRPr>
+                <a:solidFill>
+                  <a:schemeClr val="tx1"/>
+                </a:solidFill>
+                <a:latin typeface="Arial" charset="0"/>
+                <a:cs typeface="Arial" charset="0"/>
+              </a:defRPr>
+            </a:lvl5pPr>
+            <a:lvl6pPr marL="2514600" indent="-228600" eaLnBrk="0" fontAlgn="base" hangingPunct="0">
+              <a:spcBef>
+                <a:spcPct val="0"/>
+              </a:spcBef>
+              <a:spcAft>
+                <a:spcPct val="0"/>
+              </a:spcAft>
+              <a:defRPr>
+                <a:solidFill>
+                  <a:schemeClr val="tx1"/>
+                </a:solidFill>
+                <a:latin typeface="Arial" charset="0"/>
+                <a:cs typeface="Arial" charset="0"/>
+              </a:defRPr>
+            </a:lvl6pPr>
+            <a:lvl7pPr marL="2971800" indent="-228600" eaLnBrk="0" fontAlgn="base" hangingPunct="0">
+              <a:spcBef>
+                <a:spcPct val="0"/>
+              </a:spcBef>
+              <a:spcAft>
+                <a:spcPct val="0"/>
+              </a:spcAft>
+              <a:defRPr>
+                <a:solidFill>
+                  <a:schemeClr val="tx1"/>
+                </a:solidFill>
+                <a:latin typeface="Arial" charset="0"/>
+                <a:cs typeface="Arial" charset="0"/>
+              </a:defRPr>
+            </a:lvl7pPr>
+            <a:lvl8pPr marL="3429000" indent="-228600" eaLnBrk="0" fontAlgn="base" hangingPunct="0">
+              <a:spcBef>
+                <a:spcPct val="0"/>
+              </a:spcBef>
+              <a:spcAft>
+                <a:spcPct val="0"/>
+              </a:spcAft>
+              <a:defRPr>
+                <a:solidFill>
+                  <a:schemeClr val="tx1"/>
+                </a:solidFill>
+                <a:latin typeface="Arial" charset="0"/>
+                <a:cs typeface="Arial" charset="0"/>
+              </a:defRPr>
+            </a:lvl8pPr>
+            <a:lvl9pPr marL="3886200" indent="-228600" eaLnBrk="0" fontAlgn="base" hangingPunct="0">
+              <a:spcBef>
+                <a:spcPct val="0"/>
+              </a:spcBef>
+              <a:spcAft>
+                <a:spcPct val="0"/>
+              </a:spcAft>
+              <a:defRPr>
+                <a:solidFill>
+                  <a:schemeClr val="tx1"/>
+                </a:solidFill>
+                <a:latin typeface="Arial" charset="0"/>
+                <a:cs typeface="Arial" charset="0"/>
+              </a:defRPr>
+            </a:lvl9pPr>
+          </a:lstStyle>
+          <a:p>
+            <a:pPr eaLnBrk="1" hangingPunct="1"/>
+            <a:endParaRPr lang="vi-VN" altLang="en-US">
+              <a:latin typeface="Arial" panose="020B0604020202020204" pitchFamily="34" charset="0"/>
+              <a:cs typeface="Arial" panose="020B0604020202020204" pitchFamily="34" charset="0"/>
+            </a:endParaRPr>
+          </a:p>
+        </p:txBody>
+      </p:sp>
+      <p:sp>
+        <p:nvSpPr>
+          <p:cNvPr id="14" name="Rectangle 8"/>
+          <p:cNvSpPr>
+            <a:spLocks noChangeArrowheads="1"/>
+          </p:cNvSpPr>
+          <p:nvPr/>
+        </p:nvSpPr>
+        <p:spPr bwMode="auto">
+          <a:xfrm>
+            <a:off x="2895600" y="1731818"/>
+            <a:ext cx="5029201" cy="5126182"/>
+          </a:xfrm>
+          <a:prstGeom prst="rect">
+            <a:avLst/>
+          </a:prstGeom>
+          <a:noFill/>
+          <a:ln w="3175">
+            <a:solidFill>
+              <a:srgbClr val="0E067C"/>
+            </a:solidFill>
+            <a:miter lim="800000"/>
+            <a:headEnd/>
+            <a:tailEnd/>
+          </a:ln>
+          <a:extLst>
+            <a:ext uri="{909E8E84-426E-40DD-AFC4-6F175D3DCCD1}">
+              <a14:hiddenFill xmlns:a14="http://schemas.microsoft.com/office/drawing/2010/main">
+                <a:solidFill>
+                  <a:srgbClr val="FFFFFF"/>
+                </a:solidFill>
+              </a14:hiddenFill>
+            </a:ext>
+          </a:extLst>
+        </p:spPr>
+        <p:txBody>
+          <a:bodyPr wrap="none" anchor="ctr"/>
+          <a:lstStyle>
+            <a:lvl1pPr eaLnBrk="0" hangingPunct="0">
+              <a:defRPr>
+                <a:solidFill>
+                  <a:schemeClr val="tx1"/>
+                </a:solidFill>
+                <a:latin typeface="Arial" charset="0"/>
+                <a:cs typeface="Arial" charset="0"/>
+              </a:defRPr>
+            </a:lvl1pPr>
+            <a:lvl2pPr marL="742950" indent="-285750" eaLnBrk="0" hangingPunct="0">
+              <a:defRPr>
+                <a:solidFill>
+                  <a:schemeClr val="tx1"/>
+                </a:solidFill>
+                <a:latin typeface="Arial" charset="0"/>
+                <a:cs typeface="Arial" charset="0"/>
+              </a:defRPr>
+            </a:lvl2pPr>
+            <a:lvl3pPr marL="1143000" indent="-228600" eaLnBrk="0" hangingPunct="0">
+              <a:defRPr>
+                <a:solidFill>
+                  <a:schemeClr val="tx1"/>
+                </a:solidFill>
+                <a:latin typeface="Arial" charset="0"/>
+                <a:cs typeface="Arial" charset="0"/>
+              </a:defRPr>
+            </a:lvl3pPr>
+            <a:lvl4pPr marL="1600200" indent="-228600" eaLnBrk="0" hangingPunct="0">
+              <a:defRPr>
+                <a:solidFill>
+                  <a:schemeClr val="tx1"/>
+                </a:solidFill>
+                <a:latin typeface="Arial" charset="0"/>
+                <a:cs typeface="Arial" charset="0"/>
+              </a:defRPr>
+            </a:lvl4pPr>
+            <a:lvl5pPr marL="2057400" indent="-228600" eaLnBrk="0" hangingPunct="0">
+              <a:defRPr>
+                <a:solidFill>
+                  <a:schemeClr val="tx1"/>
+                </a:solidFill>
+                <a:latin typeface="Arial" charset="0"/>
+                <a:cs typeface="Arial" charset="0"/>
+              </a:defRPr>
+            </a:lvl5pPr>
+            <a:lvl6pPr marL="2514600" indent="-228600" eaLnBrk="0" fontAlgn="base" hangingPunct="0">
+              <a:spcBef>
+                <a:spcPct val="0"/>
+              </a:spcBef>
+              <a:spcAft>
+                <a:spcPct val="0"/>
+              </a:spcAft>
+              <a:defRPr>
+                <a:solidFill>
+                  <a:schemeClr val="tx1"/>
+                </a:solidFill>
+                <a:latin typeface="Arial" charset="0"/>
+                <a:cs typeface="Arial" charset="0"/>
+              </a:defRPr>
+            </a:lvl6pPr>
+            <a:lvl7pPr marL="2971800" indent="-228600" eaLnBrk="0" fontAlgn="base" hangingPunct="0">
+              <a:spcBef>
+                <a:spcPct val="0"/>
+              </a:spcBef>
+              <a:spcAft>
+                <a:spcPct val="0"/>
+              </a:spcAft>
+              <a:defRPr>
+                <a:solidFill>
+                  <a:schemeClr val="tx1"/>
+                </a:solidFill>
+                <a:latin typeface="Arial" charset="0"/>
+                <a:cs typeface="Arial" charset="0"/>
+              </a:defRPr>
+            </a:lvl7pPr>
+            <a:lvl8pPr marL="3429000" indent="-228600" eaLnBrk="0" fontAlgn="base" hangingPunct="0">
+              <a:spcBef>
+                <a:spcPct val="0"/>
+              </a:spcBef>
+              <a:spcAft>
+                <a:spcPct val="0"/>
+              </a:spcAft>
+              <a:defRPr>
+                <a:solidFill>
+                  <a:schemeClr val="tx1"/>
+                </a:solidFill>
+                <a:latin typeface="Arial" charset="0"/>
+                <a:cs typeface="Arial" charset="0"/>
+              </a:defRPr>
+            </a:lvl8pPr>
+            <a:lvl9pPr marL="3886200" indent="-228600" eaLnBrk="0" fontAlgn="base" hangingPunct="0">
+              <a:spcBef>
+                <a:spcPct val="0"/>
+              </a:spcBef>
+              <a:spcAft>
+                <a:spcPct val="0"/>
+              </a:spcAft>
+              <a:defRPr>
+                <a:solidFill>
+                  <a:schemeClr val="tx1"/>
+                </a:solidFill>
+                <a:latin typeface="Arial" charset="0"/>
+                <a:cs typeface="Arial" charset="0"/>
+              </a:defRPr>
+            </a:lvl9pPr>
+          </a:lstStyle>
+          <a:p>
+            <a:pPr eaLnBrk="1" hangingPunct="1"/>
+            <a:endParaRPr lang="vi-VN" altLang="en-US">
+              <a:latin typeface="Arial" panose="020B0604020202020204" pitchFamily="34" charset="0"/>
+              <a:cs typeface="Arial" panose="020B0604020202020204" pitchFamily="34" charset="0"/>
+            </a:endParaRPr>
+          </a:p>
+        </p:txBody>
+      </p:sp>
+      <p:sp>
+        <p:nvSpPr>
+          <p:cNvPr id="15" name="Rectangle 10"/>
+          <p:cNvSpPr>
+            <a:spLocks noChangeArrowheads="1"/>
+          </p:cNvSpPr>
+          <p:nvPr/>
+        </p:nvSpPr>
+        <p:spPr bwMode="auto">
+          <a:xfrm>
+            <a:off x="7966601" y="1731816"/>
+            <a:ext cx="1511140" cy="5126184"/>
+          </a:xfrm>
+          <a:prstGeom prst="rect">
+            <a:avLst/>
+          </a:prstGeom>
+          <a:noFill/>
+          <a:ln w="3175">
+            <a:solidFill>
+              <a:srgbClr val="0E067C"/>
+            </a:solidFill>
+            <a:miter lim="800000"/>
+            <a:headEnd/>
+            <a:tailEnd/>
+          </a:ln>
+          <a:extLst>
+            <a:ext uri="{909E8E84-426E-40DD-AFC4-6F175D3DCCD1}">
+              <a14:hiddenFill xmlns:a14="http://schemas.microsoft.com/office/drawing/2010/main">
+                <a:solidFill>
+                  <a:srgbClr val="FFFFFF"/>
+                </a:solidFill>
+              </a14:hiddenFill>
+            </a:ext>
+          </a:extLst>
+        </p:spPr>
+        <p:txBody>
+          <a:bodyPr wrap="none" anchor="ctr"/>
+          <a:lstStyle>
+            <a:lvl1pPr eaLnBrk="0" hangingPunct="0">
+              <a:defRPr>
+                <a:solidFill>
+                  <a:schemeClr val="tx1"/>
+                </a:solidFill>
+                <a:latin typeface="Arial" charset="0"/>
+                <a:cs typeface="Arial" charset="0"/>
+              </a:defRPr>
+            </a:lvl1pPr>
+            <a:lvl2pPr marL="742950" indent="-285750" eaLnBrk="0" hangingPunct="0">
+              <a:defRPr>
+                <a:solidFill>
+                  <a:schemeClr val="tx1"/>
+                </a:solidFill>
+                <a:latin typeface="Arial" charset="0"/>
+                <a:cs typeface="Arial" charset="0"/>
+              </a:defRPr>
+            </a:lvl2pPr>
+            <a:lvl3pPr marL="1143000" indent="-228600" eaLnBrk="0" hangingPunct="0">
+              <a:defRPr>
+                <a:solidFill>
+                  <a:schemeClr val="tx1"/>
+                </a:solidFill>
+                <a:latin typeface="Arial" charset="0"/>
+                <a:cs typeface="Arial" charset="0"/>
+              </a:defRPr>
+            </a:lvl3pPr>
+            <a:lvl4pPr marL="1600200" indent="-228600" eaLnBrk="0" hangingPunct="0">
+              <a:defRPr>
+                <a:solidFill>
+                  <a:schemeClr val="tx1"/>
+                </a:solidFill>
+                <a:latin typeface="Arial" charset="0"/>
+                <a:cs typeface="Arial" charset="0"/>
+              </a:defRPr>
+            </a:lvl4pPr>
+            <a:lvl5pPr marL="2057400" indent="-228600" eaLnBrk="0" hangingPunct="0">
+              <a:defRPr>
+                <a:solidFill>
+                  <a:schemeClr val="tx1"/>
+                </a:solidFill>
+                <a:latin typeface="Arial" charset="0"/>
+                <a:cs typeface="Arial" charset="0"/>
+              </a:defRPr>
+            </a:lvl5pPr>
+            <a:lvl6pPr marL="2514600" indent="-228600" eaLnBrk="0" fontAlgn="base" hangingPunct="0">
+              <a:spcBef>
+                <a:spcPct val="0"/>
+              </a:spcBef>
+              <a:spcAft>
+                <a:spcPct val="0"/>
+              </a:spcAft>
+              <a:defRPr>
+                <a:solidFill>
+                  <a:schemeClr val="tx1"/>
+                </a:solidFill>
+                <a:latin typeface="Arial" charset="0"/>
+                <a:cs typeface="Arial" charset="0"/>
+              </a:defRPr>
+            </a:lvl6pPr>
+            <a:lvl7pPr marL="2971800" indent="-228600" eaLnBrk="0" fontAlgn="base" hangingPunct="0">
+              <a:spcBef>
+                <a:spcPct val="0"/>
+              </a:spcBef>
+              <a:spcAft>
+                <a:spcPct val="0"/>
+              </a:spcAft>
+              <a:defRPr>
+                <a:solidFill>
+                  <a:schemeClr val="tx1"/>
+                </a:solidFill>
+                <a:latin typeface="Arial" charset="0"/>
+                <a:cs typeface="Arial" charset="0"/>
+              </a:defRPr>
+            </a:lvl7pPr>
+            <a:lvl8pPr marL="3429000" indent="-228600" eaLnBrk="0" fontAlgn="base" hangingPunct="0">
+              <a:spcBef>
+                <a:spcPct val="0"/>
+              </a:spcBef>
+              <a:spcAft>
+                <a:spcPct val="0"/>
+              </a:spcAft>
+              <a:defRPr>
+                <a:solidFill>
+                  <a:schemeClr val="tx1"/>
+                </a:solidFill>
+                <a:latin typeface="Arial" charset="0"/>
+                <a:cs typeface="Arial" charset="0"/>
+              </a:defRPr>
+            </a:lvl8pPr>
+            <a:lvl9pPr marL="3886200" indent="-228600" eaLnBrk="0" fontAlgn="base" hangingPunct="0">
+              <a:spcBef>
+                <a:spcPct val="0"/>
+              </a:spcBef>
+              <a:spcAft>
+                <a:spcPct val="0"/>
+              </a:spcAft>
+              <a:defRPr>
+                <a:solidFill>
+                  <a:schemeClr val="tx1"/>
+                </a:solidFill>
+                <a:latin typeface="Arial" charset="0"/>
+                <a:cs typeface="Arial" charset="0"/>
+              </a:defRPr>
+            </a:lvl9pPr>
+          </a:lstStyle>
+          <a:p>
+            <a:pPr eaLnBrk="1" hangingPunct="1"/>
+            <a:endParaRPr lang="vi-VN" altLang="en-US">
+              <a:solidFill>
+                <a:srgbClr val="003399"/>
+              </a:solidFill>
+              <a:latin typeface="Arial" panose="020B0604020202020204" pitchFamily="34" charset="0"/>
+              <a:cs typeface="Arial" panose="020B0604020202020204" pitchFamily="34" charset="0"/>
+            </a:endParaRPr>
+          </a:p>
+        </p:txBody>
+      </p:sp>
+      <p:sp>
+        <p:nvSpPr>
+          <p:cNvPr id="57" name="Rectangle 56"/>
+          <p:cNvSpPr/>
+          <p:nvPr/>
+        </p:nvSpPr>
+        <p:spPr>
+          <a:xfrm>
+            <a:off x="505290" y="1847308"/>
+            <a:ext cx="2396718" cy="2308324"/>
+          </a:xfrm>
+          <a:prstGeom prst="rect">
+            <a:avLst/>
+          </a:prstGeom>
+        </p:spPr>
+        <p:txBody>
+          <a:bodyPr wrap="square">
+            <a:spAutoFit/>
+          </a:bodyPr>
+          <a:lstStyle/>
+          <a:p>
+            <a:pPr>
+              <a:defRPr/>
+            </a:pPr>
+            <a:r>
+              <a:rPr kumimoji="1" lang="en-US" altLang="ja-JP" b="1" dirty="0">
+                <a:latin typeface="Arial" panose="020B0604020202020204" pitchFamily="34" charset="0"/>
+                <a:cs typeface="Arial" panose="020B0604020202020204" pitchFamily="34" charset="0"/>
+              </a:rPr>
+              <a:t>[3] Develop, testing</a:t>
+            </a:r>
+            <a:endParaRPr kumimoji="1" lang="en-US" altLang="ja-JP" dirty="0">
+              <a:latin typeface="Arial" panose="020B0604020202020204" pitchFamily="34" charset="0"/>
+              <a:ea typeface="HGP創英角ｺﾞｼｯｸUB" pitchFamily="50" charset="-128"/>
+              <a:cs typeface="Arial" panose="020B0604020202020204" pitchFamily="34" charset="0"/>
+            </a:endParaRPr>
+          </a:p>
+          <a:p>
+            <a:pPr>
+              <a:defRPr/>
+            </a:pPr>
+            <a:r>
+              <a:rPr kumimoji="1" lang="en-US" altLang="ja-JP" dirty="0">
+                <a:latin typeface="Arial" panose="020B0604020202020204" pitchFamily="34" charset="0"/>
+                <a:ea typeface="HGP創英角ｺﾞｼｯｸUB" pitchFamily="50" charset="-128"/>
+                <a:cs typeface="Arial" panose="020B0604020202020204" pitchFamily="34" charset="0"/>
+              </a:rPr>
+              <a:t>Equipment's not barcode.</a:t>
+            </a:r>
+          </a:p>
+          <a:p>
+            <a:pPr>
+              <a:defRPr/>
+            </a:pPr>
+            <a:r>
+              <a:rPr kumimoji="1" lang="en-US" altLang="ja-JP" dirty="0">
+                <a:latin typeface="Arial" panose="020B0604020202020204" pitchFamily="34" charset="0"/>
+                <a:ea typeface="HGP創英角ｺﾞｼｯｸUB" pitchFamily="50" charset="-128"/>
+                <a:cs typeface="Arial" panose="020B0604020202020204" pitchFamily="34" charset="0"/>
+              </a:rPr>
+              <a:t>Lost time for manual job control.</a:t>
+            </a:r>
+          </a:p>
+          <a:p>
+            <a:pPr>
+              <a:defRPr/>
+            </a:pPr>
+            <a:r>
+              <a:rPr kumimoji="1" lang="en-US" altLang="ja-JP" dirty="0">
+                <a:latin typeface="Arial" panose="020B0604020202020204" pitchFamily="34" charset="0"/>
+                <a:ea typeface="HGP創英角ｺﾞｼｯｸUB" pitchFamily="50" charset="-128"/>
+                <a:cs typeface="Arial" panose="020B0604020202020204" pitchFamily="34" charset="0"/>
+              </a:rPr>
+              <a:t>User papers and check sheet to record.</a:t>
+            </a:r>
+          </a:p>
+          <a:p>
+            <a:pPr>
+              <a:defRPr/>
+            </a:pPr>
+            <a:endParaRPr lang="en-US" altLang="ja-JP" dirty="0">
+              <a:latin typeface="Arial" panose="020B0604020202020204" pitchFamily="34" charset="0"/>
+              <a:ea typeface="ＭＳ Ｐゴシック" pitchFamily="34" charset="-128"/>
+              <a:cs typeface="Arial" panose="020B0604020202020204" pitchFamily="34" charset="0"/>
+            </a:endParaRPr>
+          </a:p>
+        </p:txBody>
+      </p:sp>
+      <p:sp>
+        <p:nvSpPr>
+          <p:cNvPr id="72" name="Text Box 80"/>
+          <p:cNvSpPr txBox="1">
+            <a:spLocks noChangeArrowheads="1"/>
+          </p:cNvSpPr>
+          <p:nvPr/>
+        </p:nvSpPr>
+        <p:spPr bwMode="auto">
+          <a:xfrm>
+            <a:off x="2943808" y="1763782"/>
+            <a:ext cx="4754197" cy="307777"/>
+          </a:xfrm>
+          <a:prstGeom prst="rect">
+            <a:avLst/>
+          </a:prstGeom>
+          <a:noFill/>
+          <a:ln>
+            <a:noFill/>
+          </a:ln>
+          <a:extLst>
+            <a:ext uri="{909E8E84-426E-40DD-AFC4-6F175D3DCCD1}">
+              <a14:hiddenFill xmlns:a14="http://schemas.microsoft.com/office/drawing/2010/main">
+                <a:solidFill>
+                  <a:srgbClr val="FFFFFF"/>
+                </a:solidFill>
+              </a14:hiddenFill>
+            </a:ext>
+            <a:ext uri="{91240B29-F687-4F45-9708-019B960494DF}">
+              <a14:hiddenLine xmlns:a14="http://schemas.microsoft.com/office/drawing/2010/main" w="9525" algn="ctr">
+                <a:solidFill>
+                  <a:srgbClr val="000000"/>
+                </a:solidFill>
+                <a:miter lim="800000"/>
+                <a:headEnd/>
+                <a:tailEnd/>
+              </a14:hiddenLine>
+            </a:ext>
+          </a:extLst>
+        </p:spPr>
+        <p:txBody>
+          <a:bodyPr wrap="square" lIns="0" tIns="0" rIns="0" bIns="0">
+            <a:spAutoFit/>
+          </a:bodyPr>
+          <a:lstStyle>
+            <a:lvl1pPr marL="285750" indent="-285750" eaLnBrk="0" hangingPunct="0">
+              <a:defRPr>
+                <a:solidFill>
+                  <a:schemeClr val="tx1"/>
+                </a:solidFill>
+                <a:latin typeface="Arial" charset="0"/>
+                <a:cs typeface="Arial" charset="0"/>
+              </a:defRPr>
+            </a:lvl1pPr>
+            <a:lvl2pPr marL="742950" indent="-285750" eaLnBrk="0" hangingPunct="0">
+              <a:defRPr>
+                <a:solidFill>
+                  <a:schemeClr val="tx1"/>
+                </a:solidFill>
+                <a:latin typeface="Arial" charset="0"/>
+                <a:cs typeface="Arial" charset="0"/>
+              </a:defRPr>
+            </a:lvl2pPr>
+            <a:lvl3pPr marL="1143000" indent="-228600" eaLnBrk="0" hangingPunct="0">
+              <a:defRPr>
+                <a:solidFill>
+                  <a:schemeClr val="tx1"/>
+                </a:solidFill>
+                <a:latin typeface="Arial" charset="0"/>
+                <a:cs typeface="Arial" charset="0"/>
+              </a:defRPr>
+            </a:lvl3pPr>
+            <a:lvl4pPr marL="1600200" indent="-228600" eaLnBrk="0" hangingPunct="0">
+              <a:defRPr>
+                <a:solidFill>
+                  <a:schemeClr val="tx1"/>
+                </a:solidFill>
+                <a:latin typeface="Arial" charset="0"/>
+                <a:cs typeface="Arial" charset="0"/>
+              </a:defRPr>
+            </a:lvl4pPr>
+            <a:lvl5pPr marL="2057400" indent="-228600" eaLnBrk="0" hangingPunct="0">
+              <a:defRPr>
+                <a:solidFill>
+                  <a:schemeClr val="tx1"/>
+                </a:solidFill>
+                <a:latin typeface="Arial" charset="0"/>
+                <a:cs typeface="Arial" charset="0"/>
+              </a:defRPr>
+            </a:lvl5pPr>
+            <a:lvl6pPr marL="2514600" indent="-228600" eaLnBrk="0" fontAlgn="base" hangingPunct="0">
+              <a:spcBef>
+                <a:spcPct val="0"/>
+              </a:spcBef>
+              <a:spcAft>
+                <a:spcPct val="0"/>
+              </a:spcAft>
+              <a:defRPr>
+                <a:solidFill>
+                  <a:schemeClr val="tx1"/>
+                </a:solidFill>
+                <a:latin typeface="Arial" charset="0"/>
+                <a:cs typeface="Arial" charset="0"/>
+              </a:defRPr>
+            </a:lvl6pPr>
+            <a:lvl7pPr marL="2971800" indent="-228600" eaLnBrk="0" fontAlgn="base" hangingPunct="0">
+              <a:spcBef>
+                <a:spcPct val="0"/>
+              </a:spcBef>
+              <a:spcAft>
+                <a:spcPct val="0"/>
+              </a:spcAft>
+              <a:defRPr>
+                <a:solidFill>
+                  <a:schemeClr val="tx1"/>
+                </a:solidFill>
+                <a:latin typeface="Arial" charset="0"/>
+                <a:cs typeface="Arial" charset="0"/>
+              </a:defRPr>
+            </a:lvl7pPr>
+            <a:lvl8pPr marL="3429000" indent="-228600" eaLnBrk="0" fontAlgn="base" hangingPunct="0">
+              <a:spcBef>
+                <a:spcPct val="0"/>
+              </a:spcBef>
+              <a:spcAft>
+                <a:spcPct val="0"/>
+              </a:spcAft>
+              <a:defRPr>
+                <a:solidFill>
+                  <a:schemeClr val="tx1"/>
+                </a:solidFill>
+                <a:latin typeface="Arial" charset="0"/>
+                <a:cs typeface="Arial" charset="0"/>
+              </a:defRPr>
+            </a:lvl8pPr>
+            <a:lvl9pPr marL="3886200" indent="-228600" eaLnBrk="0" fontAlgn="base" hangingPunct="0">
+              <a:spcBef>
+                <a:spcPct val="0"/>
+              </a:spcBef>
+              <a:spcAft>
+                <a:spcPct val="0"/>
+              </a:spcAft>
+              <a:defRPr>
+                <a:solidFill>
+                  <a:schemeClr val="tx1"/>
+                </a:solidFill>
+                <a:latin typeface="Arial" charset="0"/>
+                <a:cs typeface="Arial" charset="0"/>
+              </a:defRPr>
+            </a:lvl9pPr>
+          </a:lstStyle>
+          <a:p>
+            <a:pPr marL="0" indent="0" eaLnBrk="1" hangingPunct="1">
+              <a:spcBef>
+                <a:spcPct val="30000"/>
+              </a:spcBef>
+              <a:buFont typeface="Wingdings" pitchFamily="2" charset="2"/>
+              <a:buChar char="q"/>
+            </a:pPr>
+            <a:r>
+              <a:rPr kumimoji="1" lang="en-US" altLang="ja-JP" sz="2000" dirty="0">
+                <a:solidFill>
+                  <a:srgbClr val="0000FF"/>
+                </a:solidFill>
+                <a:latin typeface="Arial" panose="020B0604020202020204" pitchFamily="34" charset="0"/>
+                <a:ea typeface="HGP創英角ｺﾞｼｯｸUB" pitchFamily="50" charset="-128"/>
+                <a:cs typeface="Arial" panose="020B0604020202020204" pitchFamily="34" charset="0"/>
+              </a:rPr>
+              <a:t> Process of ALCMS</a:t>
+            </a:r>
+          </a:p>
+        </p:txBody>
+      </p:sp>
+      <p:grpSp>
+        <p:nvGrpSpPr>
+          <p:cNvPr id="16" name="Group 15">
+            <a:extLst>
+              <a:ext uri="{FF2B5EF4-FFF2-40B4-BE49-F238E27FC236}">
+                <a16:creationId xmlns:a16="http://schemas.microsoft.com/office/drawing/2014/main" id="{C2DD397B-40C2-4D30-B48B-A599555645AF}"/>
+              </a:ext>
+            </a:extLst>
+          </p:cNvPr>
+          <p:cNvGrpSpPr/>
+          <p:nvPr/>
+        </p:nvGrpSpPr>
+        <p:grpSpPr>
+          <a:xfrm>
+            <a:off x="3671679" y="3301260"/>
+            <a:ext cx="699866" cy="435479"/>
+            <a:chOff x="3068447" y="2395054"/>
+            <a:chExt cx="699866" cy="435479"/>
+          </a:xfrm>
+        </p:grpSpPr>
+        <p:pic>
+          <p:nvPicPr>
+            <p:cNvPr id="17" name="Picture 2">
+              <a:extLst>
+                <a:ext uri="{FF2B5EF4-FFF2-40B4-BE49-F238E27FC236}">
+                  <a16:creationId xmlns:a16="http://schemas.microsoft.com/office/drawing/2014/main" id="{C15D924B-E84C-4384-895B-AC1B4A519E76}"/>
+                </a:ext>
+              </a:extLst>
+            </p:cNvPr>
+            <p:cNvPicPr>
+              <a:picLocks noChangeAspect="1" noChangeArrowheads="1"/>
+            </p:cNvPicPr>
+            <p:nvPr/>
+          </p:nvPicPr>
+          <p:blipFill rotWithShape="1">
+            <a:blip r:embed="rId4">
+              <a:extLst>
+                <a:ext uri="{28A0092B-C50C-407E-A947-70E740481C1C}">
+                  <a14:useLocalDpi xmlns:a14="http://schemas.microsoft.com/office/drawing/2010/main" val="0"/>
+                </a:ext>
+              </a:extLst>
+            </a:blip>
+            <a:srcRect t="10322" b="10990"/>
+            <a:stretch/>
+          </p:blipFill>
+          <p:spPr bwMode="auto">
+            <a:xfrm>
+              <a:off x="3120241" y="2395054"/>
+              <a:ext cx="648072" cy="435479"/>
+            </a:xfrm>
+            <a:prstGeom prst="rect">
+              <a:avLst/>
+            </a:prstGeom>
+            <a:noFill/>
+            <a:ln>
+              <a:noFill/>
+            </a:ln>
+            <a:extLst>
+              <a:ext uri="{909E8E84-426E-40DD-AFC4-6F175D3DCCD1}">
+                <a14:hiddenFill xmlns:a14="http://schemas.microsoft.com/office/drawing/2010/main">
+                  <a:solidFill>
+                    <a:schemeClr val="accent1"/>
+                  </a:solidFill>
+                </a14:hiddenFill>
+              </a:ext>
+              <a:ext uri="{91240B29-F687-4F45-9708-019B960494DF}">
+                <a14:hiddenLine xmlns:a14="http://schemas.microsoft.com/office/drawing/2010/main" w="9525">
+                  <a:solidFill>
+                    <a:schemeClr val="tx1"/>
+                  </a:solidFill>
+                  <a:miter lim="800000"/>
+                  <a:headEnd/>
+                  <a:tailEnd/>
+                </a14:hiddenLine>
+              </a:ext>
+            </a:extLst>
+          </p:spPr>
+        </p:pic>
+        <p:sp>
+          <p:nvSpPr>
+            <p:cNvPr id="18" name="Oval 17">
+              <a:extLst>
+                <a:ext uri="{FF2B5EF4-FFF2-40B4-BE49-F238E27FC236}">
+                  <a16:creationId xmlns:a16="http://schemas.microsoft.com/office/drawing/2014/main" id="{6D03CECE-9FF9-46C7-87C9-A12D1A549442}"/>
+                </a:ext>
+              </a:extLst>
+            </p:cNvPr>
+            <p:cNvSpPr/>
+            <p:nvPr/>
+          </p:nvSpPr>
+          <p:spPr>
+            <a:xfrm>
+              <a:off x="3068447" y="2544974"/>
+              <a:ext cx="304665" cy="176789"/>
+            </a:xfrm>
+            <a:prstGeom prst="ellipse">
+              <a:avLst/>
+            </a:prstGeom>
+            <a:noFill/>
+            <a:ln>
+              <a:solidFill>
+                <a:srgbClr val="FF0000"/>
+              </a:solidFill>
+            </a:ln>
+          </p:spPr>
+          <p:style>
+            <a:lnRef idx="2">
+              <a:schemeClr val="accent1">
+                <a:shade val="50000"/>
+              </a:schemeClr>
+            </a:lnRef>
+            <a:fillRef idx="1">
+              <a:schemeClr val="accent1"/>
+            </a:fillRef>
+            <a:effectRef idx="0">
+              <a:schemeClr val="accent1"/>
+            </a:effectRef>
+            <a:fontRef idx="minor">
+              <a:schemeClr val="lt1"/>
+            </a:fontRef>
+          </p:style>
+          <p:txBody>
+            <a:bodyPr rtlCol="0" anchor="ctr"/>
+            <a:lstStyle/>
+            <a:p>
+              <a:pPr algn="ctr"/>
+              <a:endParaRPr lang="en-US"/>
+            </a:p>
+          </p:txBody>
+        </p:sp>
+      </p:grpSp>
+      <p:sp>
+        <p:nvSpPr>
+          <p:cNvPr id="2" name="Rectangle 1">
+            <a:extLst>
+              <a:ext uri="{FF2B5EF4-FFF2-40B4-BE49-F238E27FC236}">
+                <a16:creationId xmlns:a16="http://schemas.microsoft.com/office/drawing/2014/main" id="{67FBC0AF-445B-4BD0-82A9-F67D20CEBB58}"/>
+              </a:ext>
+            </a:extLst>
+          </p:cNvPr>
+          <p:cNvSpPr/>
+          <p:nvPr/>
+        </p:nvSpPr>
+        <p:spPr>
+          <a:xfrm>
+            <a:off x="2955015" y="2902452"/>
+            <a:ext cx="774280" cy="383322"/>
+          </a:xfrm>
+          <a:prstGeom prst="rect">
+            <a:avLst/>
+          </a:prstGeom>
+          <a:noFill/>
+          <a:ln w="3175">
+            <a:noFill/>
+          </a:ln>
+        </p:spPr>
+        <p:style>
+          <a:lnRef idx="2">
+            <a:schemeClr val="accent1">
+              <a:shade val="50000"/>
+            </a:schemeClr>
+          </a:lnRef>
+          <a:fillRef idx="1">
+            <a:schemeClr val="accent1"/>
+          </a:fillRef>
+          <a:effectRef idx="0">
+            <a:schemeClr val="accent1"/>
+          </a:effectRef>
+          <a:fontRef idx="minor">
+            <a:schemeClr val="lt1"/>
+          </a:fontRef>
+        </p:style>
+        <p:txBody>
+          <a:bodyPr lIns="0" tIns="0" rIns="0" bIns="0" rtlCol="0" anchor="ctr"/>
+          <a:lstStyle/>
+          <a:p>
+            <a:pPr algn="ctr">
+              <a:spcBef>
+                <a:spcPct val="50000"/>
+              </a:spcBef>
+            </a:pPr>
+            <a:r>
+              <a:rPr lang="en-US" sz="1600" dirty="0">
+                <a:solidFill>
+                  <a:srgbClr val="0E067C"/>
+                </a:solidFill>
+                <a:latin typeface="Arial" panose="020B0604020202020204" pitchFamily="34" charset="0"/>
+                <a:cs typeface="Arial" panose="020B0604020202020204" pitchFamily="34" charset="0"/>
+              </a:rPr>
+              <a:t>Issue Barcode</a:t>
+            </a:r>
+          </a:p>
+        </p:txBody>
+      </p:sp>
+      <p:pic>
+        <p:nvPicPr>
+          <p:cNvPr id="4" name="Picture 3">
+            <a:extLst>
+              <a:ext uri="{FF2B5EF4-FFF2-40B4-BE49-F238E27FC236}">
+                <a16:creationId xmlns:a16="http://schemas.microsoft.com/office/drawing/2014/main" id="{248BB937-8865-416A-A757-0B42CEF8B926}"/>
+              </a:ext>
+            </a:extLst>
+          </p:cNvPr>
+          <p:cNvPicPr>
+            <a:picLocks noChangeAspect="1"/>
+          </p:cNvPicPr>
+          <p:nvPr/>
+        </p:nvPicPr>
+        <p:blipFill>
+          <a:blip r:embed="rId5"/>
+          <a:stretch>
+            <a:fillRect/>
+          </a:stretch>
+        </p:blipFill>
+        <p:spPr>
+          <a:xfrm>
+            <a:off x="5313040" y="2532437"/>
+            <a:ext cx="589474" cy="314442"/>
+          </a:xfrm>
+          <a:prstGeom prst="rect">
+            <a:avLst/>
+          </a:prstGeom>
+        </p:spPr>
+      </p:pic>
+      <p:grpSp>
+        <p:nvGrpSpPr>
+          <p:cNvPr id="45" name="Group 44">
+            <a:extLst>
+              <a:ext uri="{FF2B5EF4-FFF2-40B4-BE49-F238E27FC236}">
+                <a16:creationId xmlns:a16="http://schemas.microsoft.com/office/drawing/2014/main" id="{67E447E7-77B2-4A6F-8585-F57CF9238FAB}"/>
+              </a:ext>
+            </a:extLst>
+          </p:cNvPr>
+          <p:cNvGrpSpPr/>
+          <p:nvPr/>
+        </p:nvGrpSpPr>
+        <p:grpSpPr>
+          <a:xfrm>
+            <a:off x="5187446" y="4525477"/>
+            <a:ext cx="479945" cy="402704"/>
+            <a:chOff x="5992068" y="2471902"/>
+            <a:chExt cx="479945" cy="402704"/>
+          </a:xfrm>
+        </p:grpSpPr>
+        <p:pic>
+          <p:nvPicPr>
+            <p:cNvPr id="38" name="図 48">
+              <a:extLst>
+                <a:ext uri="{FF2B5EF4-FFF2-40B4-BE49-F238E27FC236}">
+                  <a16:creationId xmlns:a16="http://schemas.microsoft.com/office/drawing/2014/main" id="{C711DA57-6E13-42EC-A41E-23219B2CB659}"/>
+                </a:ext>
+              </a:extLst>
+            </p:cNvPr>
+            <p:cNvPicPr>
+              <a:picLocks noChangeAspect="1"/>
+            </p:cNvPicPr>
+            <p:nvPr/>
+          </p:nvPicPr>
+          <p:blipFill>
+            <a:blip r:embed="rId6" cstate="print">
+              <a:extLst>
+                <a:ext uri="{28A0092B-C50C-407E-A947-70E740481C1C}">
+                  <a14:useLocalDpi xmlns:a14="http://schemas.microsoft.com/office/drawing/2010/main" val="0"/>
+                </a:ext>
+              </a:extLst>
+            </a:blip>
+            <a:srcRect/>
+            <a:stretch>
+              <a:fillRect/>
+            </a:stretch>
+          </p:blipFill>
+          <p:spPr bwMode="auto">
+            <a:xfrm>
+              <a:off x="5992068" y="2484980"/>
+              <a:ext cx="479945" cy="389626"/>
+            </a:xfrm>
+            <a:prstGeom prst="rect">
+              <a:avLst/>
+            </a:prstGeom>
+            <a:noFill/>
+            <a:ln>
+              <a:noFill/>
+            </a:ln>
+            <a:extLst>
+              <a:ext uri="{909E8E84-426E-40DD-AFC4-6F175D3DCCD1}">
+                <a14:hiddenFill xmlns:a14="http://schemas.microsoft.com/office/drawing/2010/main">
+                  <a:solidFill>
+                    <a:srgbClr val="FFFFFF"/>
+                  </a:solidFill>
+                </a14:hiddenFill>
+              </a:ext>
+              <a:ext uri="{91240B29-F687-4F45-9708-019B960494DF}">
+                <a14:hiddenLine xmlns:a14="http://schemas.microsoft.com/office/drawing/2010/main" w="9525">
+                  <a:solidFill>
+                    <a:srgbClr val="000000"/>
+                  </a:solidFill>
+                  <a:miter lim="800000"/>
+                  <a:headEnd/>
+                  <a:tailEnd/>
+                </a14:hiddenLine>
+              </a:ext>
+            </a:extLst>
+          </p:spPr>
+        </p:pic>
+        <p:pic>
+          <p:nvPicPr>
+            <p:cNvPr id="39" name="図 49">
+              <a:extLst>
+                <a:ext uri="{FF2B5EF4-FFF2-40B4-BE49-F238E27FC236}">
+                  <a16:creationId xmlns:a16="http://schemas.microsoft.com/office/drawing/2014/main" id="{935BF4BA-9A64-487A-A6D1-03B4D5B8358D}"/>
+                </a:ext>
+              </a:extLst>
+            </p:cNvPr>
+            <p:cNvPicPr>
+              <a:picLocks noChangeAspect="1"/>
+            </p:cNvPicPr>
+            <p:nvPr/>
+          </p:nvPicPr>
+          <p:blipFill>
+            <a:blip r:embed="rId7" cstate="print">
+              <a:extLst>
+                <a:ext uri="{28A0092B-C50C-407E-A947-70E740481C1C}">
+                  <a14:useLocalDpi xmlns:a14="http://schemas.microsoft.com/office/drawing/2010/main" val="0"/>
+                </a:ext>
+              </a:extLst>
+            </a:blip>
+            <a:srcRect/>
+            <a:stretch>
+              <a:fillRect/>
+            </a:stretch>
+          </p:blipFill>
+          <p:spPr bwMode="auto">
+            <a:xfrm>
+              <a:off x="6097240" y="2471902"/>
+              <a:ext cx="249957" cy="270786"/>
+            </a:xfrm>
+            <a:prstGeom prst="rect">
+              <a:avLst/>
+            </a:prstGeom>
+            <a:noFill/>
+            <a:ln>
+              <a:noFill/>
+            </a:ln>
+            <a:extLst>
+              <a:ext uri="{909E8E84-426E-40DD-AFC4-6F175D3DCCD1}">
+                <a14:hiddenFill xmlns:a14="http://schemas.microsoft.com/office/drawing/2010/main">
+                  <a:solidFill>
+                    <a:srgbClr val="FFFFFF"/>
+                  </a:solidFill>
+                </a14:hiddenFill>
+              </a:ext>
+              <a:ext uri="{91240B29-F687-4F45-9708-019B960494DF}">
+                <a14:hiddenLine xmlns:a14="http://schemas.microsoft.com/office/drawing/2010/main" w="9525">
+                  <a:solidFill>
+                    <a:srgbClr val="000000"/>
+                  </a:solidFill>
+                  <a:miter lim="800000"/>
+                  <a:headEnd/>
+                  <a:tailEnd/>
+                </a14:hiddenLine>
+              </a:ext>
+            </a:extLst>
+          </p:spPr>
+        </p:pic>
+      </p:grpSp>
+      <p:pic>
+        <p:nvPicPr>
+          <p:cNvPr id="40" name="Picture 17" descr="C:\Program Files\Microsoft Office\MEDIA\CAGCAT10\j0195384.wmf">
+            <a:extLst>
+              <a:ext uri="{FF2B5EF4-FFF2-40B4-BE49-F238E27FC236}">
+                <a16:creationId xmlns:a16="http://schemas.microsoft.com/office/drawing/2014/main" id="{BD9C1E17-DB63-4EF9-809B-3600BD11A68A}"/>
+              </a:ext>
+            </a:extLst>
+          </p:cNvPr>
+          <p:cNvPicPr>
+            <a:picLocks noChangeAspect="1" noChangeArrowheads="1"/>
+          </p:cNvPicPr>
+          <p:nvPr/>
+        </p:nvPicPr>
+        <p:blipFill>
+          <a:blip r:embed="rId8" cstate="print">
+            <a:extLst>
+              <a:ext uri="{28A0092B-C50C-407E-A947-70E740481C1C}">
+                <a14:useLocalDpi xmlns:a14="http://schemas.microsoft.com/office/drawing/2010/main" val="0"/>
+              </a:ext>
+            </a:extLst>
+          </a:blip>
+          <a:srcRect/>
+          <a:stretch>
+            <a:fillRect/>
+          </a:stretch>
+        </p:blipFill>
+        <p:spPr>
+          <a:xfrm>
+            <a:off x="3368824" y="2404719"/>
+            <a:ext cx="548517" cy="435479"/>
+          </a:xfrm>
+          <a:prstGeom prst="rect">
+            <a:avLst/>
+          </a:prstGeom>
+          <a:noFill/>
+          <a:extLst>
+            <a:ext uri="{909E8E84-426E-40DD-AFC4-6F175D3DCCD1}">
+              <a14:hiddenFill xmlns:a14="http://schemas.microsoft.com/office/drawing/2010/main">
+                <a:solidFill>
+                  <a:srgbClr val="FFFFFF"/>
+                </a:solidFill>
+              </a14:hiddenFill>
+            </a:ext>
+          </a:extLst>
+        </p:spPr>
+      </p:pic>
+      <p:sp>
+        <p:nvSpPr>
+          <p:cNvPr id="43" name="Text Box 78">
+            <a:extLst>
+              <a:ext uri="{FF2B5EF4-FFF2-40B4-BE49-F238E27FC236}">
+                <a16:creationId xmlns:a16="http://schemas.microsoft.com/office/drawing/2014/main" id="{0E5FD302-AF3E-4010-95F8-F5EF01AFC93F}"/>
+              </a:ext>
+            </a:extLst>
+          </p:cNvPr>
+          <p:cNvSpPr txBox="1">
+            <a:spLocks noChangeArrowheads="1"/>
+          </p:cNvSpPr>
+          <p:nvPr/>
+        </p:nvSpPr>
+        <p:spPr bwMode="auto">
+          <a:xfrm>
+            <a:off x="2888536" y="2290365"/>
+            <a:ext cx="548518" cy="338554"/>
+          </a:xfrm>
+          <a:prstGeom prst="rect">
+            <a:avLst/>
+          </a:prstGeom>
+          <a:noFill/>
+          <a:ln>
+            <a:noFill/>
+          </a:ln>
+          <a:effectLst/>
+          <a:extLst/>
+        </p:spPr>
+        <p:txBody>
+          <a:bodyPr wrap="square">
+            <a:spAutoFit/>
+          </a:bodyPr>
+          <a:lstStyle/>
+          <a:p>
+            <a:pPr algn="ctr">
+              <a:spcBef>
+                <a:spcPct val="50000"/>
+              </a:spcBef>
+            </a:pPr>
+            <a:r>
+              <a:rPr lang="en-US" altLang="ja-JP" sz="1600" dirty="0">
+                <a:solidFill>
+                  <a:srgbClr val="0E067C"/>
+                </a:solidFill>
+                <a:latin typeface="Arial" panose="020B0604020202020204" pitchFamily="34" charset="0"/>
+                <a:cs typeface="Arial" panose="020B0604020202020204" pitchFamily="34" charset="0"/>
+              </a:rPr>
+              <a:t>G/R</a:t>
+            </a:r>
+          </a:p>
+        </p:txBody>
+      </p:sp>
+      <p:cxnSp>
+        <p:nvCxnSpPr>
+          <p:cNvPr id="23" name="Straight Arrow Connector 22">
+            <a:extLst>
+              <a:ext uri="{FF2B5EF4-FFF2-40B4-BE49-F238E27FC236}">
+                <a16:creationId xmlns:a16="http://schemas.microsoft.com/office/drawing/2014/main" id="{56090160-05A4-46A9-9079-46521D4BADD9}"/>
+              </a:ext>
+            </a:extLst>
+          </p:cNvPr>
+          <p:cNvCxnSpPr>
+            <a:cxnSpLocks/>
+          </p:cNvCxnSpPr>
+          <p:nvPr/>
+        </p:nvCxnSpPr>
+        <p:spPr>
+          <a:xfrm>
+            <a:off x="3920569" y="2981301"/>
+            <a:ext cx="0" cy="248429"/>
+          </a:xfrm>
+          <a:prstGeom prst="straightConnector1">
+            <a:avLst/>
+          </a:prstGeom>
+          <a:ln>
+            <a:tailEnd type="triangle"/>
+          </a:ln>
+        </p:spPr>
+        <p:style>
+          <a:lnRef idx="1">
+            <a:schemeClr val="accent1"/>
+          </a:lnRef>
+          <a:fillRef idx="0">
+            <a:schemeClr val="accent1"/>
+          </a:fillRef>
+          <a:effectRef idx="0">
+            <a:schemeClr val="accent1"/>
+          </a:effectRef>
+          <a:fontRef idx="minor">
+            <a:schemeClr val="tx1"/>
+          </a:fontRef>
+        </p:style>
+      </p:cxnSp>
+      <p:grpSp>
+        <p:nvGrpSpPr>
+          <p:cNvPr id="41" name="Group 40">
+            <a:extLst>
+              <a:ext uri="{FF2B5EF4-FFF2-40B4-BE49-F238E27FC236}">
+                <a16:creationId xmlns:a16="http://schemas.microsoft.com/office/drawing/2014/main" id="{A9300CD2-05AA-44B1-A9CB-77F83A29280B}"/>
+              </a:ext>
+            </a:extLst>
+          </p:cNvPr>
+          <p:cNvGrpSpPr/>
+          <p:nvPr/>
+        </p:nvGrpSpPr>
+        <p:grpSpPr>
+          <a:xfrm>
+            <a:off x="4304928" y="2515940"/>
+            <a:ext cx="408623" cy="364295"/>
+            <a:chOff x="5513507" y="3308389"/>
+            <a:chExt cx="408623" cy="364295"/>
+          </a:xfrm>
+        </p:grpSpPr>
+        <p:pic>
+          <p:nvPicPr>
+            <p:cNvPr id="48" name="Picture 2" descr="C:\Users\ogami\AppData\Local\Microsoft\Windows\Temporary Internet Files\Content.IE5\CL7WH4UZ\MC900361732[1].wmf">
+              <a:extLst>
+                <a:ext uri="{FF2B5EF4-FFF2-40B4-BE49-F238E27FC236}">
+                  <a16:creationId xmlns:a16="http://schemas.microsoft.com/office/drawing/2014/main" id="{DFBA8EEE-5235-4574-A3C9-F7F51C75AE33}"/>
+                </a:ext>
+              </a:extLst>
+            </p:cNvPr>
+            <p:cNvPicPr>
+              <a:picLocks noChangeAspect="1" noChangeArrowheads="1"/>
+            </p:cNvPicPr>
+            <p:nvPr/>
+          </p:nvPicPr>
+          <p:blipFill>
+            <a:blip r:embed="rId9" cstate="print">
+              <a:extLst>
+                <a:ext uri="{28A0092B-C50C-407E-A947-70E740481C1C}">
+                  <a14:useLocalDpi xmlns:a14="http://schemas.microsoft.com/office/drawing/2010/main" val="0"/>
+                </a:ext>
+              </a:extLst>
+            </a:blip>
+            <a:srcRect/>
+            <a:stretch>
+              <a:fillRect/>
+            </a:stretch>
+          </p:blipFill>
+          <p:spPr bwMode="auto">
+            <a:xfrm rot="17187678">
+              <a:off x="5535671" y="3286225"/>
+              <a:ext cx="364295" cy="408623"/>
+            </a:xfrm>
+            <a:prstGeom prst="rect">
+              <a:avLst/>
+            </a:prstGeom>
+            <a:noFill/>
+            <a:ln>
+              <a:noFill/>
+            </a:ln>
+            <a:extLst>
+              <a:ext uri="{909E8E84-426E-40DD-AFC4-6F175D3DCCD1}">
+                <a14:hiddenFill xmlns:a14="http://schemas.microsoft.com/office/drawing/2010/main">
+                  <a:solidFill>
+                    <a:srgbClr val="FFFFFF"/>
+                  </a:solidFill>
+                </a14:hiddenFill>
+              </a:ext>
+              <a:ext uri="{91240B29-F687-4F45-9708-019B960494DF}">
+                <a14:hiddenLine xmlns:a14="http://schemas.microsoft.com/office/drawing/2010/main" w="9525">
+                  <a:solidFill>
+                    <a:srgbClr val="000000"/>
+                  </a:solidFill>
+                  <a:miter lim="800000"/>
+                  <a:headEnd/>
+                  <a:tailEnd/>
+                </a14:hiddenLine>
+              </a:ext>
+            </a:extLst>
+          </p:spPr>
+        </p:pic>
+        <p:pic>
+          <p:nvPicPr>
+            <p:cNvPr id="49" name="図 49">
+              <a:extLst>
+                <a:ext uri="{FF2B5EF4-FFF2-40B4-BE49-F238E27FC236}">
+                  <a16:creationId xmlns:a16="http://schemas.microsoft.com/office/drawing/2014/main" id="{4A8EAE44-234B-4BA7-AD60-B6426C2A9375}"/>
+                </a:ext>
+              </a:extLst>
+            </p:cNvPr>
+            <p:cNvPicPr>
+              <a:picLocks noChangeAspect="1"/>
+            </p:cNvPicPr>
+            <p:nvPr/>
+          </p:nvPicPr>
+          <p:blipFill>
+            <a:blip r:embed="rId10" cstate="print">
+              <a:extLst>
+                <a:ext uri="{28A0092B-C50C-407E-A947-70E740481C1C}">
+                  <a14:useLocalDpi xmlns:a14="http://schemas.microsoft.com/office/drawing/2010/main" val="0"/>
+                </a:ext>
+              </a:extLst>
+            </a:blip>
+            <a:srcRect/>
+            <a:stretch>
+              <a:fillRect/>
+            </a:stretch>
+          </p:blipFill>
+          <p:spPr bwMode="auto">
+            <a:xfrm>
+              <a:off x="5571825" y="3323139"/>
+              <a:ext cx="180535" cy="195580"/>
+            </a:xfrm>
+            <a:prstGeom prst="rect">
+              <a:avLst/>
+            </a:prstGeom>
+            <a:noFill/>
+            <a:ln>
+              <a:noFill/>
+            </a:ln>
+            <a:extLst>
+              <a:ext uri="{909E8E84-426E-40DD-AFC4-6F175D3DCCD1}">
+                <a14:hiddenFill xmlns:a14="http://schemas.microsoft.com/office/drawing/2010/main">
+                  <a:solidFill>
+                    <a:srgbClr val="FFFFFF"/>
+                  </a:solidFill>
+                </a14:hiddenFill>
+              </a:ext>
+              <a:ext uri="{91240B29-F687-4F45-9708-019B960494DF}">
+                <a14:hiddenLine xmlns:a14="http://schemas.microsoft.com/office/drawing/2010/main" w="9525">
+                  <a:solidFill>
+                    <a:srgbClr val="000000"/>
+                  </a:solidFill>
+                  <a:miter lim="800000"/>
+                  <a:headEnd/>
+                  <a:tailEnd/>
+                </a14:hiddenLine>
+              </a:ext>
+            </a:extLst>
+          </p:spPr>
+        </p:pic>
+      </p:grpSp>
+      <p:sp>
+        <p:nvSpPr>
+          <p:cNvPr id="54" name="フローチャート : 磁気ディスク 12">
+            <a:extLst>
+              <a:ext uri="{FF2B5EF4-FFF2-40B4-BE49-F238E27FC236}">
+                <a16:creationId xmlns:a16="http://schemas.microsoft.com/office/drawing/2014/main" id="{E48338C3-6587-439D-B51A-B34C48525AC6}"/>
+              </a:ext>
+            </a:extLst>
+          </p:cNvPr>
+          <p:cNvSpPr/>
+          <p:nvPr/>
+        </p:nvSpPr>
+        <p:spPr>
+          <a:xfrm>
+            <a:off x="4901873" y="3209420"/>
+            <a:ext cx="1161886" cy="916094"/>
+          </a:xfrm>
+          <a:prstGeom prst="flowChartMagneticDisk">
+            <a:avLst/>
+          </a:prstGeom>
+          <a:solidFill>
+            <a:srgbClr val="0000FF"/>
+          </a:solidFill>
+        </p:spPr>
+        <p:style>
+          <a:lnRef idx="2">
+            <a:schemeClr val="accent1">
+              <a:shade val="50000"/>
+            </a:schemeClr>
+          </a:lnRef>
+          <a:fillRef idx="1">
+            <a:schemeClr val="accent1"/>
+          </a:fillRef>
+          <a:effectRef idx="0">
+            <a:schemeClr val="accent1"/>
+          </a:effectRef>
+          <a:fontRef idx="minor">
+            <a:schemeClr val="lt1"/>
+          </a:fontRef>
+        </p:style>
+        <p:txBody>
+          <a:bodyPr rtlCol="0" anchor="ctr"/>
+          <a:lstStyle/>
+          <a:p>
+            <a:pPr algn="ctr"/>
+            <a:r>
+              <a:rPr lang="en-US" sz="1400" dirty="0">
+                <a:solidFill>
+                  <a:schemeClr val="bg1"/>
+                </a:solidFill>
+                <a:latin typeface="Arial" panose="020B0604020202020204" pitchFamily="34" charset="0"/>
+                <a:cs typeface="Arial" panose="020B0604020202020204" pitchFamily="34" charset="0"/>
+              </a:rPr>
+              <a:t>SQL Server</a:t>
+            </a:r>
+          </a:p>
+          <a:p>
+            <a:pPr algn="ctr"/>
+            <a:r>
+              <a:rPr lang="en-US" sz="1400" dirty="0">
+                <a:solidFill>
+                  <a:schemeClr val="bg1"/>
+                </a:solidFill>
+                <a:latin typeface="Arial" panose="020B0604020202020204" pitchFamily="34" charset="0"/>
+                <a:cs typeface="Arial" panose="020B0604020202020204" pitchFamily="34" charset="0"/>
+              </a:rPr>
+              <a:t>(ALCMS)</a:t>
+            </a:r>
+            <a:endParaRPr lang="en-SG" sz="1400" dirty="0">
+              <a:solidFill>
+                <a:schemeClr val="bg1"/>
+              </a:solidFill>
+              <a:latin typeface="Arial" panose="020B0604020202020204" pitchFamily="34" charset="0"/>
+              <a:cs typeface="Arial" panose="020B0604020202020204" pitchFamily="34" charset="0"/>
+            </a:endParaRPr>
+          </a:p>
+        </p:txBody>
+      </p:sp>
+      <p:sp>
+        <p:nvSpPr>
+          <p:cNvPr id="58" name="object 199">
+            <a:extLst>
+              <a:ext uri="{FF2B5EF4-FFF2-40B4-BE49-F238E27FC236}">
+                <a16:creationId xmlns:a16="http://schemas.microsoft.com/office/drawing/2014/main" id="{6CC01751-A1AA-4858-A000-872E3538A770}"/>
+              </a:ext>
+            </a:extLst>
+          </p:cNvPr>
+          <p:cNvSpPr/>
+          <p:nvPr/>
+        </p:nvSpPr>
+        <p:spPr>
+          <a:xfrm flipH="1">
+            <a:off x="3033613" y="4382925"/>
+            <a:ext cx="511508" cy="492553"/>
+          </a:xfrm>
+          <a:prstGeom prst="rect">
+            <a:avLst/>
+          </a:prstGeom>
+          <a:blipFill>
+            <a:blip r:embed="rId11" cstate="print">
+              <a:extLst>
+                <a:ext uri="{BEBA8EAE-BF5A-486C-A8C5-ECC9F3942E4B}">
+                  <a14:imgProps xmlns:a14="http://schemas.microsoft.com/office/drawing/2010/main">
+                    <a14:imgLayer r:embed="rId12">
+                      <a14:imgEffect>
+                        <a14:backgroundRemoval t="10000" b="90000" l="0" r="75956"/>
+                      </a14:imgEffect>
+                    </a14:imgLayer>
+                  </a14:imgProps>
+                </a:ext>
+              </a:extLst>
+            </a:blip>
+            <a:stretch>
+              <a:fillRect/>
+            </a:stretch>
+          </a:blipFill>
+        </p:spPr>
+        <p:txBody>
+          <a:bodyPr wrap="square" lIns="0" tIns="0" rIns="0" bIns="0" rtlCol="0"/>
+          <a:lstStyle>
+            <a:lvl1pPr marL="0" indent="0">
+              <a:defRPr sz="1100">
+                <a:latin typeface="+mn-lt"/>
+                <a:ea typeface="+mn-ea"/>
+                <a:cs typeface="+mn-cs"/>
+              </a:defRPr>
+            </a:lvl1pPr>
+            <a:lvl2pPr marL="457200" indent="0">
+              <a:defRPr sz="1100">
+                <a:latin typeface="+mn-lt"/>
+                <a:ea typeface="+mn-ea"/>
+                <a:cs typeface="+mn-cs"/>
+              </a:defRPr>
+            </a:lvl2pPr>
+            <a:lvl3pPr marL="914400" indent="0">
+              <a:defRPr sz="1100">
+                <a:latin typeface="+mn-lt"/>
+                <a:ea typeface="+mn-ea"/>
+                <a:cs typeface="+mn-cs"/>
+              </a:defRPr>
+            </a:lvl3pPr>
+            <a:lvl4pPr marL="1371600" indent="0">
+              <a:defRPr sz="1100">
+                <a:latin typeface="+mn-lt"/>
+                <a:ea typeface="+mn-ea"/>
+                <a:cs typeface="+mn-cs"/>
+              </a:defRPr>
+            </a:lvl4pPr>
+            <a:lvl5pPr marL="1828800" indent="0">
+              <a:defRPr sz="1100">
+                <a:latin typeface="+mn-lt"/>
+                <a:ea typeface="+mn-ea"/>
+                <a:cs typeface="+mn-cs"/>
+              </a:defRPr>
+            </a:lvl5pPr>
+            <a:lvl6pPr marL="2286000" indent="0">
+              <a:defRPr sz="1100">
+                <a:latin typeface="+mn-lt"/>
+                <a:ea typeface="+mn-ea"/>
+                <a:cs typeface="+mn-cs"/>
+              </a:defRPr>
+            </a:lvl6pPr>
+            <a:lvl7pPr marL="2743200" indent="0">
+              <a:defRPr sz="1100">
+                <a:latin typeface="+mn-lt"/>
+                <a:ea typeface="+mn-ea"/>
+                <a:cs typeface="+mn-cs"/>
+              </a:defRPr>
+            </a:lvl7pPr>
+            <a:lvl8pPr marL="3200400" indent="0">
+              <a:defRPr sz="1100">
+                <a:latin typeface="+mn-lt"/>
+                <a:ea typeface="+mn-ea"/>
+                <a:cs typeface="+mn-cs"/>
+              </a:defRPr>
+            </a:lvl8pPr>
+            <a:lvl9pPr marL="3657600" indent="0">
+              <a:defRPr sz="1100">
+                <a:latin typeface="+mn-lt"/>
+                <a:ea typeface="+mn-ea"/>
+                <a:cs typeface="+mn-cs"/>
+              </a:defRPr>
+            </a:lvl9pPr>
+          </a:lstStyle>
+          <a:p>
+            <a:endParaRPr sz="1000"/>
+          </a:p>
+        </p:txBody>
+      </p:sp>
+      <p:grpSp>
+        <p:nvGrpSpPr>
+          <p:cNvPr id="44" name="Group 43">
+            <a:extLst>
+              <a:ext uri="{FF2B5EF4-FFF2-40B4-BE49-F238E27FC236}">
+                <a16:creationId xmlns:a16="http://schemas.microsoft.com/office/drawing/2014/main" id="{CA9A5133-DAD0-49D9-8364-7738C36B5857}"/>
+              </a:ext>
+            </a:extLst>
+          </p:cNvPr>
+          <p:cNvGrpSpPr/>
+          <p:nvPr/>
+        </p:nvGrpSpPr>
+        <p:grpSpPr>
+          <a:xfrm>
+            <a:off x="5775950" y="2667619"/>
+            <a:ext cx="487815" cy="419096"/>
+            <a:chOff x="3833958" y="4191555"/>
+            <a:chExt cx="487815" cy="419096"/>
+          </a:xfrm>
+        </p:grpSpPr>
+        <p:sp>
+          <p:nvSpPr>
+            <p:cNvPr id="34" name="object 199">
+              <a:extLst>
+                <a:ext uri="{FF2B5EF4-FFF2-40B4-BE49-F238E27FC236}">
+                  <a16:creationId xmlns:a16="http://schemas.microsoft.com/office/drawing/2014/main" id="{F9779E0A-1798-4EBF-B931-1CE2BB9ACC0C}"/>
+                </a:ext>
+              </a:extLst>
+            </p:cNvPr>
+            <p:cNvSpPr/>
+            <p:nvPr/>
+          </p:nvSpPr>
+          <p:spPr>
+            <a:xfrm flipH="1">
+              <a:off x="3921759" y="4191555"/>
+              <a:ext cx="400014" cy="419096"/>
+            </a:xfrm>
+            <a:prstGeom prst="rect">
+              <a:avLst/>
+            </a:prstGeom>
+            <a:blipFill>
+              <a:blip r:embed="rId11" cstate="print">
+                <a:extLst>
+                  <a:ext uri="{BEBA8EAE-BF5A-486C-A8C5-ECC9F3942E4B}">
+                    <a14:imgProps xmlns:a14="http://schemas.microsoft.com/office/drawing/2010/main">
+                      <a14:imgLayer r:embed="rId12">
+                        <a14:imgEffect>
+                          <a14:backgroundRemoval t="10000" b="90000" l="0" r="75956"/>
+                        </a14:imgEffect>
+                      </a14:imgLayer>
+                    </a14:imgProps>
+                  </a:ext>
+                </a:extLst>
+              </a:blip>
+              <a:stretch>
+                <a:fillRect/>
+              </a:stretch>
+            </a:blipFill>
+          </p:spPr>
+          <p:txBody>
+            <a:bodyPr wrap="square" lIns="0" tIns="0" rIns="0" bIns="0" rtlCol="0"/>
+            <a:lstStyle>
+              <a:lvl1pPr marL="0" indent="0">
+                <a:defRPr sz="1100">
+                  <a:latin typeface="+mn-lt"/>
+                  <a:ea typeface="+mn-ea"/>
+                  <a:cs typeface="+mn-cs"/>
+                </a:defRPr>
+              </a:lvl1pPr>
+              <a:lvl2pPr marL="457200" indent="0">
+                <a:defRPr sz="1100">
+                  <a:latin typeface="+mn-lt"/>
+                  <a:ea typeface="+mn-ea"/>
+                  <a:cs typeface="+mn-cs"/>
+                </a:defRPr>
+              </a:lvl2pPr>
+              <a:lvl3pPr marL="914400" indent="0">
+                <a:defRPr sz="1100">
+                  <a:latin typeface="+mn-lt"/>
+                  <a:ea typeface="+mn-ea"/>
+                  <a:cs typeface="+mn-cs"/>
+                </a:defRPr>
+              </a:lvl3pPr>
+              <a:lvl4pPr marL="1371600" indent="0">
+                <a:defRPr sz="1100">
+                  <a:latin typeface="+mn-lt"/>
+                  <a:ea typeface="+mn-ea"/>
+                  <a:cs typeface="+mn-cs"/>
+                </a:defRPr>
+              </a:lvl4pPr>
+              <a:lvl5pPr marL="1828800" indent="0">
+                <a:defRPr sz="1100">
+                  <a:latin typeface="+mn-lt"/>
+                  <a:ea typeface="+mn-ea"/>
+                  <a:cs typeface="+mn-cs"/>
+                </a:defRPr>
+              </a:lvl5pPr>
+              <a:lvl6pPr marL="2286000" indent="0">
+                <a:defRPr sz="1100">
+                  <a:latin typeface="+mn-lt"/>
+                  <a:ea typeface="+mn-ea"/>
+                  <a:cs typeface="+mn-cs"/>
+                </a:defRPr>
+              </a:lvl6pPr>
+              <a:lvl7pPr marL="2743200" indent="0">
+                <a:defRPr sz="1100">
+                  <a:latin typeface="+mn-lt"/>
+                  <a:ea typeface="+mn-ea"/>
+                  <a:cs typeface="+mn-cs"/>
+                </a:defRPr>
+              </a:lvl7pPr>
+              <a:lvl8pPr marL="3200400" indent="0">
+                <a:defRPr sz="1100">
+                  <a:latin typeface="+mn-lt"/>
+                  <a:ea typeface="+mn-ea"/>
+                  <a:cs typeface="+mn-cs"/>
+                </a:defRPr>
+              </a:lvl8pPr>
+              <a:lvl9pPr marL="3657600" indent="0">
+                <a:defRPr sz="1100">
+                  <a:latin typeface="+mn-lt"/>
+                  <a:ea typeface="+mn-ea"/>
+                  <a:cs typeface="+mn-cs"/>
+                </a:defRPr>
+              </a:lvl9pPr>
+            </a:lstStyle>
+            <a:p>
+              <a:endParaRPr sz="1000"/>
+            </a:p>
+          </p:txBody>
+        </p:sp>
+        <p:pic>
+          <p:nvPicPr>
+            <p:cNvPr id="59" name="Picture 58">
+              <a:extLst>
+                <a:ext uri="{FF2B5EF4-FFF2-40B4-BE49-F238E27FC236}">
+                  <a16:creationId xmlns:a16="http://schemas.microsoft.com/office/drawing/2014/main" id="{FB99A502-4252-41EF-90FC-F0D034994131}"/>
+                </a:ext>
+              </a:extLst>
+            </p:cNvPr>
+            <p:cNvPicPr>
+              <a:picLocks noChangeAspect="1"/>
+            </p:cNvPicPr>
+            <p:nvPr/>
+          </p:nvPicPr>
+          <p:blipFill>
+            <a:blip r:embed="rId13" cstate="print">
+              <a:extLst>
+                <a:ext uri="{BEBA8EAE-BF5A-486C-A8C5-ECC9F3942E4B}">
+                  <a14:imgProps xmlns:a14="http://schemas.microsoft.com/office/drawing/2010/main">
+                    <a14:imgLayer r:embed="rId14">
+                      <a14:imgEffect>
+                        <a14:backgroundRemoval t="0" b="99567" l="0" r="100000">
+                          <a14:foregroundMark x1="57604" y1="40837" x2="57604" y2="40837"/>
+                          <a14:foregroundMark x1="47083" y1="64214" x2="47083" y2="64214"/>
+                          <a14:foregroundMark x1="49688" y1="92208" x2="49688" y2="92208"/>
+                        </a14:backgroundRemoval>
+                      </a14:imgEffect>
+                    </a14:imgLayer>
+                  </a14:imgProps>
+                </a:ext>
+                <a:ext uri="{28A0092B-C50C-407E-A947-70E740481C1C}">
+                  <a14:useLocalDpi xmlns:a14="http://schemas.microsoft.com/office/drawing/2010/main" val="0"/>
+                </a:ext>
+              </a:extLst>
+            </a:blip>
+            <a:stretch>
+              <a:fillRect/>
+            </a:stretch>
+          </p:blipFill>
+          <p:spPr>
+            <a:xfrm rot="17803524">
+              <a:off x="3906786" y="4155467"/>
+              <a:ext cx="129456" cy="275111"/>
+            </a:xfrm>
+            <a:prstGeom prst="rect">
+              <a:avLst/>
+            </a:prstGeom>
+          </p:spPr>
+        </p:pic>
+      </p:grpSp>
+      <p:sp>
+        <p:nvSpPr>
+          <p:cNvPr id="61" name="Rectangle 60">
+            <a:extLst>
+              <a:ext uri="{FF2B5EF4-FFF2-40B4-BE49-F238E27FC236}">
+                <a16:creationId xmlns:a16="http://schemas.microsoft.com/office/drawing/2014/main" id="{22BA5C27-7A63-48CA-95FF-0B04643DB4A4}"/>
+              </a:ext>
+            </a:extLst>
+          </p:cNvPr>
+          <p:cNvSpPr/>
+          <p:nvPr/>
+        </p:nvSpPr>
+        <p:spPr>
+          <a:xfrm>
+            <a:off x="4897705" y="2221469"/>
+            <a:ext cx="1260802" cy="231762"/>
+          </a:xfrm>
+          <a:prstGeom prst="rect">
+            <a:avLst/>
+          </a:prstGeom>
+          <a:noFill/>
+          <a:ln w="3175">
+            <a:noFill/>
+          </a:ln>
+        </p:spPr>
+        <p:style>
+          <a:lnRef idx="2">
+            <a:schemeClr val="accent1">
+              <a:shade val="50000"/>
+            </a:schemeClr>
+          </a:lnRef>
+          <a:fillRef idx="1">
+            <a:schemeClr val="accent1"/>
+          </a:fillRef>
+          <a:effectRef idx="0">
+            <a:schemeClr val="accent1"/>
+          </a:effectRef>
+          <a:fontRef idx="minor">
+            <a:schemeClr val="lt1"/>
+          </a:fontRef>
+        </p:style>
+        <p:txBody>
+          <a:bodyPr lIns="0" tIns="0" rIns="0" bIns="0" rtlCol="0" anchor="ctr"/>
+          <a:lstStyle/>
+          <a:p>
+            <a:pPr algn="ctr">
+              <a:spcBef>
+                <a:spcPct val="50000"/>
+              </a:spcBef>
+            </a:pPr>
+            <a:r>
+              <a:rPr lang="en-US" sz="1600" dirty="0">
+                <a:solidFill>
+                  <a:srgbClr val="0E067C"/>
+                </a:solidFill>
+                <a:latin typeface="Arial" panose="020B0604020202020204" pitchFamily="34" charset="0"/>
+                <a:cs typeface="Arial" panose="020B0604020202020204" pitchFamily="34" charset="0"/>
+              </a:rPr>
+              <a:t>Inventory</a:t>
+            </a:r>
+          </a:p>
+        </p:txBody>
+      </p:sp>
+      <p:grpSp>
+        <p:nvGrpSpPr>
+          <p:cNvPr id="63" name="Group 62">
+            <a:extLst>
+              <a:ext uri="{FF2B5EF4-FFF2-40B4-BE49-F238E27FC236}">
+                <a16:creationId xmlns:a16="http://schemas.microsoft.com/office/drawing/2014/main" id="{E2CEBA16-9E07-4D0B-B552-E1A6D75BDD5E}"/>
+              </a:ext>
+            </a:extLst>
+          </p:cNvPr>
+          <p:cNvGrpSpPr/>
+          <p:nvPr/>
+        </p:nvGrpSpPr>
+        <p:grpSpPr>
+          <a:xfrm>
+            <a:off x="4513768" y="2562205"/>
+            <a:ext cx="487815" cy="419096"/>
+            <a:chOff x="3833958" y="4191555"/>
+            <a:chExt cx="487815" cy="419096"/>
+          </a:xfrm>
+        </p:grpSpPr>
+        <p:sp>
+          <p:nvSpPr>
+            <p:cNvPr id="64" name="object 199">
+              <a:extLst>
+                <a:ext uri="{FF2B5EF4-FFF2-40B4-BE49-F238E27FC236}">
+                  <a16:creationId xmlns:a16="http://schemas.microsoft.com/office/drawing/2014/main" id="{A7BF69A2-E13A-493D-9396-D85555F2591F}"/>
+                </a:ext>
+              </a:extLst>
+            </p:cNvPr>
+            <p:cNvSpPr/>
+            <p:nvPr/>
+          </p:nvSpPr>
+          <p:spPr>
+            <a:xfrm flipH="1">
+              <a:off x="3921759" y="4191555"/>
+              <a:ext cx="400014" cy="419096"/>
+            </a:xfrm>
+            <a:prstGeom prst="rect">
+              <a:avLst/>
+            </a:prstGeom>
+            <a:blipFill>
+              <a:blip r:embed="rId11" cstate="print">
+                <a:extLst>
+                  <a:ext uri="{BEBA8EAE-BF5A-486C-A8C5-ECC9F3942E4B}">
+                    <a14:imgProps xmlns:a14="http://schemas.microsoft.com/office/drawing/2010/main">
+                      <a14:imgLayer r:embed="rId12">
+                        <a14:imgEffect>
+                          <a14:backgroundRemoval t="10000" b="90000" l="0" r="75956"/>
+                        </a14:imgEffect>
+                      </a14:imgLayer>
+                    </a14:imgProps>
+                  </a:ext>
+                </a:extLst>
+              </a:blip>
+              <a:stretch>
+                <a:fillRect/>
+              </a:stretch>
+            </a:blipFill>
+          </p:spPr>
+          <p:txBody>
+            <a:bodyPr wrap="square" lIns="0" tIns="0" rIns="0" bIns="0" rtlCol="0"/>
+            <a:lstStyle>
+              <a:lvl1pPr marL="0" indent="0">
+                <a:defRPr sz="1100">
+                  <a:latin typeface="+mn-lt"/>
+                  <a:ea typeface="+mn-ea"/>
+                  <a:cs typeface="+mn-cs"/>
+                </a:defRPr>
+              </a:lvl1pPr>
+              <a:lvl2pPr marL="457200" indent="0">
+                <a:defRPr sz="1100">
+                  <a:latin typeface="+mn-lt"/>
+                  <a:ea typeface="+mn-ea"/>
+                  <a:cs typeface="+mn-cs"/>
+                </a:defRPr>
+              </a:lvl2pPr>
+              <a:lvl3pPr marL="914400" indent="0">
+                <a:defRPr sz="1100">
+                  <a:latin typeface="+mn-lt"/>
+                  <a:ea typeface="+mn-ea"/>
+                  <a:cs typeface="+mn-cs"/>
+                </a:defRPr>
+              </a:lvl3pPr>
+              <a:lvl4pPr marL="1371600" indent="0">
+                <a:defRPr sz="1100">
+                  <a:latin typeface="+mn-lt"/>
+                  <a:ea typeface="+mn-ea"/>
+                  <a:cs typeface="+mn-cs"/>
+                </a:defRPr>
+              </a:lvl4pPr>
+              <a:lvl5pPr marL="1828800" indent="0">
+                <a:defRPr sz="1100">
+                  <a:latin typeface="+mn-lt"/>
+                  <a:ea typeface="+mn-ea"/>
+                  <a:cs typeface="+mn-cs"/>
+                </a:defRPr>
+              </a:lvl5pPr>
+              <a:lvl6pPr marL="2286000" indent="0">
+                <a:defRPr sz="1100">
+                  <a:latin typeface="+mn-lt"/>
+                  <a:ea typeface="+mn-ea"/>
+                  <a:cs typeface="+mn-cs"/>
+                </a:defRPr>
+              </a:lvl6pPr>
+              <a:lvl7pPr marL="2743200" indent="0">
+                <a:defRPr sz="1100">
+                  <a:latin typeface="+mn-lt"/>
+                  <a:ea typeface="+mn-ea"/>
+                  <a:cs typeface="+mn-cs"/>
+                </a:defRPr>
+              </a:lvl7pPr>
+              <a:lvl8pPr marL="3200400" indent="0">
+                <a:defRPr sz="1100">
+                  <a:latin typeface="+mn-lt"/>
+                  <a:ea typeface="+mn-ea"/>
+                  <a:cs typeface="+mn-cs"/>
+                </a:defRPr>
+              </a:lvl8pPr>
+              <a:lvl9pPr marL="3657600" indent="0">
+                <a:defRPr sz="1100">
+                  <a:latin typeface="+mn-lt"/>
+                  <a:ea typeface="+mn-ea"/>
+                  <a:cs typeface="+mn-cs"/>
+                </a:defRPr>
+              </a:lvl9pPr>
+            </a:lstStyle>
+            <a:p>
+              <a:endParaRPr sz="1000"/>
+            </a:p>
+          </p:txBody>
+        </p:sp>
+        <p:pic>
+          <p:nvPicPr>
+            <p:cNvPr id="65" name="Picture 64">
+              <a:extLst>
+                <a:ext uri="{FF2B5EF4-FFF2-40B4-BE49-F238E27FC236}">
+                  <a16:creationId xmlns:a16="http://schemas.microsoft.com/office/drawing/2014/main" id="{A6347374-DFEC-421D-883F-52A4F32B4297}"/>
+                </a:ext>
+              </a:extLst>
+            </p:cNvPr>
+            <p:cNvPicPr>
+              <a:picLocks noChangeAspect="1"/>
+            </p:cNvPicPr>
+            <p:nvPr/>
+          </p:nvPicPr>
+          <p:blipFill>
+            <a:blip r:embed="rId13" cstate="print">
+              <a:extLst>
+                <a:ext uri="{BEBA8EAE-BF5A-486C-A8C5-ECC9F3942E4B}">
+                  <a14:imgProps xmlns:a14="http://schemas.microsoft.com/office/drawing/2010/main">
+                    <a14:imgLayer r:embed="rId14">
+                      <a14:imgEffect>
+                        <a14:backgroundRemoval t="0" b="99567" l="0" r="100000">
+                          <a14:foregroundMark x1="57604" y1="40837" x2="57604" y2="40837"/>
+                          <a14:foregroundMark x1="47083" y1="64214" x2="47083" y2="64214"/>
+                          <a14:foregroundMark x1="49688" y1="92208" x2="49688" y2="92208"/>
+                        </a14:backgroundRemoval>
+                      </a14:imgEffect>
+                    </a14:imgLayer>
+                  </a14:imgProps>
+                </a:ext>
+                <a:ext uri="{28A0092B-C50C-407E-A947-70E740481C1C}">
+                  <a14:useLocalDpi xmlns:a14="http://schemas.microsoft.com/office/drawing/2010/main" val="0"/>
+                </a:ext>
+              </a:extLst>
+            </a:blip>
+            <a:stretch>
+              <a:fillRect/>
+            </a:stretch>
+          </p:blipFill>
+          <p:spPr>
+            <a:xfrm rot="17803524">
+              <a:off x="3906786" y="4155467"/>
+              <a:ext cx="129456" cy="275111"/>
+            </a:xfrm>
+            <a:prstGeom prst="rect">
+              <a:avLst/>
+            </a:prstGeom>
+          </p:spPr>
+        </p:pic>
+      </p:grpSp>
+      <p:sp>
+        <p:nvSpPr>
+          <p:cNvPr id="66" name="Text Box 78">
+            <a:extLst>
+              <a:ext uri="{FF2B5EF4-FFF2-40B4-BE49-F238E27FC236}">
+                <a16:creationId xmlns:a16="http://schemas.microsoft.com/office/drawing/2014/main" id="{51D3E92A-A5EB-4715-BCF8-6B300FA9B554}"/>
+              </a:ext>
+            </a:extLst>
+          </p:cNvPr>
+          <p:cNvSpPr txBox="1">
+            <a:spLocks noChangeArrowheads="1"/>
+          </p:cNvSpPr>
+          <p:nvPr/>
+        </p:nvSpPr>
+        <p:spPr bwMode="auto">
+          <a:xfrm>
+            <a:off x="3981217" y="2197544"/>
+            <a:ext cx="1144262" cy="338554"/>
+          </a:xfrm>
+          <a:prstGeom prst="rect">
+            <a:avLst/>
+          </a:prstGeom>
+          <a:noFill/>
+          <a:ln>
+            <a:noFill/>
+          </a:ln>
+          <a:effectLst/>
+          <a:extLst/>
+        </p:spPr>
+        <p:txBody>
+          <a:bodyPr wrap="square">
+            <a:spAutoFit/>
+          </a:bodyPr>
+          <a:lstStyle/>
+          <a:p>
+            <a:pPr algn="ctr">
+              <a:spcBef>
+                <a:spcPct val="50000"/>
+              </a:spcBef>
+            </a:pPr>
+            <a:r>
+              <a:rPr lang="en-US" altLang="ja-JP" sz="1600" dirty="0">
+                <a:solidFill>
+                  <a:srgbClr val="0E067C"/>
+                </a:solidFill>
+                <a:latin typeface="Arial" panose="020B0604020202020204" pitchFamily="34" charset="0"/>
+                <a:cs typeface="Arial" panose="020B0604020202020204" pitchFamily="34" charset="0"/>
+              </a:rPr>
+              <a:t>Transfer</a:t>
+            </a:r>
+          </a:p>
+        </p:txBody>
+      </p:sp>
+      <p:pic>
+        <p:nvPicPr>
+          <p:cNvPr id="68" name="Picture 67">
+            <a:extLst>
+              <a:ext uri="{FF2B5EF4-FFF2-40B4-BE49-F238E27FC236}">
+                <a16:creationId xmlns:a16="http://schemas.microsoft.com/office/drawing/2014/main" id="{FE2BDF9F-154F-4D57-84EA-040A629CD77D}"/>
+              </a:ext>
+            </a:extLst>
+          </p:cNvPr>
+          <p:cNvPicPr>
+            <a:picLocks noChangeAspect="1"/>
+          </p:cNvPicPr>
+          <p:nvPr/>
+        </p:nvPicPr>
+        <p:blipFill rotWithShape="1">
+          <a:blip r:embed="rId15">
+            <a:extLst>
+              <a:ext uri="{28A0092B-C50C-407E-A947-70E740481C1C}">
+                <a14:useLocalDpi xmlns:a14="http://schemas.microsoft.com/office/drawing/2010/main" val="0"/>
+              </a:ext>
+            </a:extLst>
+          </a:blip>
+          <a:srcRect l="30294" t="6939" r="58894" b="48249"/>
+          <a:stretch/>
+        </p:blipFill>
+        <p:spPr bwMode="auto">
+          <a:xfrm>
+            <a:off x="3584848" y="4205224"/>
+            <a:ext cx="913934" cy="876163"/>
+          </a:xfrm>
+          <a:prstGeom prst="rect">
+            <a:avLst/>
+          </a:prstGeom>
+          <a:noFill/>
+          <a:ln w="12700">
+            <a:solidFill>
+              <a:schemeClr val="tx1"/>
+            </a:solidFill>
+            <a:miter lim="800000"/>
+            <a:headEnd/>
+            <a:tailEnd/>
+          </a:ln>
+          <a:extLst>
+            <a:ext uri="{909E8E84-426E-40DD-AFC4-6F175D3DCCD1}">
+              <a14:hiddenFill xmlns:a14="http://schemas.microsoft.com/office/drawing/2010/main">
+                <a:solidFill>
+                  <a:srgbClr val="FFFFFF"/>
+                </a:solidFill>
+              </a14:hiddenFill>
+            </a:ext>
+          </a:extLst>
+        </p:spPr>
+      </p:pic>
+      <p:graphicFrame>
+        <p:nvGraphicFramePr>
+          <p:cNvPr id="69" name="Object 68">
+            <a:extLst>
+              <a:ext uri="{FF2B5EF4-FFF2-40B4-BE49-F238E27FC236}">
+                <a16:creationId xmlns:a16="http://schemas.microsoft.com/office/drawing/2014/main" id="{7E69AAF4-C328-405D-AF1A-2EB510068E90}"/>
+              </a:ext>
+            </a:extLst>
+          </p:cNvPr>
+          <p:cNvGraphicFramePr>
+            <a:graphicFrameLocks noChangeAspect="1"/>
+          </p:cNvGraphicFramePr>
+          <p:nvPr>
+            <p:extLst>
+              <p:ext uri="{D42A27DB-BD31-4B8C-83A1-F6EECF244321}">
+                <p14:modId xmlns:p14="http://schemas.microsoft.com/office/powerpoint/2010/main" val="2385830028"/>
+              </p:ext>
+            </p:extLst>
+          </p:nvPr>
+        </p:nvGraphicFramePr>
+        <p:xfrm>
+          <a:off x="3675109" y="4360660"/>
+          <a:ext cx="211693" cy="181972"/>
+        </p:xfrm>
+        <a:graphic>
+          <a:graphicData uri="http://schemas.openxmlformats.org/presentationml/2006/ole">
+            <mc:AlternateContent xmlns:mc="http://schemas.openxmlformats.org/markup-compatibility/2006">
+              <mc:Choice xmlns:v="urn:schemas-microsoft-com:vml" Requires="v">
+                <p:oleObj spid="_x0000_s1039" name="ｸﾘｯﾌﾟ" r:id="rId16" imgW="1666667" imgH="1695238" progId="">
+                  <p:embed/>
+                </p:oleObj>
+              </mc:Choice>
+              <mc:Fallback>
+                <p:oleObj name="ｸﾘｯﾌﾟ" r:id="rId16" imgW="1666667" imgH="1695238" progId="">
+                  <p:embed/>
+                  <p:pic>
+                    <p:nvPicPr>
+                      <p:cNvPr id="564" name="Object 563"/>
+                      <p:cNvPicPr>
+                        <a:picLocks noChangeAspect="1" noChangeArrowheads="1"/>
+                      </p:cNvPicPr>
+                      <p:nvPr/>
+                    </p:nvPicPr>
+                    <p:blipFill>
+                      <a:blip r:embed="rId17">
+                        <a:extLst>
+                          <a:ext uri="{28A0092B-C50C-407E-A947-70E740481C1C}">
+                            <a14:useLocalDpi xmlns:a14="http://schemas.microsoft.com/office/drawing/2010/main" val="0"/>
+                          </a:ext>
+                        </a:extLst>
+                      </a:blip>
+                      <a:srcRect/>
+                      <a:stretch>
+                        <a:fillRect/>
+                      </a:stretch>
+                    </p:blipFill>
+                    <p:spPr bwMode="auto">
+                      <a:xfrm>
+                        <a:off x="3675109" y="4360660"/>
+                        <a:ext cx="211693" cy="181972"/>
+                      </a:xfrm>
+                      <a:prstGeom prst="rect">
+                        <a:avLst/>
+                      </a:prstGeom>
+                      <a:solidFill>
+                        <a:srgbClr val="FFFFFF"/>
+                      </a:solidFill>
+                      <a:ln w="28575">
+                        <a:solidFill>
+                          <a:srgbClr val="00B0F0"/>
+                        </a:solidFill>
+                        <a:miter lim="800000"/>
+                        <a:headEnd/>
+                        <a:tailEnd/>
+                      </a:ln>
+                    </p:spPr>
+                  </p:pic>
+                </p:oleObj>
+              </mc:Fallback>
+            </mc:AlternateContent>
+          </a:graphicData>
+        </a:graphic>
+      </p:graphicFrame>
+      <p:sp>
+        <p:nvSpPr>
+          <p:cNvPr id="75" name="object 254">
+            <a:extLst>
+              <a:ext uri="{FF2B5EF4-FFF2-40B4-BE49-F238E27FC236}">
+                <a16:creationId xmlns:a16="http://schemas.microsoft.com/office/drawing/2014/main" id="{7135B3FF-50EB-4C5F-A8A2-78F343888B0A}"/>
+              </a:ext>
+            </a:extLst>
+          </p:cNvPr>
+          <p:cNvSpPr txBox="1"/>
+          <p:nvPr/>
+        </p:nvSpPr>
+        <p:spPr>
+          <a:xfrm>
+            <a:off x="2797590" y="3632987"/>
+            <a:ext cx="1149264" cy="505908"/>
+          </a:xfrm>
+          <a:prstGeom prst="rect">
+            <a:avLst/>
+          </a:prstGeom>
+        </p:spPr>
+        <p:txBody>
+          <a:bodyPr vert="horz" wrap="square" lIns="0" tIns="13335" rIns="0" bIns="0" rtlCol="0">
+            <a:spAutoFit/>
+          </a:bodyPr>
+          <a:lstStyle>
+            <a:defPPr>
+              <a:defRPr lang="en-US"/>
+            </a:defPPr>
+            <a:lvl1pPr indent="0" algn="ctr">
+              <a:spcBef>
+                <a:spcPct val="50000"/>
+              </a:spcBef>
+              <a:defRPr sz="1600">
+                <a:solidFill>
+                  <a:srgbClr val="0E067C"/>
+                </a:solidFill>
+                <a:latin typeface="Arial" panose="020B0604020202020204" pitchFamily="34" charset="0"/>
+                <a:cs typeface="Arial" panose="020B0604020202020204" pitchFamily="34" charset="0"/>
+              </a:defRPr>
+            </a:lvl1pPr>
+            <a:lvl2pPr indent="0">
+              <a:defRPr sz="1100"/>
+            </a:lvl2pPr>
+            <a:lvl3pPr indent="0">
+              <a:defRPr sz="1100"/>
+            </a:lvl3pPr>
+            <a:lvl4pPr indent="0">
+              <a:defRPr sz="1100"/>
+            </a:lvl4pPr>
+            <a:lvl5pPr indent="0">
+              <a:defRPr sz="1100"/>
+            </a:lvl5pPr>
+            <a:lvl6pPr indent="0">
+              <a:defRPr sz="1100"/>
+            </a:lvl6pPr>
+            <a:lvl7pPr indent="0">
+              <a:defRPr sz="1100"/>
+            </a:lvl7pPr>
+            <a:lvl8pPr indent="0">
+              <a:defRPr sz="1100"/>
+            </a:lvl8pPr>
+            <a:lvl9pPr indent="0">
+              <a:defRPr sz="1100"/>
+            </a:lvl9pPr>
+          </a:lstStyle>
+          <a:p>
+            <a:r>
+              <a:rPr lang="en-GB" dirty="0"/>
+              <a:t>Import stationery</a:t>
+            </a:r>
+            <a:endParaRPr dirty="0"/>
+          </a:p>
+        </p:txBody>
+      </p:sp>
+      <p:sp>
+        <p:nvSpPr>
+          <p:cNvPr id="81" name="object 254">
+            <a:extLst>
+              <a:ext uri="{FF2B5EF4-FFF2-40B4-BE49-F238E27FC236}">
+                <a16:creationId xmlns:a16="http://schemas.microsoft.com/office/drawing/2014/main" id="{F54CB657-02F1-49ED-88CA-EB772F5E4AEC}"/>
+              </a:ext>
+            </a:extLst>
+          </p:cNvPr>
+          <p:cNvSpPr txBox="1"/>
+          <p:nvPr/>
+        </p:nvSpPr>
+        <p:spPr>
+          <a:xfrm>
+            <a:off x="4683549" y="4969514"/>
+            <a:ext cx="1737774" cy="259686"/>
+          </a:xfrm>
+          <a:prstGeom prst="rect">
+            <a:avLst/>
+          </a:prstGeom>
+        </p:spPr>
+        <p:txBody>
+          <a:bodyPr vert="horz" wrap="square" lIns="0" tIns="13335" rIns="0" bIns="0" rtlCol="0">
+            <a:spAutoFit/>
+          </a:bodyPr>
+          <a:lstStyle>
+            <a:lvl1pPr marL="0" indent="0">
+              <a:defRPr sz="1100">
+                <a:latin typeface="+mn-lt"/>
+                <a:ea typeface="+mn-ea"/>
+                <a:cs typeface="+mn-cs"/>
+              </a:defRPr>
+            </a:lvl1pPr>
+            <a:lvl2pPr marL="457200" indent="0">
+              <a:defRPr sz="1100">
+                <a:latin typeface="+mn-lt"/>
+                <a:ea typeface="+mn-ea"/>
+                <a:cs typeface="+mn-cs"/>
+              </a:defRPr>
+            </a:lvl2pPr>
+            <a:lvl3pPr marL="914400" indent="0">
+              <a:defRPr sz="1100">
+                <a:latin typeface="+mn-lt"/>
+                <a:ea typeface="+mn-ea"/>
+                <a:cs typeface="+mn-cs"/>
+              </a:defRPr>
+            </a:lvl3pPr>
+            <a:lvl4pPr marL="1371600" indent="0">
+              <a:defRPr sz="1100">
+                <a:latin typeface="+mn-lt"/>
+                <a:ea typeface="+mn-ea"/>
+                <a:cs typeface="+mn-cs"/>
+              </a:defRPr>
+            </a:lvl4pPr>
+            <a:lvl5pPr marL="1828800" indent="0">
+              <a:defRPr sz="1100">
+                <a:latin typeface="+mn-lt"/>
+                <a:ea typeface="+mn-ea"/>
+                <a:cs typeface="+mn-cs"/>
+              </a:defRPr>
+            </a:lvl5pPr>
+            <a:lvl6pPr marL="2286000" indent="0">
+              <a:defRPr sz="1100">
+                <a:latin typeface="+mn-lt"/>
+                <a:ea typeface="+mn-ea"/>
+                <a:cs typeface="+mn-cs"/>
+              </a:defRPr>
+            </a:lvl6pPr>
+            <a:lvl7pPr marL="2743200" indent="0">
+              <a:defRPr sz="1100">
+                <a:latin typeface="+mn-lt"/>
+                <a:ea typeface="+mn-ea"/>
+                <a:cs typeface="+mn-cs"/>
+              </a:defRPr>
+            </a:lvl7pPr>
+            <a:lvl8pPr marL="3200400" indent="0">
+              <a:defRPr sz="1100">
+                <a:latin typeface="+mn-lt"/>
+                <a:ea typeface="+mn-ea"/>
+                <a:cs typeface="+mn-cs"/>
+              </a:defRPr>
+            </a:lvl8pPr>
+            <a:lvl9pPr marL="3657600" indent="0">
+              <a:defRPr sz="1100">
+                <a:latin typeface="+mn-lt"/>
+                <a:ea typeface="+mn-ea"/>
+                <a:cs typeface="+mn-cs"/>
+              </a:defRPr>
+            </a:lvl9pPr>
+          </a:lstStyle>
+          <a:p>
+            <a:pPr algn="ctr">
+              <a:spcBef>
+                <a:spcPct val="50000"/>
+              </a:spcBef>
+            </a:pPr>
+            <a:r>
+              <a:rPr lang="en-GB" sz="1600" dirty="0">
+                <a:solidFill>
+                  <a:srgbClr val="0E067C"/>
+                </a:solidFill>
+                <a:latin typeface="Arial" panose="020B0604020202020204" pitchFamily="34" charset="0"/>
+                <a:cs typeface="Arial" panose="020B0604020202020204" pitchFamily="34" charset="0"/>
+              </a:rPr>
+              <a:t>Export stationery</a:t>
+            </a:r>
+            <a:endParaRPr sz="1600" dirty="0">
+              <a:solidFill>
+                <a:srgbClr val="0E067C"/>
+              </a:solidFill>
+              <a:latin typeface="Arial" panose="020B0604020202020204" pitchFamily="34" charset="0"/>
+              <a:cs typeface="Arial" panose="020B0604020202020204" pitchFamily="34" charset="0"/>
+            </a:endParaRPr>
+          </a:p>
+        </p:txBody>
+      </p:sp>
+      <p:cxnSp>
+        <p:nvCxnSpPr>
+          <p:cNvPr id="82" name="Straight Arrow Connector 81">
+            <a:extLst>
+              <a:ext uri="{FF2B5EF4-FFF2-40B4-BE49-F238E27FC236}">
+                <a16:creationId xmlns:a16="http://schemas.microsoft.com/office/drawing/2014/main" id="{A37FD913-0831-4DF1-B40E-24C448C02282}"/>
+              </a:ext>
+            </a:extLst>
+          </p:cNvPr>
+          <p:cNvCxnSpPr>
+            <a:cxnSpLocks/>
+          </p:cNvCxnSpPr>
+          <p:nvPr/>
+        </p:nvCxnSpPr>
+        <p:spPr>
+          <a:xfrm>
+            <a:off x="3968116" y="3864590"/>
+            <a:ext cx="0" cy="248429"/>
+          </a:xfrm>
+          <a:prstGeom prst="straightConnector1">
+            <a:avLst/>
+          </a:prstGeom>
+          <a:ln>
+            <a:tailEnd type="triangle"/>
+          </a:ln>
+        </p:spPr>
+        <p:style>
+          <a:lnRef idx="1">
+            <a:schemeClr val="accent1"/>
+          </a:lnRef>
+          <a:fillRef idx="0">
+            <a:schemeClr val="accent1"/>
+          </a:fillRef>
+          <a:effectRef idx="0">
+            <a:schemeClr val="accent1"/>
+          </a:effectRef>
+          <a:fontRef idx="minor">
+            <a:schemeClr val="tx1"/>
+          </a:fontRef>
+        </p:style>
+      </p:cxnSp>
+      <p:cxnSp>
+        <p:nvCxnSpPr>
+          <p:cNvPr id="83" name="Straight Arrow Connector 82">
+            <a:extLst>
+              <a:ext uri="{FF2B5EF4-FFF2-40B4-BE49-F238E27FC236}">
+                <a16:creationId xmlns:a16="http://schemas.microsoft.com/office/drawing/2014/main" id="{34FC5789-55FA-4FC1-8E23-02811CEB073D}"/>
+              </a:ext>
+            </a:extLst>
+          </p:cNvPr>
+          <p:cNvCxnSpPr>
+            <a:cxnSpLocks/>
+          </p:cNvCxnSpPr>
+          <p:nvPr/>
+        </p:nvCxnSpPr>
+        <p:spPr>
+          <a:xfrm>
+            <a:off x="3944888" y="2631076"/>
+            <a:ext cx="291261" cy="1845"/>
+          </a:xfrm>
+          <a:prstGeom prst="straightConnector1">
+            <a:avLst/>
+          </a:prstGeom>
+          <a:ln>
+            <a:tailEnd type="triangle"/>
+          </a:ln>
+        </p:spPr>
+        <p:style>
+          <a:lnRef idx="1">
+            <a:schemeClr val="accent1"/>
+          </a:lnRef>
+          <a:fillRef idx="0">
+            <a:schemeClr val="accent1"/>
+          </a:fillRef>
+          <a:effectRef idx="0">
+            <a:schemeClr val="accent1"/>
+          </a:effectRef>
+          <a:fontRef idx="minor">
+            <a:schemeClr val="tx1"/>
+          </a:fontRef>
+        </p:style>
+      </p:cxnSp>
+      <p:sp>
+        <p:nvSpPr>
+          <p:cNvPr id="84" name="Rectangle 83">
+            <a:extLst>
+              <a:ext uri="{FF2B5EF4-FFF2-40B4-BE49-F238E27FC236}">
+                <a16:creationId xmlns:a16="http://schemas.microsoft.com/office/drawing/2014/main" id="{AAE6D5A1-03DE-4DB0-8D49-1262C78AE172}"/>
+              </a:ext>
+            </a:extLst>
+          </p:cNvPr>
+          <p:cNvSpPr/>
+          <p:nvPr/>
+        </p:nvSpPr>
+        <p:spPr>
+          <a:xfrm>
+            <a:off x="6311218" y="2232906"/>
+            <a:ext cx="1260801" cy="238514"/>
+          </a:xfrm>
+          <a:prstGeom prst="rect">
+            <a:avLst/>
+          </a:prstGeom>
+          <a:noFill/>
+          <a:ln w="3175">
+            <a:noFill/>
+          </a:ln>
+        </p:spPr>
+        <p:style>
+          <a:lnRef idx="2">
+            <a:schemeClr val="accent1">
+              <a:shade val="50000"/>
+            </a:schemeClr>
+          </a:lnRef>
+          <a:fillRef idx="1">
+            <a:schemeClr val="accent1"/>
+          </a:fillRef>
+          <a:effectRef idx="0">
+            <a:schemeClr val="accent1"/>
+          </a:effectRef>
+          <a:fontRef idx="minor">
+            <a:schemeClr val="lt1"/>
+          </a:fontRef>
+        </p:style>
+        <p:txBody>
+          <a:bodyPr lIns="0" tIns="0" rIns="0" bIns="0" rtlCol="0" anchor="ctr"/>
+          <a:lstStyle/>
+          <a:p>
+            <a:pPr lvl="0" algn="ctr">
+              <a:spcBef>
+                <a:spcPct val="50000"/>
+              </a:spcBef>
+            </a:pPr>
+            <a:r>
+              <a:rPr lang="en-US" sz="1600" dirty="0">
+                <a:solidFill>
+                  <a:srgbClr val="0E067C"/>
+                </a:solidFill>
+                <a:latin typeface="Arial" panose="020B0604020202020204" pitchFamily="34" charset="0"/>
+                <a:cs typeface="Arial" panose="020B0604020202020204" pitchFamily="34" charset="0"/>
+              </a:rPr>
+              <a:t>Maintenance</a:t>
+            </a:r>
+          </a:p>
+        </p:txBody>
+      </p:sp>
+      <p:grpSp>
+        <p:nvGrpSpPr>
+          <p:cNvPr id="85" name="Group 84">
+            <a:extLst>
+              <a:ext uri="{FF2B5EF4-FFF2-40B4-BE49-F238E27FC236}">
+                <a16:creationId xmlns:a16="http://schemas.microsoft.com/office/drawing/2014/main" id="{F9DFD2D3-8478-4A22-BC26-A702F7EC5289}"/>
+              </a:ext>
+            </a:extLst>
+          </p:cNvPr>
+          <p:cNvGrpSpPr/>
+          <p:nvPr/>
+        </p:nvGrpSpPr>
+        <p:grpSpPr>
+          <a:xfrm>
+            <a:off x="5532613" y="4567580"/>
+            <a:ext cx="487815" cy="419096"/>
+            <a:chOff x="3833958" y="4191555"/>
+            <a:chExt cx="487815" cy="419096"/>
+          </a:xfrm>
+        </p:grpSpPr>
+        <p:sp>
+          <p:nvSpPr>
+            <p:cNvPr id="86" name="object 199">
+              <a:extLst>
+                <a:ext uri="{FF2B5EF4-FFF2-40B4-BE49-F238E27FC236}">
+                  <a16:creationId xmlns:a16="http://schemas.microsoft.com/office/drawing/2014/main" id="{67EB96E2-7023-4D7E-BB72-551223CA5071}"/>
+                </a:ext>
+              </a:extLst>
+            </p:cNvPr>
+            <p:cNvSpPr/>
+            <p:nvPr/>
+          </p:nvSpPr>
+          <p:spPr>
+            <a:xfrm flipH="1">
+              <a:off x="3921759" y="4191555"/>
+              <a:ext cx="400014" cy="419096"/>
+            </a:xfrm>
+            <a:prstGeom prst="rect">
+              <a:avLst/>
+            </a:prstGeom>
+            <a:blipFill>
+              <a:blip r:embed="rId11" cstate="print">
+                <a:extLst>
+                  <a:ext uri="{BEBA8EAE-BF5A-486C-A8C5-ECC9F3942E4B}">
+                    <a14:imgProps xmlns:a14="http://schemas.microsoft.com/office/drawing/2010/main">
+                      <a14:imgLayer r:embed="rId12">
+                        <a14:imgEffect>
+                          <a14:backgroundRemoval t="10000" b="90000" l="0" r="75956"/>
+                        </a14:imgEffect>
+                      </a14:imgLayer>
+                    </a14:imgProps>
+                  </a:ext>
+                </a:extLst>
+              </a:blip>
+              <a:stretch>
+                <a:fillRect/>
+              </a:stretch>
+            </a:blipFill>
+          </p:spPr>
+          <p:txBody>
+            <a:bodyPr wrap="square" lIns="0" tIns="0" rIns="0" bIns="0" rtlCol="0"/>
+            <a:lstStyle>
+              <a:lvl1pPr marL="0" indent="0">
+                <a:defRPr sz="1100">
+                  <a:latin typeface="+mn-lt"/>
+                  <a:ea typeface="+mn-ea"/>
+                  <a:cs typeface="+mn-cs"/>
+                </a:defRPr>
+              </a:lvl1pPr>
+              <a:lvl2pPr marL="457200" indent="0">
+                <a:defRPr sz="1100">
+                  <a:latin typeface="+mn-lt"/>
+                  <a:ea typeface="+mn-ea"/>
+                  <a:cs typeface="+mn-cs"/>
+                </a:defRPr>
+              </a:lvl2pPr>
+              <a:lvl3pPr marL="914400" indent="0">
+                <a:defRPr sz="1100">
+                  <a:latin typeface="+mn-lt"/>
+                  <a:ea typeface="+mn-ea"/>
+                  <a:cs typeface="+mn-cs"/>
+                </a:defRPr>
+              </a:lvl3pPr>
+              <a:lvl4pPr marL="1371600" indent="0">
+                <a:defRPr sz="1100">
+                  <a:latin typeface="+mn-lt"/>
+                  <a:ea typeface="+mn-ea"/>
+                  <a:cs typeface="+mn-cs"/>
+                </a:defRPr>
+              </a:lvl4pPr>
+              <a:lvl5pPr marL="1828800" indent="0">
+                <a:defRPr sz="1100">
+                  <a:latin typeface="+mn-lt"/>
+                  <a:ea typeface="+mn-ea"/>
+                  <a:cs typeface="+mn-cs"/>
+                </a:defRPr>
+              </a:lvl5pPr>
+              <a:lvl6pPr marL="2286000" indent="0">
+                <a:defRPr sz="1100">
+                  <a:latin typeface="+mn-lt"/>
+                  <a:ea typeface="+mn-ea"/>
+                  <a:cs typeface="+mn-cs"/>
+                </a:defRPr>
+              </a:lvl6pPr>
+              <a:lvl7pPr marL="2743200" indent="0">
+                <a:defRPr sz="1100">
+                  <a:latin typeface="+mn-lt"/>
+                  <a:ea typeface="+mn-ea"/>
+                  <a:cs typeface="+mn-cs"/>
+                </a:defRPr>
+              </a:lvl7pPr>
+              <a:lvl8pPr marL="3200400" indent="0">
+                <a:defRPr sz="1100">
+                  <a:latin typeface="+mn-lt"/>
+                  <a:ea typeface="+mn-ea"/>
+                  <a:cs typeface="+mn-cs"/>
+                </a:defRPr>
+              </a:lvl8pPr>
+              <a:lvl9pPr marL="3657600" indent="0">
+                <a:defRPr sz="1100">
+                  <a:latin typeface="+mn-lt"/>
+                  <a:ea typeface="+mn-ea"/>
+                  <a:cs typeface="+mn-cs"/>
+                </a:defRPr>
+              </a:lvl9pPr>
+            </a:lstStyle>
+            <a:p>
+              <a:endParaRPr sz="1000"/>
+            </a:p>
+          </p:txBody>
+        </p:sp>
+        <p:pic>
+          <p:nvPicPr>
+            <p:cNvPr id="87" name="Picture 86">
+              <a:extLst>
+                <a:ext uri="{FF2B5EF4-FFF2-40B4-BE49-F238E27FC236}">
+                  <a16:creationId xmlns:a16="http://schemas.microsoft.com/office/drawing/2014/main" id="{EBB3B946-56D0-4D6D-8DCC-FAC4234F145F}"/>
+                </a:ext>
+              </a:extLst>
+            </p:cNvPr>
+            <p:cNvPicPr>
+              <a:picLocks noChangeAspect="1"/>
+            </p:cNvPicPr>
+            <p:nvPr/>
+          </p:nvPicPr>
+          <p:blipFill>
+            <a:blip r:embed="rId13" cstate="print">
+              <a:extLst>
+                <a:ext uri="{BEBA8EAE-BF5A-486C-A8C5-ECC9F3942E4B}">
+                  <a14:imgProps xmlns:a14="http://schemas.microsoft.com/office/drawing/2010/main">
+                    <a14:imgLayer r:embed="rId14">
+                      <a14:imgEffect>
+                        <a14:backgroundRemoval t="0" b="99567" l="0" r="100000">
+                          <a14:foregroundMark x1="57604" y1="40837" x2="57604" y2="40837"/>
+                          <a14:foregroundMark x1="47083" y1="64214" x2="47083" y2="64214"/>
+                          <a14:foregroundMark x1="49688" y1="92208" x2="49688" y2="92208"/>
+                        </a14:backgroundRemoval>
+                      </a14:imgEffect>
+                    </a14:imgLayer>
+                  </a14:imgProps>
+                </a:ext>
+                <a:ext uri="{28A0092B-C50C-407E-A947-70E740481C1C}">
+                  <a14:useLocalDpi xmlns:a14="http://schemas.microsoft.com/office/drawing/2010/main" val="0"/>
+                </a:ext>
+              </a:extLst>
+            </a:blip>
+            <a:stretch>
+              <a:fillRect/>
+            </a:stretch>
+          </p:blipFill>
+          <p:spPr>
+            <a:xfrm rot="17803524">
+              <a:off x="3906786" y="4155467"/>
+              <a:ext cx="129456" cy="275111"/>
+            </a:xfrm>
+            <a:prstGeom prst="rect">
+              <a:avLst/>
+            </a:prstGeom>
+          </p:spPr>
+        </p:pic>
+      </p:grpSp>
+      <p:sp>
+        <p:nvSpPr>
+          <p:cNvPr id="88" name="二等辺三角形 7172">
+            <a:extLst>
+              <a:ext uri="{FF2B5EF4-FFF2-40B4-BE49-F238E27FC236}">
+                <a16:creationId xmlns:a16="http://schemas.microsoft.com/office/drawing/2014/main" id="{95D74AA1-D8C4-47DA-BC3E-3439AA0CA6CE}"/>
+              </a:ext>
+            </a:extLst>
+          </p:cNvPr>
+          <p:cNvSpPr>
+            <a:spLocks noChangeArrowheads="1"/>
+          </p:cNvSpPr>
+          <p:nvPr/>
+        </p:nvSpPr>
+        <p:spPr bwMode="auto">
+          <a:xfrm rot="16200000">
+            <a:off x="3422567" y="4349788"/>
+            <a:ext cx="183856" cy="285374"/>
+          </a:xfrm>
+          <a:prstGeom prst="triangle">
+            <a:avLst>
+              <a:gd name="adj" fmla="val 50000"/>
+            </a:avLst>
+          </a:prstGeom>
+          <a:solidFill>
+            <a:srgbClr val="FFFF00">
+              <a:alpha val="50195"/>
+            </a:srgbClr>
+          </a:solidFill>
+          <a:ln>
+            <a:noFill/>
+          </a:ln>
+          <a:effectLst>
+            <a:outerShdw dist="35921" dir="2700000" algn="ctr" rotWithShape="0">
+              <a:srgbClr val="808080"/>
+            </a:outerShdw>
+          </a:effectLst>
+          <a:extLst>
+            <a:ext uri="{91240B29-F687-4F45-9708-019B960494DF}">
+              <a14:hiddenLine xmlns:a14="http://schemas.microsoft.com/office/drawing/2010/main" w="9525" algn="ctr">
+                <a:solidFill>
+                  <a:srgbClr val="000000"/>
+                </a:solidFill>
+                <a:round/>
+                <a:headEnd/>
+                <a:tailEnd/>
+              </a14:hiddenLine>
+            </a:ext>
+          </a:extLst>
+        </p:spPr>
+        <p:txBody>
+          <a:bodyPr/>
+          <a:lstStyle/>
+          <a:p>
+            <a:pPr algn="ctr"/>
+            <a:endParaRPr lang="en-SG" b="0">
+              <a:latin typeface="Arial" pitchFamily="34" charset="0"/>
+              <a:cs typeface="Arial" pitchFamily="34" charset="0"/>
+            </a:endParaRPr>
+          </a:p>
+        </p:txBody>
+      </p:sp>
+      <p:pic>
+        <p:nvPicPr>
+          <p:cNvPr id="89" name="Picture 88">
+            <a:extLst>
+              <a:ext uri="{FF2B5EF4-FFF2-40B4-BE49-F238E27FC236}">
+                <a16:creationId xmlns:a16="http://schemas.microsoft.com/office/drawing/2014/main" id="{9931044E-E249-47C4-BEF3-DD74BBDC0A13}"/>
+              </a:ext>
+            </a:extLst>
+          </p:cNvPr>
+          <p:cNvPicPr>
+            <a:picLocks noChangeAspect="1"/>
+          </p:cNvPicPr>
+          <p:nvPr/>
+        </p:nvPicPr>
+        <p:blipFill>
+          <a:blip r:embed="rId18"/>
+          <a:stretch>
+            <a:fillRect/>
+          </a:stretch>
+        </p:blipFill>
+        <p:spPr>
+          <a:xfrm>
+            <a:off x="6964082" y="3454923"/>
+            <a:ext cx="541810" cy="478091"/>
+          </a:xfrm>
+          <a:prstGeom prst="rect">
+            <a:avLst/>
+          </a:prstGeom>
+          <a:noFill/>
+          <a:ln w="12700">
+            <a:solidFill>
+              <a:schemeClr val="tx1"/>
+            </a:solidFill>
+          </a:ln>
+        </p:spPr>
+      </p:pic>
+      <p:sp>
+        <p:nvSpPr>
+          <p:cNvPr id="90" name="Rectangle 89">
+            <a:extLst>
+              <a:ext uri="{FF2B5EF4-FFF2-40B4-BE49-F238E27FC236}">
+                <a16:creationId xmlns:a16="http://schemas.microsoft.com/office/drawing/2014/main" id="{26CD92E8-8088-4002-A535-186850ED1408}"/>
+              </a:ext>
+            </a:extLst>
+          </p:cNvPr>
+          <p:cNvSpPr/>
+          <p:nvPr/>
+        </p:nvSpPr>
+        <p:spPr>
+          <a:xfrm>
+            <a:off x="6681192" y="3186696"/>
+            <a:ext cx="1073962" cy="198131"/>
+          </a:xfrm>
+          <a:prstGeom prst="rect">
+            <a:avLst/>
+          </a:prstGeom>
+          <a:noFill/>
+          <a:ln w="3175">
+            <a:noFill/>
+          </a:ln>
+        </p:spPr>
+        <p:style>
+          <a:lnRef idx="2">
+            <a:schemeClr val="accent1">
+              <a:shade val="50000"/>
+            </a:schemeClr>
+          </a:lnRef>
+          <a:fillRef idx="1">
+            <a:schemeClr val="accent1"/>
+          </a:fillRef>
+          <a:effectRef idx="0">
+            <a:schemeClr val="accent1"/>
+          </a:effectRef>
+          <a:fontRef idx="minor">
+            <a:schemeClr val="lt1"/>
+          </a:fontRef>
+        </p:style>
+        <p:txBody>
+          <a:bodyPr lIns="0" tIns="0" rIns="0" bIns="0" rtlCol="0" anchor="ctr"/>
+          <a:lstStyle/>
+          <a:p>
+            <a:pPr algn="ctr">
+              <a:spcBef>
+                <a:spcPct val="50000"/>
+              </a:spcBef>
+            </a:pPr>
+            <a:r>
+              <a:rPr lang="en-US" sz="1600" dirty="0">
+                <a:solidFill>
+                  <a:srgbClr val="0E067C"/>
+                </a:solidFill>
+                <a:latin typeface="Arial" panose="020B0604020202020204" pitchFamily="34" charset="0"/>
+                <a:cs typeface="Arial" panose="020B0604020202020204" pitchFamily="34" charset="0"/>
+              </a:rPr>
+              <a:t>Scrap</a:t>
+            </a:r>
+          </a:p>
+        </p:txBody>
+      </p:sp>
+      <p:grpSp>
+        <p:nvGrpSpPr>
+          <p:cNvPr id="91" name="Group 90">
+            <a:extLst>
+              <a:ext uri="{FF2B5EF4-FFF2-40B4-BE49-F238E27FC236}">
+                <a16:creationId xmlns:a16="http://schemas.microsoft.com/office/drawing/2014/main" id="{0C861778-940D-424C-8ACB-318A529B0807}"/>
+              </a:ext>
+            </a:extLst>
+          </p:cNvPr>
+          <p:cNvGrpSpPr/>
+          <p:nvPr/>
+        </p:nvGrpSpPr>
+        <p:grpSpPr>
+          <a:xfrm>
+            <a:off x="6547649" y="2539482"/>
+            <a:ext cx="479945" cy="402704"/>
+            <a:chOff x="5992068" y="2471902"/>
+            <a:chExt cx="479945" cy="402704"/>
+          </a:xfrm>
+        </p:grpSpPr>
+        <p:pic>
+          <p:nvPicPr>
+            <p:cNvPr id="92" name="図 48">
+              <a:extLst>
+                <a:ext uri="{FF2B5EF4-FFF2-40B4-BE49-F238E27FC236}">
+                  <a16:creationId xmlns:a16="http://schemas.microsoft.com/office/drawing/2014/main" id="{0A82C2E2-8A77-48EE-BC22-D2BAA7D023BD}"/>
+                </a:ext>
+              </a:extLst>
+            </p:cNvPr>
+            <p:cNvPicPr>
+              <a:picLocks noChangeAspect="1"/>
+            </p:cNvPicPr>
+            <p:nvPr/>
+          </p:nvPicPr>
+          <p:blipFill>
+            <a:blip r:embed="rId6" cstate="print">
+              <a:extLst>
+                <a:ext uri="{28A0092B-C50C-407E-A947-70E740481C1C}">
+                  <a14:useLocalDpi xmlns:a14="http://schemas.microsoft.com/office/drawing/2010/main" val="0"/>
+                </a:ext>
+              </a:extLst>
+            </a:blip>
+            <a:srcRect/>
+            <a:stretch>
+              <a:fillRect/>
+            </a:stretch>
+          </p:blipFill>
+          <p:spPr bwMode="auto">
+            <a:xfrm>
+              <a:off x="5992068" y="2484980"/>
+              <a:ext cx="479945" cy="389626"/>
+            </a:xfrm>
+            <a:prstGeom prst="rect">
+              <a:avLst/>
+            </a:prstGeom>
+            <a:noFill/>
+            <a:ln>
+              <a:noFill/>
+            </a:ln>
+            <a:extLst>
+              <a:ext uri="{909E8E84-426E-40DD-AFC4-6F175D3DCCD1}">
+                <a14:hiddenFill xmlns:a14="http://schemas.microsoft.com/office/drawing/2010/main">
+                  <a:solidFill>
+                    <a:srgbClr val="FFFFFF"/>
+                  </a:solidFill>
+                </a14:hiddenFill>
+              </a:ext>
+              <a:ext uri="{91240B29-F687-4F45-9708-019B960494DF}">
+                <a14:hiddenLine xmlns:a14="http://schemas.microsoft.com/office/drawing/2010/main" w="9525">
+                  <a:solidFill>
+                    <a:srgbClr val="000000"/>
+                  </a:solidFill>
+                  <a:miter lim="800000"/>
+                  <a:headEnd/>
+                  <a:tailEnd/>
+                </a14:hiddenLine>
+              </a:ext>
+            </a:extLst>
+          </p:spPr>
+        </p:pic>
+        <p:pic>
+          <p:nvPicPr>
+            <p:cNvPr id="93" name="図 49">
+              <a:extLst>
+                <a:ext uri="{FF2B5EF4-FFF2-40B4-BE49-F238E27FC236}">
+                  <a16:creationId xmlns:a16="http://schemas.microsoft.com/office/drawing/2014/main" id="{EF7A9740-C961-47CA-80F8-68169BFECD63}"/>
+                </a:ext>
+              </a:extLst>
+            </p:cNvPr>
+            <p:cNvPicPr>
+              <a:picLocks noChangeAspect="1"/>
+            </p:cNvPicPr>
+            <p:nvPr/>
+          </p:nvPicPr>
+          <p:blipFill>
+            <a:blip r:embed="rId7" cstate="print">
+              <a:extLst>
+                <a:ext uri="{28A0092B-C50C-407E-A947-70E740481C1C}">
+                  <a14:useLocalDpi xmlns:a14="http://schemas.microsoft.com/office/drawing/2010/main" val="0"/>
+                </a:ext>
+              </a:extLst>
+            </a:blip>
+            <a:srcRect/>
+            <a:stretch>
+              <a:fillRect/>
+            </a:stretch>
+          </p:blipFill>
+          <p:spPr bwMode="auto">
+            <a:xfrm>
+              <a:off x="6097240" y="2471902"/>
+              <a:ext cx="249957" cy="270786"/>
+            </a:xfrm>
+            <a:prstGeom prst="rect">
+              <a:avLst/>
+            </a:prstGeom>
+            <a:noFill/>
+            <a:ln>
+              <a:noFill/>
+            </a:ln>
+            <a:extLst>
+              <a:ext uri="{909E8E84-426E-40DD-AFC4-6F175D3DCCD1}">
+                <a14:hiddenFill xmlns:a14="http://schemas.microsoft.com/office/drawing/2010/main">
+                  <a:solidFill>
+                    <a:srgbClr val="FFFFFF"/>
+                  </a:solidFill>
+                </a14:hiddenFill>
+              </a:ext>
+              <a:ext uri="{91240B29-F687-4F45-9708-019B960494DF}">
+                <a14:hiddenLine xmlns:a14="http://schemas.microsoft.com/office/drawing/2010/main" w="9525">
+                  <a:solidFill>
+                    <a:srgbClr val="000000"/>
+                  </a:solidFill>
+                  <a:miter lim="800000"/>
+                  <a:headEnd/>
+                  <a:tailEnd/>
+                </a14:hiddenLine>
+              </a:ext>
+            </a:extLst>
+          </p:spPr>
+        </p:pic>
+      </p:grpSp>
+      <p:grpSp>
+        <p:nvGrpSpPr>
+          <p:cNvPr id="94" name="Group 93">
+            <a:extLst>
+              <a:ext uri="{FF2B5EF4-FFF2-40B4-BE49-F238E27FC236}">
+                <a16:creationId xmlns:a16="http://schemas.microsoft.com/office/drawing/2014/main" id="{D31DB2F2-69A8-4148-9156-C881D4045F0E}"/>
+              </a:ext>
+            </a:extLst>
+          </p:cNvPr>
+          <p:cNvGrpSpPr/>
+          <p:nvPr/>
+        </p:nvGrpSpPr>
+        <p:grpSpPr>
+          <a:xfrm>
+            <a:off x="6940481" y="2641461"/>
+            <a:ext cx="487815" cy="419096"/>
+            <a:chOff x="3833958" y="4191555"/>
+            <a:chExt cx="487815" cy="419096"/>
+          </a:xfrm>
+        </p:grpSpPr>
+        <p:sp>
+          <p:nvSpPr>
+            <p:cNvPr id="95" name="object 199">
+              <a:extLst>
+                <a:ext uri="{FF2B5EF4-FFF2-40B4-BE49-F238E27FC236}">
+                  <a16:creationId xmlns:a16="http://schemas.microsoft.com/office/drawing/2014/main" id="{04815D68-695F-42B4-B0AD-0A3C77947E8C}"/>
+                </a:ext>
+              </a:extLst>
+            </p:cNvPr>
+            <p:cNvSpPr/>
+            <p:nvPr/>
+          </p:nvSpPr>
+          <p:spPr>
+            <a:xfrm flipH="1">
+              <a:off x="3921759" y="4191555"/>
+              <a:ext cx="400014" cy="419096"/>
+            </a:xfrm>
+            <a:prstGeom prst="rect">
+              <a:avLst/>
+            </a:prstGeom>
+            <a:blipFill>
+              <a:blip r:embed="rId11" cstate="print">
+                <a:extLst>
+                  <a:ext uri="{BEBA8EAE-BF5A-486C-A8C5-ECC9F3942E4B}">
+                    <a14:imgProps xmlns:a14="http://schemas.microsoft.com/office/drawing/2010/main">
+                      <a14:imgLayer r:embed="rId12">
+                        <a14:imgEffect>
+                          <a14:backgroundRemoval t="10000" b="90000" l="0" r="75956"/>
+                        </a14:imgEffect>
+                      </a14:imgLayer>
+                    </a14:imgProps>
+                  </a:ext>
+                </a:extLst>
+              </a:blip>
+              <a:stretch>
+                <a:fillRect/>
+              </a:stretch>
+            </a:blipFill>
+          </p:spPr>
+          <p:txBody>
+            <a:bodyPr wrap="square" lIns="0" tIns="0" rIns="0" bIns="0" rtlCol="0"/>
+            <a:lstStyle>
+              <a:lvl1pPr marL="0" indent="0">
+                <a:defRPr sz="1100">
+                  <a:latin typeface="+mn-lt"/>
+                  <a:ea typeface="+mn-ea"/>
+                  <a:cs typeface="+mn-cs"/>
+                </a:defRPr>
+              </a:lvl1pPr>
+              <a:lvl2pPr marL="457200" indent="0">
+                <a:defRPr sz="1100">
+                  <a:latin typeface="+mn-lt"/>
+                  <a:ea typeface="+mn-ea"/>
+                  <a:cs typeface="+mn-cs"/>
+                </a:defRPr>
+              </a:lvl2pPr>
+              <a:lvl3pPr marL="914400" indent="0">
+                <a:defRPr sz="1100">
+                  <a:latin typeface="+mn-lt"/>
+                  <a:ea typeface="+mn-ea"/>
+                  <a:cs typeface="+mn-cs"/>
+                </a:defRPr>
+              </a:lvl3pPr>
+              <a:lvl4pPr marL="1371600" indent="0">
+                <a:defRPr sz="1100">
+                  <a:latin typeface="+mn-lt"/>
+                  <a:ea typeface="+mn-ea"/>
+                  <a:cs typeface="+mn-cs"/>
+                </a:defRPr>
+              </a:lvl4pPr>
+              <a:lvl5pPr marL="1828800" indent="0">
+                <a:defRPr sz="1100">
+                  <a:latin typeface="+mn-lt"/>
+                  <a:ea typeface="+mn-ea"/>
+                  <a:cs typeface="+mn-cs"/>
+                </a:defRPr>
+              </a:lvl5pPr>
+              <a:lvl6pPr marL="2286000" indent="0">
+                <a:defRPr sz="1100">
+                  <a:latin typeface="+mn-lt"/>
+                  <a:ea typeface="+mn-ea"/>
+                  <a:cs typeface="+mn-cs"/>
+                </a:defRPr>
+              </a:lvl6pPr>
+              <a:lvl7pPr marL="2743200" indent="0">
+                <a:defRPr sz="1100">
+                  <a:latin typeface="+mn-lt"/>
+                  <a:ea typeface="+mn-ea"/>
+                  <a:cs typeface="+mn-cs"/>
+                </a:defRPr>
+              </a:lvl7pPr>
+              <a:lvl8pPr marL="3200400" indent="0">
+                <a:defRPr sz="1100">
+                  <a:latin typeface="+mn-lt"/>
+                  <a:ea typeface="+mn-ea"/>
+                  <a:cs typeface="+mn-cs"/>
+                </a:defRPr>
+              </a:lvl8pPr>
+              <a:lvl9pPr marL="3657600" indent="0">
+                <a:defRPr sz="1100">
+                  <a:latin typeface="+mn-lt"/>
+                  <a:ea typeface="+mn-ea"/>
+                  <a:cs typeface="+mn-cs"/>
+                </a:defRPr>
+              </a:lvl9pPr>
+            </a:lstStyle>
+            <a:p>
+              <a:endParaRPr sz="1000"/>
+            </a:p>
+          </p:txBody>
+        </p:sp>
+        <p:pic>
+          <p:nvPicPr>
+            <p:cNvPr id="96" name="Picture 95">
+              <a:extLst>
+                <a:ext uri="{FF2B5EF4-FFF2-40B4-BE49-F238E27FC236}">
+                  <a16:creationId xmlns:a16="http://schemas.microsoft.com/office/drawing/2014/main" id="{9692672C-DE61-4496-AB75-BAF63BBEE88F}"/>
+                </a:ext>
+              </a:extLst>
+            </p:cNvPr>
+            <p:cNvPicPr>
+              <a:picLocks noChangeAspect="1"/>
+            </p:cNvPicPr>
+            <p:nvPr/>
+          </p:nvPicPr>
+          <p:blipFill>
+            <a:blip r:embed="rId13" cstate="print">
+              <a:extLst>
+                <a:ext uri="{BEBA8EAE-BF5A-486C-A8C5-ECC9F3942E4B}">
+                  <a14:imgProps xmlns:a14="http://schemas.microsoft.com/office/drawing/2010/main">
+                    <a14:imgLayer r:embed="rId14">
+                      <a14:imgEffect>
+                        <a14:backgroundRemoval t="0" b="99567" l="0" r="100000">
+                          <a14:foregroundMark x1="57604" y1="40837" x2="57604" y2="40837"/>
+                          <a14:foregroundMark x1="47083" y1="64214" x2="47083" y2="64214"/>
+                          <a14:foregroundMark x1="49688" y1="92208" x2="49688" y2="92208"/>
+                        </a14:backgroundRemoval>
+                      </a14:imgEffect>
+                    </a14:imgLayer>
+                  </a14:imgProps>
+                </a:ext>
+                <a:ext uri="{28A0092B-C50C-407E-A947-70E740481C1C}">
+                  <a14:useLocalDpi xmlns:a14="http://schemas.microsoft.com/office/drawing/2010/main" val="0"/>
+                </a:ext>
+              </a:extLst>
+            </a:blip>
+            <a:stretch>
+              <a:fillRect/>
+            </a:stretch>
+          </p:blipFill>
+          <p:spPr>
+            <a:xfrm rot="17803524">
+              <a:off x="3906786" y="4155467"/>
+              <a:ext cx="129456" cy="275111"/>
+            </a:xfrm>
+            <a:prstGeom prst="rect">
+              <a:avLst/>
+            </a:prstGeom>
+          </p:spPr>
+        </p:pic>
+      </p:grpSp>
+      <p:grpSp>
+        <p:nvGrpSpPr>
+          <p:cNvPr id="97" name="Group 96">
+            <a:extLst>
+              <a:ext uri="{FF2B5EF4-FFF2-40B4-BE49-F238E27FC236}">
+                <a16:creationId xmlns:a16="http://schemas.microsoft.com/office/drawing/2014/main" id="{FDE61C3F-670A-4D0A-831B-A71DFB23A70C}"/>
+              </a:ext>
+            </a:extLst>
+          </p:cNvPr>
+          <p:cNvGrpSpPr/>
+          <p:nvPr/>
+        </p:nvGrpSpPr>
+        <p:grpSpPr>
+          <a:xfrm>
+            <a:off x="7382026" y="3669148"/>
+            <a:ext cx="487815" cy="419096"/>
+            <a:chOff x="3833958" y="4191555"/>
+            <a:chExt cx="487815" cy="419096"/>
+          </a:xfrm>
+        </p:grpSpPr>
+        <p:sp>
+          <p:nvSpPr>
+            <p:cNvPr id="98" name="object 199">
+              <a:extLst>
+                <a:ext uri="{FF2B5EF4-FFF2-40B4-BE49-F238E27FC236}">
+                  <a16:creationId xmlns:a16="http://schemas.microsoft.com/office/drawing/2014/main" id="{7DF7F328-657D-404A-B10E-00C4981A0460}"/>
+                </a:ext>
+              </a:extLst>
+            </p:cNvPr>
+            <p:cNvSpPr/>
+            <p:nvPr/>
+          </p:nvSpPr>
+          <p:spPr>
+            <a:xfrm flipH="1">
+              <a:off x="3921759" y="4191555"/>
+              <a:ext cx="400014" cy="419096"/>
+            </a:xfrm>
+            <a:prstGeom prst="rect">
+              <a:avLst/>
+            </a:prstGeom>
+            <a:blipFill>
+              <a:blip r:embed="rId11" cstate="print">
+                <a:extLst>
+                  <a:ext uri="{BEBA8EAE-BF5A-486C-A8C5-ECC9F3942E4B}">
+                    <a14:imgProps xmlns:a14="http://schemas.microsoft.com/office/drawing/2010/main">
+                      <a14:imgLayer r:embed="rId12">
+                        <a14:imgEffect>
+                          <a14:backgroundRemoval t="10000" b="90000" l="0" r="75956"/>
+                        </a14:imgEffect>
+                      </a14:imgLayer>
+                    </a14:imgProps>
+                  </a:ext>
+                </a:extLst>
+              </a:blip>
+              <a:stretch>
+                <a:fillRect/>
+              </a:stretch>
+            </a:blipFill>
+          </p:spPr>
+          <p:txBody>
+            <a:bodyPr wrap="square" lIns="0" tIns="0" rIns="0" bIns="0" rtlCol="0"/>
+            <a:lstStyle>
+              <a:lvl1pPr marL="0" indent="0">
+                <a:defRPr sz="1100">
+                  <a:latin typeface="+mn-lt"/>
+                  <a:ea typeface="+mn-ea"/>
+                  <a:cs typeface="+mn-cs"/>
+                </a:defRPr>
+              </a:lvl1pPr>
+              <a:lvl2pPr marL="457200" indent="0">
+                <a:defRPr sz="1100">
+                  <a:latin typeface="+mn-lt"/>
+                  <a:ea typeface="+mn-ea"/>
+                  <a:cs typeface="+mn-cs"/>
+                </a:defRPr>
+              </a:lvl2pPr>
+              <a:lvl3pPr marL="914400" indent="0">
+                <a:defRPr sz="1100">
+                  <a:latin typeface="+mn-lt"/>
+                  <a:ea typeface="+mn-ea"/>
+                  <a:cs typeface="+mn-cs"/>
+                </a:defRPr>
+              </a:lvl3pPr>
+              <a:lvl4pPr marL="1371600" indent="0">
+                <a:defRPr sz="1100">
+                  <a:latin typeface="+mn-lt"/>
+                  <a:ea typeface="+mn-ea"/>
+                  <a:cs typeface="+mn-cs"/>
+                </a:defRPr>
+              </a:lvl4pPr>
+              <a:lvl5pPr marL="1828800" indent="0">
+                <a:defRPr sz="1100">
+                  <a:latin typeface="+mn-lt"/>
+                  <a:ea typeface="+mn-ea"/>
+                  <a:cs typeface="+mn-cs"/>
+                </a:defRPr>
+              </a:lvl5pPr>
+              <a:lvl6pPr marL="2286000" indent="0">
+                <a:defRPr sz="1100">
+                  <a:latin typeface="+mn-lt"/>
+                  <a:ea typeface="+mn-ea"/>
+                  <a:cs typeface="+mn-cs"/>
+                </a:defRPr>
+              </a:lvl6pPr>
+              <a:lvl7pPr marL="2743200" indent="0">
+                <a:defRPr sz="1100">
+                  <a:latin typeface="+mn-lt"/>
+                  <a:ea typeface="+mn-ea"/>
+                  <a:cs typeface="+mn-cs"/>
+                </a:defRPr>
+              </a:lvl7pPr>
+              <a:lvl8pPr marL="3200400" indent="0">
+                <a:defRPr sz="1100">
+                  <a:latin typeface="+mn-lt"/>
+                  <a:ea typeface="+mn-ea"/>
+                  <a:cs typeface="+mn-cs"/>
+                </a:defRPr>
+              </a:lvl8pPr>
+              <a:lvl9pPr marL="3657600" indent="0">
+                <a:defRPr sz="1100">
+                  <a:latin typeface="+mn-lt"/>
+                  <a:ea typeface="+mn-ea"/>
+                  <a:cs typeface="+mn-cs"/>
+                </a:defRPr>
+              </a:lvl9pPr>
+            </a:lstStyle>
+            <a:p>
+              <a:endParaRPr sz="1000"/>
+            </a:p>
+          </p:txBody>
+        </p:sp>
+        <p:pic>
+          <p:nvPicPr>
+            <p:cNvPr id="99" name="Picture 98">
+              <a:extLst>
+                <a:ext uri="{FF2B5EF4-FFF2-40B4-BE49-F238E27FC236}">
+                  <a16:creationId xmlns:a16="http://schemas.microsoft.com/office/drawing/2014/main" id="{61CB967B-C5D3-44D6-9464-67817C5A4E08}"/>
+                </a:ext>
+              </a:extLst>
+            </p:cNvPr>
+            <p:cNvPicPr>
+              <a:picLocks noChangeAspect="1"/>
+            </p:cNvPicPr>
+            <p:nvPr/>
+          </p:nvPicPr>
+          <p:blipFill>
+            <a:blip r:embed="rId13" cstate="print">
+              <a:extLst>
+                <a:ext uri="{BEBA8EAE-BF5A-486C-A8C5-ECC9F3942E4B}">
+                  <a14:imgProps xmlns:a14="http://schemas.microsoft.com/office/drawing/2010/main">
+                    <a14:imgLayer r:embed="rId14">
+                      <a14:imgEffect>
+                        <a14:backgroundRemoval t="0" b="99567" l="0" r="100000">
+                          <a14:foregroundMark x1="57604" y1="40837" x2="57604" y2="40837"/>
+                          <a14:foregroundMark x1="47083" y1="64214" x2="47083" y2="64214"/>
+                          <a14:foregroundMark x1="49688" y1="92208" x2="49688" y2="92208"/>
+                        </a14:backgroundRemoval>
+                      </a14:imgEffect>
+                    </a14:imgLayer>
+                  </a14:imgProps>
+                </a:ext>
+                <a:ext uri="{28A0092B-C50C-407E-A947-70E740481C1C}">
+                  <a14:useLocalDpi xmlns:a14="http://schemas.microsoft.com/office/drawing/2010/main" val="0"/>
+                </a:ext>
+              </a:extLst>
+            </a:blip>
+            <a:stretch>
+              <a:fillRect/>
+            </a:stretch>
+          </p:blipFill>
+          <p:spPr>
+            <a:xfrm rot="17803524">
+              <a:off x="3906786" y="4155467"/>
+              <a:ext cx="129456" cy="275111"/>
+            </a:xfrm>
+            <a:prstGeom prst="rect">
+              <a:avLst/>
+            </a:prstGeom>
+          </p:spPr>
+        </p:pic>
+      </p:grpSp>
+      <p:pic>
+        <p:nvPicPr>
+          <p:cNvPr id="100" name="図 49">
+            <a:extLst>
+              <a:ext uri="{FF2B5EF4-FFF2-40B4-BE49-F238E27FC236}">
+                <a16:creationId xmlns:a16="http://schemas.microsoft.com/office/drawing/2014/main" id="{97C2B571-0A90-43DB-8D30-CAB6B2526905}"/>
+              </a:ext>
+            </a:extLst>
+          </p:cNvPr>
+          <p:cNvPicPr>
+            <a:picLocks noChangeAspect="1"/>
+          </p:cNvPicPr>
+          <p:nvPr/>
+        </p:nvPicPr>
+        <p:blipFill>
+          <a:blip r:embed="rId7" cstate="print">
+            <a:extLst>
+              <a:ext uri="{28A0092B-C50C-407E-A947-70E740481C1C}">
+                <a14:useLocalDpi xmlns:a14="http://schemas.microsoft.com/office/drawing/2010/main" val="0"/>
+              </a:ext>
+            </a:extLst>
+          </a:blip>
+          <a:srcRect/>
+          <a:stretch>
+            <a:fillRect/>
+          </a:stretch>
+        </p:blipFill>
+        <p:spPr bwMode="auto">
+          <a:xfrm>
+            <a:off x="7284774" y="3607574"/>
+            <a:ext cx="166184" cy="180032"/>
+          </a:xfrm>
+          <a:prstGeom prst="rect">
+            <a:avLst/>
+          </a:prstGeom>
+          <a:noFill/>
+          <a:ln>
+            <a:noFill/>
+          </a:ln>
+          <a:extLst>
+            <a:ext uri="{909E8E84-426E-40DD-AFC4-6F175D3DCCD1}">
+              <a14:hiddenFill xmlns:a14="http://schemas.microsoft.com/office/drawing/2010/main">
+                <a:solidFill>
+                  <a:srgbClr val="FFFFFF"/>
+                </a:solidFill>
+              </a14:hiddenFill>
+            </a:ext>
+            <a:ext uri="{91240B29-F687-4F45-9708-019B960494DF}">
+              <a14:hiddenLine xmlns:a14="http://schemas.microsoft.com/office/drawing/2010/main" w="9525">
+                <a:solidFill>
+                  <a:srgbClr val="000000"/>
+                </a:solidFill>
+                <a:miter lim="800000"/>
+                <a:headEnd/>
+                <a:tailEnd/>
+              </a14:hiddenLine>
+            </a:ext>
+          </a:extLst>
+        </p:spPr>
+      </p:pic>
+      <p:cxnSp>
+        <p:nvCxnSpPr>
+          <p:cNvPr id="103" name="Straight Arrow Connector 102">
+            <a:extLst>
+              <a:ext uri="{FF2B5EF4-FFF2-40B4-BE49-F238E27FC236}">
+                <a16:creationId xmlns:a16="http://schemas.microsoft.com/office/drawing/2014/main" id="{A916DF66-1EFD-4235-9C74-9E2C31461881}"/>
+              </a:ext>
+            </a:extLst>
+          </p:cNvPr>
+          <p:cNvCxnSpPr>
+            <a:cxnSpLocks/>
+          </p:cNvCxnSpPr>
+          <p:nvPr/>
+        </p:nvCxnSpPr>
+        <p:spPr>
+          <a:xfrm>
+            <a:off x="7164089" y="2930665"/>
+            <a:ext cx="0" cy="248429"/>
+          </a:xfrm>
+          <a:prstGeom prst="straightConnector1">
+            <a:avLst/>
+          </a:prstGeom>
+          <a:ln>
+            <a:tailEnd type="triangle"/>
+          </a:ln>
+        </p:spPr>
+        <p:style>
+          <a:lnRef idx="1">
+            <a:schemeClr val="accent1"/>
+          </a:lnRef>
+          <a:fillRef idx="0">
+            <a:schemeClr val="accent1"/>
+          </a:fillRef>
+          <a:effectRef idx="0">
+            <a:schemeClr val="accent1"/>
+          </a:effectRef>
+          <a:fontRef idx="minor">
+            <a:schemeClr val="tx1"/>
+          </a:fontRef>
+        </p:style>
+      </p:cxnSp>
+      <p:cxnSp>
+        <p:nvCxnSpPr>
+          <p:cNvPr id="104" name="Straight Arrow Connector 103">
+            <a:extLst>
+              <a:ext uri="{FF2B5EF4-FFF2-40B4-BE49-F238E27FC236}">
+                <a16:creationId xmlns:a16="http://schemas.microsoft.com/office/drawing/2014/main" id="{7D35B02B-0301-430C-8F4E-A331395596F5}"/>
+              </a:ext>
+            </a:extLst>
+          </p:cNvPr>
+          <p:cNvCxnSpPr>
+            <a:cxnSpLocks/>
+          </p:cNvCxnSpPr>
+          <p:nvPr/>
+        </p:nvCxnSpPr>
+        <p:spPr>
+          <a:xfrm>
+            <a:off x="4565591" y="4552521"/>
+            <a:ext cx="291261" cy="1845"/>
+          </a:xfrm>
+          <a:prstGeom prst="straightConnector1">
+            <a:avLst/>
+          </a:prstGeom>
+          <a:ln>
+            <a:tailEnd type="triangle"/>
+          </a:ln>
+        </p:spPr>
+        <p:style>
+          <a:lnRef idx="1">
+            <a:schemeClr val="accent1"/>
+          </a:lnRef>
+          <a:fillRef idx="0">
+            <a:schemeClr val="accent1"/>
+          </a:fillRef>
+          <a:effectRef idx="0">
+            <a:schemeClr val="accent1"/>
+          </a:effectRef>
+          <a:fontRef idx="minor">
+            <a:schemeClr val="tx1"/>
+          </a:fontRef>
+        </p:style>
+      </p:cxnSp>
+      <p:cxnSp>
+        <p:nvCxnSpPr>
+          <p:cNvPr id="106" name="Straight Arrow Connector 105">
+            <a:extLst>
+              <a:ext uri="{FF2B5EF4-FFF2-40B4-BE49-F238E27FC236}">
+                <a16:creationId xmlns:a16="http://schemas.microsoft.com/office/drawing/2014/main" id="{A5427EAC-AC46-49FD-B359-20E1499631DC}"/>
+              </a:ext>
+            </a:extLst>
+          </p:cNvPr>
+          <p:cNvCxnSpPr>
+            <a:cxnSpLocks/>
+          </p:cNvCxnSpPr>
+          <p:nvPr/>
+        </p:nvCxnSpPr>
+        <p:spPr>
+          <a:xfrm>
+            <a:off x="6157826" y="4540787"/>
+            <a:ext cx="291261" cy="1845"/>
+          </a:xfrm>
+          <a:prstGeom prst="straightConnector1">
+            <a:avLst/>
+          </a:prstGeom>
+          <a:ln>
+            <a:tailEnd type="triangle"/>
+          </a:ln>
+        </p:spPr>
+        <p:style>
+          <a:lnRef idx="1">
+            <a:schemeClr val="accent1"/>
+          </a:lnRef>
+          <a:fillRef idx="0">
+            <a:schemeClr val="accent1"/>
+          </a:fillRef>
+          <a:effectRef idx="0">
+            <a:schemeClr val="accent1"/>
+          </a:effectRef>
+          <a:fontRef idx="minor">
+            <a:schemeClr val="tx1"/>
+          </a:fontRef>
+        </p:style>
+      </p:cxnSp>
+      <p:sp>
+        <p:nvSpPr>
+          <p:cNvPr id="107" name="object 254">
+            <a:extLst>
+              <a:ext uri="{FF2B5EF4-FFF2-40B4-BE49-F238E27FC236}">
+                <a16:creationId xmlns:a16="http://schemas.microsoft.com/office/drawing/2014/main" id="{0AE2D40C-BB67-4588-B987-781EC6671256}"/>
+              </a:ext>
+            </a:extLst>
+          </p:cNvPr>
+          <p:cNvSpPr txBox="1"/>
+          <p:nvPr/>
+        </p:nvSpPr>
+        <p:spPr>
+          <a:xfrm>
+            <a:off x="6661669" y="4958218"/>
+            <a:ext cx="806850" cy="259686"/>
+          </a:xfrm>
+          <a:prstGeom prst="rect">
+            <a:avLst/>
+          </a:prstGeom>
+        </p:spPr>
+        <p:txBody>
+          <a:bodyPr vert="horz" wrap="square" lIns="0" tIns="13335" rIns="0" bIns="0" rtlCol="0">
+            <a:spAutoFit/>
+          </a:bodyPr>
+          <a:lstStyle>
+            <a:lvl1pPr marL="0" indent="0">
+              <a:defRPr sz="1100">
+                <a:latin typeface="+mn-lt"/>
+                <a:ea typeface="+mn-ea"/>
+                <a:cs typeface="+mn-cs"/>
+              </a:defRPr>
+            </a:lvl1pPr>
+            <a:lvl2pPr marL="457200" indent="0">
+              <a:defRPr sz="1100">
+                <a:latin typeface="+mn-lt"/>
+                <a:ea typeface="+mn-ea"/>
+                <a:cs typeface="+mn-cs"/>
+              </a:defRPr>
+            </a:lvl2pPr>
+            <a:lvl3pPr marL="914400" indent="0">
+              <a:defRPr sz="1100">
+                <a:latin typeface="+mn-lt"/>
+                <a:ea typeface="+mn-ea"/>
+                <a:cs typeface="+mn-cs"/>
+              </a:defRPr>
+            </a:lvl3pPr>
+            <a:lvl4pPr marL="1371600" indent="0">
+              <a:defRPr sz="1100">
+                <a:latin typeface="+mn-lt"/>
+                <a:ea typeface="+mn-ea"/>
+                <a:cs typeface="+mn-cs"/>
+              </a:defRPr>
+            </a:lvl4pPr>
+            <a:lvl5pPr marL="1828800" indent="0">
+              <a:defRPr sz="1100">
+                <a:latin typeface="+mn-lt"/>
+                <a:ea typeface="+mn-ea"/>
+                <a:cs typeface="+mn-cs"/>
+              </a:defRPr>
+            </a:lvl5pPr>
+            <a:lvl6pPr marL="2286000" indent="0">
+              <a:defRPr sz="1100">
+                <a:latin typeface="+mn-lt"/>
+                <a:ea typeface="+mn-ea"/>
+                <a:cs typeface="+mn-cs"/>
+              </a:defRPr>
+            </a:lvl6pPr>
+            <a:lvl7pPr marL="2743200" indent="0">
+              <a:defRPr sz="1100">
+                <a:latin typeface="+mn-lt"/>
+                <a:ea typeface="+mn-ea"/>
+                <a:cs typeface="+mn-cs"/>
+              </a:defRPr>
+            </a:lvl7pPr>
+            <a:lvl8pPr marL="3200400" indent="0">
+              <a:defRPr sz="1100">
+                <a:latin typeface="+mn-lt"/>
+                <a:ea typeface="+mn-ea"/>
+                <a:cs typeface="+mn-cs"/>
+              </a:defRPr>
+            </a:lvl8pPr>
+            <a:lvl9pPr marL="3657600" indent="0">
+              <a:defRPr sz="1100">
+                <a:latin typeface="+mn-lt"/>
+                <a:ea typeface="+mn-ea"/>
+                <a:cs typeface="+mn-cs"/>
+              </a:defRPr>
+            </a:lvl9pPr>
+          </a:lstStyle>
+          <a:p>
+            <a:pPr algn="ctr">
+              <a:lnSpc>
+                <a:spcPct val="100000"/>
+              </a:lnSpc>
+              <a:spcBef>
+                <a:spcPct val="50000"/>
+              </a:spcBef>
+            </a:pPr>
+            <a:r>
+              <a:rPr lang="en-GB" sz="1600" dirty="0">
+                <a:solidFill>
+                  <a:srgbClr val="0E067C"/>
+                </a:solidFill>
+                <a:latin typeface="Arial" panose="020B0604020202020204" pitchFamily="34" charset="0"/>
+                <a:cs typeface="Arial" panose="020B0604020202020204" pitchFamily="34" charset="0"/>
+              </a:rPr>
+              <a:t>Report</a:t>
+            </a:r>
+            <a:endParaRPr sz="1600" dirty="0">
+              <a:solidFill>
+                <a:srgbClr val="0E067C"/>
+              </a:solidFill>
+              <a:latin typeface="Arial" panose="020B0604020202020204" pitchFamily="34" charset="0"/>
+              <a:cs typeface="Arial" panose="020B0604020202020204" pitchFamily="34" charset="0"/>
+            </a:endParaRPr>
+          </a:p>
+        </p:txBody>
+      </p:sp>
+      <p:pic>
+        <p:nvPicPr>
+          <p:cNvPr id="108" name="Picture 2" descr="C:\Users\pcv-2010835.VN\Desktop\6655320.jpg">
+            <a:extLst>
+              <a:ext uri="{FF2B5EF4-FFF2-40B4-BE49-F238E27FC236}">
+                <a16:creationId xmlns:a16="http://schemas.microsoft.com/office/drawing/2014/main" id="{03C65DED-4623-4344-B339-70E2DA379821}"/>
+              </a:ext>
+            </a:extLst>
+          </p:cNvPr>
+          <p:cNvPicPr>
+            <a:picLocks noChangeAspect="1" noChangeArrowheads="1"/>
+          </p:cNvPicPr>
+          <p:nvPr/>
+        </p:nvPicPr>
+        <p:blipFill rotWithShape="1">
+          <a:blip r:embed="rId19" cstate="print">
+            <a:extLst>
+              <a:ext uri="{28A0092B-C50C-407E-A947-70E740481C1C}">
+                <a14:useLocalDpi xmlns:a14="http://schemas.microsoft.com/office/drawing/2010/main" val="0"/>
+              </a:ext>
+            </a:extLst>
+          </a:blip>
+          <a:srcRect b="7025"/>
+          <a:stretch/>
+        </p:blipFill>
+        <p:spPr bwMode="auto">
+          <a:xfrm>
+            <a:off x="6821898" y="4352366"/>
+            <a:ext cx="651382" cy="486441"/>
+          </a:xfrm>
+          <a:prstGeom prst="rect">
+            <a:avLst/>
+          </a:prstGeom>
+          <a:ln>
+            <a:noFill/>
+          </a:ln>
+          <a:effectLst>
+            <a:outerShdw blurRad="292100" dist="139700" dir="2700000" algn="tl" rotWithShape="0">
+              <a:srgbClr val="333333">
+                <a:alpha val="65000"/>
+              </a:srgbClr>
+            </a:outerShdw>
+          </a:effectLst>
+          <a:extLst>
+            <a:ext uri="{909E8E84-426E-40DD-AFC4-6F175D3DCCD1}">
+              <a14:hiddenFill xmlns:a14="http://schemas.microsoft.com/office/drawing/2010/main">
+                <a:solidFill>
+                  <a:srgbClr val="FFFFFF"/>
+                </a:solidFill>
+              </a14:hiddenFill>
+            </a:ext>
+          </a:extLst>
+        </p:spPr>
+      </p:pic>
+      <p:cxnSp>
+        <p:nvCxnSpPr>
+          <p:cNvPr id="109" name="Straight Arrow Connector 108">
+            <a:extLst>
+              <a:ext uri="{FF2B5EF4-FFF2-40B4-BE49-F238E27FC236}">
+                <a16:creationId xmlns:a16="http://schemas.microsoft.com/office/drawing/2014/main" id="{9CA6293C-9E34-484A-96D7-E426AAFAEFB0}"/>
+              </a:ext>
+            </a:extLst>
+          </p:cNvPr>
+          <p:cNvCxnSpPr>
+            <a:cxnSpLocks/>
+          </p:cNvCxnSpPr>
+          <p:nvPr/>
+        </p:nvCxnSpPr>
+        <p:spPr>
+          <a:xfrm>
+            <a:off x="7182486" y="4015395"/>
+            <a:ext cx="0" cy="248429"/>
+          </a:xfrm>
+          <a:prstGeom prst="straightConnector1">
+            <a:avLst/>
+          </a:prstGeom>
+          <a:ln>
+            <a:tailEnd type="triangle"/>
+          </a:ln>
+        </p:spPr>
+        <p:style>
+          <a:lnRef idx="1">
+            <a:schemeClr val="accent1"/>
+          </a:lnRef>
+          <a:fillRef idx="0">
+            <a:schemeClr val="accent1"/>
+          </a:fillRef>
+          <a:effectRef idx="0">
+            <a:schemeClr val="accent1"/>
+          </a:effectRef>
+          <a:fontRef idx="minor">
+            <a:schemeClr val="tx1"/>
+          </a:fontRef>
+        </p:style>
+      </p:cxnSp>
+      <p:cxnSp>
+        <p:nvCxnSpPr>
+          <p:cNvPr id="110" name="Straight Arrow Connector 109">
+            <a:extLst>
+              <a:ext uri="{FF2B5EF4-FFF2-40B4-BE49-F238E27FC236}">
+                <a16:creationId xmlns:a16="http://schemas.microsoft.com/office/drawing/2014/main" id="{D44ABB04-20FC-4CCB-B3BF-D36FE2D4B83F}"/>
+              </a:ext>
+            </a:extLst>
+          </p:cNvPr>
+          <p:cNvCxnSpPr>
+            <a:cxnSpLocks/>
+          </p:cNvCxnSpPr>
+          <p:nvPr/>
+        </p:nvCxnSpPr>
+        <p:spPr>
+          <a:xfrm>
+            <a:off x="4973308" y="2643778"/>
+            <a:ext cx="291261" cy="1845"/>
+          </a:xfrm>
+          <a:prstGeom prst="straightConnector1">
+            <a:avLst/>
+          </a:prstGeom>
+          <a:ln>
+            <a:tailEnd type="triangle"/>
+          </a:ln>
+        </p:spPr>
+        <p:style>
+          <a:lnRef idx="1">
+            <a:schemeClr val="accent1"/>
+          </a:lnRef>
+          <a:fillRef idx="0">
+            <a:schemeClr val="accent1"/>
+          </a:fillRef>
+          <a:effectRef idx="0">
+            <a:schemeClr val="accent1"/>
+          </a:effectRef>
+          <a:fontRef idx="minor">
+            <a:schemeClr val="tx1"/>
+          </a:fontRef>
+        </p:style>
+      </p:cxnSp>
+      <p:cxnSp>
+        <p:nvCxnSpPr>
+          <p:cNvPr id="113" name="Straight Arrow Connector 112">
+            <a:extLst>
+              <a:ext uri="{FF2B5EF4-FFF2-40B4-BE49-F238E27FC236}">
+                <a16:creationId xmlns:a16="http://schemas.microsoft.com/office/drawing/2014/main" id="{B7F7A0DE-BE41-4999-8315-723F4840DB4E}"/>
+              </a:ext>
+            </a:extLst>
+          </p:cNvPr>
+          <p:cNvCxnSpPr>
+            <a:cxnSpLocks/>
+          </p:cNvCxnSpPr>
+          <p:nvPr/>
+        </p:nvCxnSpPr>
+        <p:spPr>
+          <a:xfrm>
+            <a:off x="6179046" y="2656360"/>
+            <a:ext cx="291261" cy="1845"/>
+          </a:xfrm>
+          <a:prstGeom prst="straightConnector1">
+            <a:avLst/>
+          </a:prstGeom>
+          <a:ln>
+            <a:tailEnd type="triangle"/>
+          </a:ln>
+        </p:spPr>
+        <p:style>
+          <a:lnRef idx="1">
+            <a:schemeClr val="accent1"/>
+          </a:lnRef>
+          <a:fillRef idx="0">
+            <a:schemeClr val="accent1"/>
+          </a:fillRef>
+          <a:effectRef idx="0">
+            <a:schemeClr val="accent1"/>
+          </a:effectRef>
+          <a:fontRef idx="minor">
+            <a:schemeClr val="tx1"/>
+          </a:fontRef>
+        </p:style>
+      </p:cxnSp>
+      <p:sp>
+        <p:nvSpPr>
+          <p:cNvPr id="116" name="ストライプ矢印 113">
+            <a:extLst>
+              <a:ext uri="{FF2B5EF4-FFF2-40B4-BE49-F238E27FC236}">
+                <a16:creationId xmlns:a16="http://schemas.microsoft.com/office/drawing/2014/main" id="{83F6BD34-EC51-483D-82F8-70C85AE6178C}"/>
+              </a:ext>
+            </a:extLst>
+          </p:cNvPr>
+          <p:cNvSpPr/>
+          <p:nvPr/>
+        </p:nvSpPr>
+        <p:spPr bwMode="auto">
+          <a:xfrm rot="1726571">
+            <a:off x="3931124" y="3019686"/>
+            <a:ext cx="898036" cy="148367"/>
+          </a:xfrm>
+          <a:prstGeom prst="stripedRightArrow">
+            <a:avLst>
+              <a:gd name="adj1" fmla="val 57854"/>
+              <a:gd name="adj2" fmla="val 85710"/>
+            </a:avLst>
+          </a:prstGeom>
+          <a:gradFill rotWithShape="1">
+            <a:gsLst>
+              <a:gs pos="0">
+                <a:srgbClr val="4BACC6">
+                  <a:tint val="50000"/>
+                  <a:satMod val="300000"/>
+                </a:srgbClr>
+              </a:gs>
+              <a:gs pos="35000">
+                <a:srgbClr val="4BACC6">
+                  <a:tint val="37000"/>
+                  <a:satMod val="300000"/>
+                </a:srgbClr>
+              </a:gs>
+              <a:gs pos="100000">
+                <a:srgbClr val="4BACC6">
+                  <a:tint val="15000"/>
+                  <a:satMod val="350000"/>
+                </a:srgbClr>
+              </a:gs>
+            </a:gsLst>
+            <a:lin ang="16200000" scaled="1"/>
+          </a:gradFill>
+          <a:ln w="9525" cap="flat" cmpd="sng" algn="ctr">
+            <a:solidFill>
+              <a:srgbClr val="4BACC6">
+                <a:shade val="95000"/>
+                <a:satMod val="105000"/>
+              </a:srgbClr>
+            </a:solidFill>
+            <a:prstDash val="solid"/>
+            <a:headEnd type="none" w="med" len="med"/>
+            <a:tailEnd type="none" w="med" len="med"/>
+          </a:ln>
+          <a:effectLst>
+            <a:outerShdw blurRad="40000" dist="20000" dir="5400000" rotWithShape="0">
+              <a:srgbClr val="000000">
+                <a:alpha val="38000"/>
+              </a:srgbClr>
+            </a:outerShdw>
+          </a:effectLst>
+        </p:spPr>
+        <p:txBody>
+          <a:bodyPr vert="horz" wrap="none" lIns="0" tIns="0" rIns="0" bIns="0" numCol="1" rtlCol="0" anchor="ctr" anchorCtr="0" compatLnSpc="1">
+            <a:prstTxWarp prst="textNoShape">
+              <a:avLst/>
+            </a:prstTxWarp>
+          </a:bodyPr>
+          <a:lstStyle/>
+          <a:p>
+            <a:pPr algn="ctr" fontAlgn="base">
+              <a:spcBef>
+                <a:spcPct val="0"/>
+              </a:spcBef>
+              <a:spcAft>
+                <a:spcPct val="0"/>
+              </a:spcAft>
+              <a:defRPr/>
+            </a:pPr>
+            <a:endParaRPr lang="ja-JP" altLang="en-US" sz="2200" kern="0">
+              <a:solidFill>
+                <a:prstClr val="black"/>
+              </a:solidFill>
+              <a:latin typeface="Arial" pitchFamily="34" charset="0"/>
+              <a:ea typeface="HGP創英角ｺﾞｼｯｸUB" pitchFamily="50" charset="-128"/>
+              <a:cs typeface="Arial" pitchFamily="34" charset="0"/>
+            </a:endParaRPr>
+          </a:p>
+        </p:txBody>
+      </p:sp>
+      <p:sp>
+        <p:nvSpPr>
+          <p:cNvPr id="117" name="ストライプ矢印 113">
+            <a:extLst>
+              <a:ext uri="{FF2B5EF4-FFF2-40B4-BE49-F238E27FC236}">
+                <a16:creationId xmlns:a16="http://schemas.microsoft.com/office/drawing/2014/main" id="{4316B715-CBAC-45A1-9EBD-5F4D6017FE61}"/>
+              </a:ext>
+            </a:extLst>
+          </p:cNvPr>
+          <p:cNvSpPr/>
+          <p:nvPr/>
+        </p:nvSpPr>
+        <p:spPr bwMode="auto">
+          <a:xfrm rot="3450795">
+            <a:off x="4658802" y="2949637"/>
+            <a:ext cx="404868" cy="159391"/>
+          </a:xfrm>
+          <a:prstGeom prst="stripedRightArrow">
+            <a:avLst>
+              <a:gd name="adj1" fmla="val 57854"/>
+              <a:gd name="adj2" fmla="val 85710"/>
+            </a:avLst>
+          </a:prstGeom>
+          <a:gradFill rotWithShape="1">
+            <a:gsLst>
+              <a:gs pos="0">
+                <a:srgbClr val="4BACC6">
+                  <a:tint val="50000"/>
+                  <a:satMod val="300000"/>
+                </a:srgbClr>
+              </a:gs>
+              <a:gs pos="35000">
+                <a:srgbClr val="4BACC6">
+                  <a:tint val="37000"/>
+                  <a:satMod val="300000"/>
+                </a:srgbClr>
+              </a:gs>
+              <a:gs pos="100000">
+                <a:srgbClr val="4BACC6">
+                  <a:tint val="15000"/>
+                  <a:satMod val="350000"/>
+                </a:srgbClr>
+              </a:gs>
+            </a:gsLst>
+            <a:lin ang="16200000" scaled="1"/>
+          </a:gradFill>
+          <a:ln w="9525" cap="flat" cmpd="sng" algn="ctr">
+            <a:solidFill>
+              <a:srgbClr val="4BACC6">
+                <a:shade val="95000"/>
+                <a:satMod val="105000"/>
+              </a:srgbClr>
+            </a:solidFill>
+            <a:prstDash val="solid"/>
+            <a:headEnd type="none" w="med" len="med"/>
+            <a:tailEnd type="none" w="med" len="med"/>
+          </a:ln>
+          <a:effectLst>
+            <a:outerShdw blurRad="40000" dist="20000" dir="5400000" rotWithShape="0">
+              <a:srgbClr val="000000">
+                <a:alpha val="38000"/>
+              </a:srgbClr>
+            </a:outerShdw>
+          </a:effectLst>
+        </p:spPr>
+        <p:txBody>
+          <a:bodyPr vert="horz" wrap="none" lIns="0" tIns="0" rIns="0" bIns="0" numCol="1" rtlCol="0" anchor="ctr" anchorCtr="0" compatLnSpc="1">
+            <a:prstTxWarp prst="textNoShape">
+              <a:avLst/>
+            </a:prstTxWarp>
+          </a:bodyPr>
+          <a:lstStyle/>
+          <a:p>
+            <a:pPr algn="ctr" fontAlgn="base">
+              <a:spcBef>
+                <a:spcPct val="0"/>
+              </a:spcBef>
+              <a:spcAft>
+                <a:spcPct val="0"/>
+              </a:spcAft>
+              <a:defRPr/>
+            </a:pPr>
+            <a:endParaRPr lang="ja-JP" altLang="en-US" sz="2200" kern="0">
+              <a:solidFill>
+                <a:prstClr val="black"/>
+              </a:solidFill>
+              <a:latin typeface="Arial" pitchFamily="34" charset="0"/>
+              <a:ea typeface="HGP創英角ｺﾞｼｯｸUB" pitchFamily="50" charset="-128"/>
+              <a:cs typeface="Arial" pitchFamily="34" charset="0"/>
+            </a:endParaRPr>
+          </a:p>
+        </p:txBody>
+      </p:sp>
+      <p:sp>
+        <p:nvSpPr>
+          <p:cNvPr id="118" name="ストライプ矢印 113">
+            <a:extLst>
+              <a:ext uri="{FF2B5EF4-FFF2-40B4-BE49-F238E27FC236}">
+                <a16:creationId xmlns:a16="http://schemas.microsoft.com/office/drawing/2014/main" id="{1D9D96D7-4241-4B2A-AD9B-97B99B980961}"/>
+              </a:ext>
+            </a:extLst>
+          </p:cNvPr>
+          <p:cNvSpPr/>
+          <p:nvPr/>
+        </p:nvSpPr>
+        <p:spPr bwMode="auto">
+          <a:xfrm rot="5400000">
+            <a:off x="5405895" y="2950807"/>
+            <a:ext cx="293082" cy="121530"/>
+          </a:xfrm>
+          <a:prstGeom prst="stripedRightArrow">
+            <a:avLst>
+              <a:gd name="adj1" fmla="val 57854"/>
+              <a:gd name="adj2" fmla="val 85710"/>
+            </a:avLst>
+          </a:prstGeom>
+          <a:gradFill rotWithShape="1">
+            <a:gsLst>
+              <a:gs pos="0">
+                <a:srgbClr val="4BACC6">
+                  <a:tint val="50000"/>
+                  <a:satMod val="300000"/>
+                </a:srgbClr>
+              </a:gs>
+              <a:gs pos="35000">
+                <a:srgbClr val="4BACC6">
+                  <a:tint val="37000"/>
+                  <a:satMod val="300000"/>
+                </a:srgbClr>
+              </a:gs>
+              <a:gs pos="100000">
+                <a:srgbClr val="4BACC6">
+                  <a:tint val="15000"/>
+                  <a:satMod val="350000"/>
+                </a:srgbClr>
+              </a:gs>
+            </a:gsLst>
+            <a:lin ang="16200000" scaled="1"/>
+          </a:gradFill>
+          <a:ln w="9525" cap="flat" cmpd="sng" algn="ctr">
+            <a:solidFill>
+              <a:srgbClr val="4BACC6">
+                <a:shade val="95000"/>
+                <a:satMod val="105000"/>
+              </a:srgbClr>
+            </a:solidFill>
+            <a:prstDash val="solid"/>
+            <a:headEnd type="none" w="med" len="med"/>
+            <a:tailEnd type="none" w="med" len="med"/>
+          </a:ln>
+          <a:effectLst>
+            <a:outerShdw blurRad="40000" dist="20000" dir="5400000" rotWithShape="0">
+              <a:srgbClr val="000000">
+                <a:alpha val="38000"/>
+              </a:srgbClr>
+            </a:outerShdw>
+          </a:effectLst>
+        </p:spPr>
+        <p:txBody>
+          <a:bodyPr vert="horz" wrap="none" lIns="0" tIns="0" rIns="0" bIns="0" numCol="1" rtlCol="0" anchor="ctr" anchorCtr="0" compatLnSpc="1">
+            <a:prstTxWarp prst="textNoShape">
+              <a:avLst/>
+            </a:prstTxWarp>
+          </a:bodyPr>
+          <a:lstStyle/>
+          <a:p>
+            <a:pPr algn="ctr" fontAlgn="base">
+              <a:spcBef>
+                <a:spcPct val="0"/>
+              </a:spcBef>
+              <a:spcAft>
+                <a:spcPct val="0"/>
+              </a:spcAft>
+              <a:defRPr/>
+            </a:pPr>
+            <a:endParaRPr lang="ja-JP" altLang="en-US" sz="2200" kern="0">
+              <a:solidFill>
+                <a:prstClr val="black"/>
+              </a:solidFill>
+              <a:latin typeface="Arial" pitchFamily="34" charset="0"/>
+              <a:ea typeface="HGP創英角ｺﾞｼｯｸUB" pitchFamily="50" charset="-128"/>
+              <a:cs typeface="Arial" pitchFamily="34" charset="0"/>
+            </a:endParaRPr>
+          </a:p>
+        </p:txBody>
+      </p:sp>
+      <p:sp>
+        <p:nvSpPr>
+          <p:cNvPr id="119" name="ストライプ矢印 113">
+            <a:extLst>
+              <a:ext uri="{FF2B5EF4-FFF2-40B4-BE49-F238E27FC236}">
+                <a16:creationId xmlns:a16="http://schemas.microsoft.com/office/drawing/2014/main" id="{CE47BBDE-6CDB-4A44-937F-E7D77EA3A8D5}"/>
+              </a:ext>
+            </a:extLst>
+          </p:cNvPr>
+          <p:cNvSpPr/>
+          <p:nvPr/>
+        </p:nvSpPr>
+        <p:spPr bwMode="auto">
+          <a:xfrm rot="9141564">
+            <a:off x="6133869" y="3045735"/>
+            <a:ext cx="646758" cy="177234"/>
+          </a:xfrm>
+          <a:prstGeom prst="stripedRightArrow">
+            <a:avLst>
+              <a:gd name="adj1" fmla="val 57854"/>
+              <a:gd name="adj2" fmla="val 85710"/>
+            </a:avLst>
+          </a:prstGeom>
+          <a:gradFill rotWithShape="1">
+            <a:gsLst>
+              <a:gs pos="0">
+                <a:srgbClr val="4BACC6">
+                  <a:tint val="50000"/>
+                  <a:satMod val="300000"/>
+                </a:srgbClr>
+              </a:gs>
+              <a:gs pos="35000">
+                <a:srgbClr val="4BACC6">
+                  <a:tint val="37000"/>
+                  <a:satMod val="300000"/>
+                </a:srgbClr>
+              </a:gs>
+              <a:gs pos="100000">
+                <a:srgbClr val="4BACC6">
+                  <a:tint val="15000"/>
+                  <a:satMod val="350000"/>
+                </a:srgbClr>
+              </a:gs>
+            </a:gsLst>
+            <a:lin ang="16200000" scaled="1"/>
+          </a:gradFill>
+          <a:ln w="9525" cap="flat" cmpd="sng" algn="ctr">
+            <a:solidFill>
+              <a:srgbClr val="4BACC6">
+                <a:shade val="95000"/>
+                <a:satMod val="105000"/>
+              </a:srgbClr>
+            </a:solidFill>
+            <a:prstDash val="solid"/>
+            <a:headEnd type="none" w="med" len="med"/>
+            <a:tailEnd type="none" w="med" len="med"/>
+          </a:ln>
+          <a:effectLst>
+            <a:outerShdw blurRad="40000" dist="20000" dir="5400000" rotWithShape="0">
+              <a:srgbClr val="000000">
+                <a:alpha val="38000"/>
+              </a:srgbClr>
+            </a:outerShdw>
+          </a:effectLst>
+        </p:spPr>
+        <p:txBody>
+          <a:bodyPr vert="horz" wrap="none" lIns="0" tIns="0" rIns="0" bIns="0" numCol="1" rtlCol="0" anchor="ctr" anchorCtr="0" compatLnSpc="1">
+            <a:prstTxWarp prst="textNoShape">
+              <a:avLst/>
+            </a:prstTxWarp>
+          </a:bodyPr>
+          <a:lstStyle/>
+          <a:p>
+            <a:pPr algn="ctr" fontAlgn="base">
+              <a:spcBef>
+                <a:spcPct val="0"/>
+              </a:spcBef>
+              <a:spcAft>
+                <a:spcPct val="0"/>
+              </a:spcAft>
+              <a:defRPr/>
+            </a:pPr>
+            <a:endParaRPr lang="ja-JP" altLang="en-US" sz="2200" kern="0">
+              <a:solidFill>
+                <a:prstClr val="black"/>
+              </a:solidFill>
+              <a:latin typeface="Arial" pitchFamily="34" charset="0"/>
+              <a:ea typeface="HGP創英角ｺﾞｼｯｸUB" pitchFamily="50" charset="-128"/>
+              <a:cs typeface="Arial" pitchFamily="34" charset="0"/>
+            </a:endParaRPr>
+          </a:p>
+        </p:txBody>
+      </p:sp>
+      <p:sp>
+        <p:nvSpPr>
+          <p:cNvPr id="120" name="ストライプ矢印 113">
+            <a:extLst>
+              <a:ext uri="{FF2B5EF4-FFF2-40B4-BE49-F238E27FC236}">
+                <a16:creationId xmlns:a16="http://schemas.microsoft.com/office/drawing/2014/main" id="{0D408412-E40D-4A47-BEC4-DAE4754F1792}"/>
+              </a:ext>
+            </a:extLst>
+          </p:cNvPr>
+          <p:cNvSpPr/>
+          <p:nvPr/>
+        </p:nvSpPr>
+        <p:spPr bwMode="auto">
+          <a:xfrm rot="10800000">
+            <a:off x="6156978" y="3553243"/>
+            <a:ext cx="646758" cy="177234"/>
+          </a:xfrm>
+          <a:prstGeom prst="stripedRightArrow">
+            <a:avLst>
+              <a:gd name="adj1" fmla="val 57854"/>
+              <a:gd name="adj2" fmla="val 85710"/>
+            </a:avLst>
+          </a:prstGeom>
+          <a:gradFill rotWithShape="1">
+            <a:gsLst>
+              <a:gs pos="0">
+                <a:srgbClr val="4BACC6">
+                  <a:tint val="50000"/>
+                  <a:satMod val="300000"/>
+                </a:srgbClr>
+              </a:gs>
+              <a:gs pos="35000">
+                <a:srgbClr val="4BACC6">
+                  <a:tint val="37000"/>
+                  <a:satMod val="300000"/>
+                </a:srgbClr>
+              </a:gs>
+              <a:gs pos="100000">
+                <a:srgbClr val="4BACC6">
+                  <a:tint val="15000"/>
+                  <a:satMod val="350000"/>
+                </a:srgbClr>
+              </a:gs>
+            </a:gsLst>
+            <a:lin ang="16200000" scaled="1"/>
+          </a:gradFill>
+          <a:ln w="9525" cap="flat" cmpd="sng" algn="ctr">
+            <a:solidFill>
+              <a:srgbClr val="4BACC6">
+                <a:shade val="95000"/>
+                <a:satMod val="105000"/>
+              </a:srgbClr>
+            </a:solidFill>
+            <a:prstDash val="solid"/>
+            <a:headEnd type="none" w="med" len="med"/>
+            <a:tailEnd type="none" w="med" len="med"/>
+          </a:ln>
+          <a:effectLst>
+            <a:outerShdw blurRad="40000" dist="20000" dir="5400000" rotWithShape="0">
+              <a:srgbClr val="000000">
+                <a:alpha val="38000"/>
+              </a:srgbClr>
+            </a:outerShdw>
+          </a:effectLst>
+        </p:spPr>
+        <p:txBody>
+          <a:bodyPr vert="horz" wrap="none" lIns="0" tIns="0" rIns="0" bIns="0" numCol="1" rtlCol="0" anchor="ctr" anchorCtr="0" compatLnSpc="1">
+            <a:prstTxWarp prst="textNoShape">
+              <a:avLst/>
+            </a:prstTxWarp>
+          </a:bodyPr>
+          <a:lstStyle/>
+          <a:p>
+            <a:pPr algn="ctr" fontAlgn="base">
+              <a:spcBef>
+                <a:spcPct val="0"/>
+              </a:spcBef>
+              <a:spcAft>
+                <a:spcPct val="0"/>
+              </a:spcAft>
+              <a:defRPr/>
+            </a:pPr>
+            <a:endParaRPr lang="ja-JP" altLang="en-US" sz="2200" kern="0">
+              <a:solidFill>
+                <a:prstClr val="black"/>
+              </a:solidFill>
+              <a:latin typeface="Arial" pitchFamily="34" charset="0"/>
+              <a:ea typeface="HGP創英角ｺﾞｼｯｸUB" pitchFamily="50" charset="-128"/>
+              <a:cs typeface="Arial" pitchFamily="34" charset="0"/>
+            </a:endParaRPr>
+          </a:p>
+        </p:txBody>
+      </p:sp>
+      <p:sp>
+        <p:nvSpPr>
+          <p:cNvPr id="121" name="ストライプ矢印 113">
+            <a:extLst>
+              <a:ext uri="{FF2B5EF4-FFF2-40B4-BE49-F238E27FC236}">
+                <a16:creationId xmlns:a16="http://schemas.microsoft.com/office/drawing/2014/main" id="{014C96CE-30FF-4E79-A352-B2443CB019EF}"/>
+              </a:ext>
+            </a:extLst>
+          </p:cNvPr>
+          <p:cNvSpPr/>
+          <p:nvPr/>
+        </p:nvSpPr>
+        <p:spPr bwMode="auto">
+          <a:xfrm rot="12851547">
+            <a:off x="6092080" y="4087255"/>
+            <a:ext cx="646758" cy="177234"/>
+          </a:xfrm>
+          <a:prstGeom prst="stripedRightArrow">
+            <a:avLst>
+              <a:gd name="adj1" fmla="val 57854"/>
+              <a:gd name="adj2" fmla="val 85710"/>
+            </a:avLst>
+          </a:prstGeom>
+          <a:gradFill rotWithShape="1">
+            <a:gsLst>
+              <a:gs pos="0">
+                <a:srgbClr val="4BACC6">
+                  <a:tint val="50000"/>
+                  <a:satMod val="300000"/>
+                </a:srgbClr>
+              </a:gs>
+              <a:gs pos="35000">
+                <a:srgbClr val="4BACC6">
+                  <a:tint val="37000"/>
+                  <a:satMod val="300000"/>
+                </a:srgbClr>
+              </a:gs>
+              <a:gs pos="100000">
+                <a:srgbClr val="4BACC6">
+                  <a:tint val="15000"/>
+                  <a:satMod val="350000"/>
+                </a:srgbClr>
+              </a:gs>
+            </a:gsLst>
+            <a:lin ang="16200000" scaled="1"/>
+          </a:gradFill>
+          <a:ln w="9525" cap="flat" cmpd="sng" algn="ctr">
+            <a:solidFill>
+              <a:srgbClr val="4BACC6">
+                <a:shade val="95000"/>
+                <a:satMod val="105000"/>
+              </a:srgbClr>
+            </a:solidFill>
+            <a:prstDash val="solid"/>
+            <a:headEnd type="none" w="med" len="med"/>
+            <a:tailEnd type="none" w="med" len="med"/>
+          </a:ln>
+          <a:effectLst>
+            <a:outerShdw blurRad="40000" dist="20000" dir="5400000" rotWithShape="0">
+              <a:srgbClr val="000000">
+                <a:alpha val="38000"/>
+              </a:srgbClr>
+            </a:outerShdw>
+          </a:effectLst>
+        </p:spPr>
+        <p:txBody>
+          <a:bodyPr vert="horz" wrap="none" lIns="0" tIns="0" rIns="0" bIns="0" numCol="1" rtlCol="0" anchor="ctr" anchorCtr="0" compatLnSpc="1">
+            <a:prstTxWarp prst="textNoShape">
+              <a:avLst/>
+            </a:prstTxWarp>
+          </a:bodyPr>
+          <a:lstStyle/>
+          <a:p>
+            <a:pPr algn="ctr" fontAlgn="base">
+              <a:spcBef>
+                <a:spcPct val="0"/>
+              </a:spcBef>
+              <a:spcAft>
+                <a:spcPct val="0"/>
+              </a:spcAft>
+              <a:defRPr/>
+            </a:pPr>
+            <a:endParaRPr lang="ja-JP" altLang="en-US" sz="2200" kern="0">
+              <a:solidFill>
+                <a:prstClr val="black"/>
+              </a:solidFill>
+              <a:latin typeface="Arial" pitchFamily="34" charset="0"/>
+              <a:ea typeface="HGP創英角ｺﾞｼｯｸUB" pitchFamily="50" charset="-128"/>
+              <a:cs typeface="Arial" pitchFamily="34" charset="0"/>
+            </a:endParaRPr>
+          </a:p>
+        </p:txBody>
+      </p:sp>
+      <p:sp>
+        <p:nvSpPr>
+          <p:cNvPr id="122" name="ストライプ矢印 113">
+            <a:extLst>
+              <a:ext uri="{FF2B5EF4-FFF2-40B4-BE49-F238E27FC236}">
+                <a16:creationId xmlns:a16="http://schemas.microsoft.com/office/drawing/2014/main" id="{9C0E4BD0-CFE1-4E33-A84C-93336B60F2A9}"/>
+              </a:ext>
+            </a:extLst>
+          </p:cNvPr>
+          <p:cNvSpPr/>
+          <p:nvPr/>
+        </p:nvSpPr>
+        <p:spPr bwMode="auto">
+          <a:xfrm rot="16200000">
+            <a:off x="5349386" y="4235735"/>
+            <a:ext cx="279076" cy="150473"/>
+          </a:xfrm>
+          <a:prstGeom prst="stripedRightArrow">
+            <a:avLst>
+              <a:gd name="adj1" fmla="val 57854"/>
+              <a:gd name="adj2" fmla="val 85710"/>
+            </a:avLst>
+          </a:prstGeom>
+          <a:gradFill rotWithShape="1">
+            <a:gsLst>
+              <a:gs pos="0">
+                <a:srgbClr val="4BACC6">
+                  <a:tint val="50000"/>
+                  <a:satMod val="300000"/>
+                </a:srgbClr>
+              </a:gs>
+              <a:gs pos="35000">
+                <a:srgbClr val="4BACC6">
+                  <a:tint val="37000"/>
+                  <a:satMod val="300000"/>
+                </a:srgbClr>
+              </a:gs>
+              <a:gs pos="100000">
+                <a:srgbClr val="4BACC6">
+                  <a:tint val="15000"/>
+                  <a:satMod val="350000"/>
+                </a:srgbClr>
+              </a:gs>
+            </a:gsLst>
+            <a:lin ang="16200000" scaled="1"/>
+          </a:gradFill>
+          <a:ln w="9525" cap="flat" cmpd="sng" algn="ctr">
+            <a:solidFill>
+              <a:srgbClr val="4BACC6">
+                <a:shade val="95000"/>
+                <a:satMod val="105000"/>
+              </a:srgbClr>
+            </a:solidFill>
+            <a:prstDash val="solid"/>
+            <a:headEnd type="none" w="med" len="med"/>
+            <a:tailEnd type="none" w="med" len="med"/>
+          </a:ln>
+          <a:effectLst>
+            <a:outerShdw blurRad="40000" dist="20000" dir="5400000" rotWithShape="0">
+              <a:srgbClr val="000000">
+                <a:alpha val="38000"/>
+              </a:srgbClr>
+            </a:outerShdw>
+          </a:effectLst>
+        </p:spPr>
+        <p:txBody>
+          <a:bodyPr vert="horz" wrap="none" lIns="0" tIns="0" rIns="0" bIns="0" numCol="1" rtlCol="0" anchor="ctr" anchorCtr="0" compatLnSpc="1">
+            <a:prstTxWarp prst="textNoShape">
+              <a:avLst/>
+            </a:prstTxWarp>
+          </a:bodyPr>
+          <a:lstStyle/>
+          <a:p>
+            <a:pPr algn="ctr" fontAlgn="base">
+              <a:spcBef>
+                <a:spcPct val="0"/>
+              </a:spcBef>
+              <a:spcAft>
+                <a:spcPct val="0"/>
+              </a:spcAft>
+              <a:defRPr/>
+            </a:pPr>
+            <a:endParaRPr lang="ja-JP" altLang="en-US" sz="2200" kern="0">
+              <a:solidFill>
+                <a:prstClr val="black"/>
+              </a:solidFill>
+              <a:latin typeface="Arial" pitchFamily="34" charset="0"/>
+              <a:ea typeface="HGP創英角ｺﾞｼｯｸUB" pitchFamily="50" charset="-128"/>
+              <a:cs typeface="Arial" pitchFamily="34" charset="0"/>
+            </a:endParaRPr>
+          </a:p>
+        </p:txBody>
+      </p:sp>
+      <p:sp>
+        <p:nvSpPr>
+          <p:cNvPr id="123" name="ストライプ矢印 113">
+            <a:extLst>
+              <a:ext uri="{FF2B5EF4-FFF2-40B4-BE49-F238E27FC236}">
+                <a16:creationId xmlns:a16="http://schemas.microsoft.com/office/drawing/2014/main" id="{DE19177A-97F9-4191-A114-DFF4F6BC0BC3}"/>
+              </a:ext>
+            </a:extLst>
+          </p:cNvPr>
+          <p:cNvSpPr/>
+          <p:nvPr/>
+        </p:nvSpPr>
+        <p:spPr bwMode="auto">
+          <a:xfrm rot="20474094">
+            <a:off x="4430388" y="3991260"/>
+            <a:ext cx="404868" cy="159391"/>
+          </a:xfrm>
+          <a:prstGeom prst="stripedRightArrow">
+            <a:avLst>
+              <a:gd name="adj1" fmla="val 57854"/>
+              <a:gd name="adj2" fmla="val 85710"/>
+            </a:avLst>
+          </a:prstGeom>
+          <a:gradFill rotWithShape="1">
+            <a:gsLst>
+              <a:gs pos="0">
+                <a:srgbClr val="4BACC6">
+                  <a:tint val="50000"/>
+                  <a:satMod val="300000"/>
+                </a:srgbClr>
+              </a:gs>
+              <a:gs pos="35000">
+                <a:srgbClr val="4BACC6">
+                  <a:tint val="37000"/>
+                  <a:satMod val="300000"/>
+                </a:srgbClr>
+              </a:gs>
+              <a:gs pos="100000">
+                <a:srgbClr val="4BACC6">
+                  <a:tint val="15000"/>
+                  <a:satMod val="350000"/>
+                </a:srgbClr>
+              </a:gs>
+            </a:gsLst>
+            <a:lin ang="16200000" scaled="1"/>
+          </a:gradFill>
+          <a:ln w="9525" cap="flat" cmpd="sng" algn="ctr">
+            <a:solidFill>
+              <a:srgbClr val="4BACC6">
+                <a:shade val="95000"/>
+                <a:satMod val="105000"/>
+              </a:srgbClr>
+            </a:solidFill>
+            <a:prstDash val="solid"/>
+            <a:headEnd type="none" w="med" len="med"/>
+            <a:tailEnd type="none" w="med" len="med"/>
+          </a:ln>
+          <a:effectLst>
+            <a:outerShdw blurRad="40000" dist="20000" dir="5400000" rotWithShape="0">
+              <a:srgbClr val="000000">
+                <a:alpha val="38000"/>
+              </a:srgbClr>
+            </a:outerShdw>
+          </a:effectLst>
+        </p:spPr>
+        <p:txBody>
+          <a:bodyPr vert="horz" wrap="none" lIns="0" tIns="0" rIns="0" bIns="0" numCol="1" rtlCol="0" anchor="ctr" anchorCtr="0" compatLnSpc="1">
+            <a:prstTxWarp prst="textNoShape">
+              <a:avLst/>
+            </a:prstTxWarp>
+          </a:bodyPr>
+          <a:lstStyle/>
+          <a:p>
+            <a:pPr algn="ctr" fontAlgn="base">
+              <a:spcBef>
+                <a:spcPct val="0"/>
+              </a:spcBef>
+              <a:spcAft>
+                <a:spcPct val="0"/>
+              </a:spcAft>
+              <a:defRPr/>
+            </a:pPr>
+            <a:endParaRPr lang="ja-JP" altLang="en-US" sz="2200" kern="0">
+              <a:solidFill>
+                <a:prstClr val="black"/>
+              </a:solidFill>
+              <a:latin typeface="Arial" pitchFamily="34" charset="0"/>
+              <a:ea typeface="HGP創英角ｺﾞｼｯｸUB" pitchFamily="50" charset="-128"/>
+              <a:cs typeface="Arial" pitchFamily="34" charset="0"/>
+            </a:endParaRPr>
+          </a:p>
+        </p:txBody>
+      </p:sp>
+      <p:sp>
+        <p:nvSpPr>
+          <p:cNvPr id="125" name="正方形/長方形 5">
+            <a:extLst>
+              <a:ext uri="{FF2B5EF4-FFF2-40B4-BE49-F238E27FC236}">
+                <a16:creationId xmlns:a16="http://schemas.microsoft.com/office/drawing/2014/main" id="{9AE91ABF-4926-45C5-92F6-70DCD6676603}"/>
+              </a:ext>
+            </a:extLst>
+          </p:cNvPr>
+          <p:cNvSpPr/>
+          <p:nvPr/>
+        </p:nvSpPr>
+        <p:spPr>
+          <a:xfrm>
+            <a:off x="413704" y="621630"/>
+            <a:ext cx="1035115" cy="695709"/>
+          </a:xfrm>
+          <a:prstGeom prst="rect">
+            <a:avLst/>
+          </a:prstGeom>
+          <a:gradFill rotWithShape="1">
+            <a:gsLst>
+              <a:gs pos="0">
+                <a:srgbClr val="0000CC"/>
+              </a:gs>
+              <a:gs pos="80000">
+                <a:srgbClr val="4F81BD">
+                  <a:shade val="93000"/>
+                  <a:satMod val="130000"/>
+                </a:srgbClr>
+              </a:gs>
+              <a:gs pos="100000">
+                <a:srgbClr val="0066FF"/>
+              </a:gs>
+            </a:gsLst>
+            <a:lin ang="16200000" scaled="0"/>
+          </a:gradFill>
+          <a:ln>
+            <a:noFill/>
+            <a:headEnd type="none" w="med" len="med"/>
+            <a:tailEnd type="none" w="med" len="med"/>
+          </a:ln>
+          <a:effectLst>
+            <a:outerShdw blurRad="40000" dist="23000" dir="5400000" rotWithShape="0">
+              <a:srgbClr val="000000">
+                <a:alpha val="35000"/>
+              </a:srgbClr>
+            </a:outerShdw>
+          </a:effectLst>
+          <a:scene3d>
+            <a:camera prst="orthographicFront">
+              <a:rot lat="0" lon="0" rev="0"/>
+            </a:camera>
+            <a:lightRig rig="threePt" dir="t">
+              <a:rot lat="0" lon="0" rev="1200000"/>
+            </a:lightRig>
+          </a:scene3d>
+          <a:sp3d>
+            <a:bevelT w="63500" h="25400" prst="relaxedInset"/>
+          </a:sp3d>
+        </p:spPr>
+        <p:txBody>
+          <a:bodyPr vert="horz" wrap="none" lIns="0" tIns="0" rIns="0" bIns="0" numCol="1" rtlCol="0" anchor="ctr" anchorCtr="0" compatLnSpc="1">
+            <a:prstTxWarp prst="textNoShape">
+              <a:avLst/>
+            </a:prstTxWarp>
+          </a:bodyPr>
+          <a:lstStyle/>
+          <a:p>
+            <a:pPr algn="ctr" fontAlgn="base">
+              <a:spcBef>
+                <a:spcPct val="0"/>
+              </a:spcBef>
+              <a:spcAft>
+                <a:spcPct val="0"/>
+              </a:spcAft>
+            </a:pPr>
+            <a:r>
+              <a:rPr lang="en-US" altLang="ja-JP" sz="2000" kern="0" dirty="0">
+                <a:solidFill>
+                  <a:prstClr val="white"/>
+                </a:solidFill>
+                <a:latin typeface="Arial" pitchFamily="34" charset="0"/>
+                <a:ea typeface="Meiryo UI" panose="020B0604030504040204" pitchFamily="50" charset="-128"/>
+                <a:cs typeface="Arial" pitchFamily="34" charset="0"/>
+              </a:rPr>
+              <a:t>Aim</a:t>
+            </a:r>
+            <a:endParaRPr lang="ja-JP" altLang="en-US" sz="2000" kern="0" dirty="0">
+              <a:solidFill>
+                <a:prstClr val="white"/>
+              </a:solidFill>
+              <a:latin typeface="Arial" pitchFamily="34" charset="0"/>
+              <a:ea typeface="Meiryo UI" panose="020B0604030504040204" pitchFamily="50" charset="-128"/>
+              <a:cs typeface="Arial" pitchFamily="34" charset="0"/>
+            </a:endParaRPr>
+          </a:p>
+        </p:txBody>
+      </p:sp>
+      <p:sp>
+        <p:nvSpPr>
+          <p:cNvPr id="128" name="Rectangle 127">
+            <a:extLst>
+              <a:ext uri="{FF2B5EF4-FFF2-40B4-BE49-F238E27FC236}">
+                <a16:creationId xmlns:a16="http://schemas.microsoft.com/office/drawing/2014/main" id="{11F4E1B1-8A79-49D7-91DC-6618248C2400}"/>
+              </a:ext>
+            </a:extLst>
+          </p:cNvPr>
+          <p:cNvSpPr/>
+          <p:nvPr/>
+        </p:nvSpPr>
+        <p:spPr>
+          <a:xfrm>
+            <a:off x="492029" y="4263824"/>
+            <a:ext cx="2325732" cy="1169551"/>
+          </a:xfrm>
+          <a:prstGeom prst="rect">
+            <a:avLst/>
+          </a:prstGeom>
+          <a:noFill/>
+          <a:ln>
+            <a:noFill/>
+          </a:ln>
+          <a:extLst/>
+        </p:spPr>
+        <p:txBody>
+          <a:bodyPr wrap="square">
+            <a:spAutoFit/>
+          </a:bodyPr>
+          <a:lstStyle/>
+          <a:p>
+            <a:pPr>
+              <a:spcBef>
+                <a:spcPct val="50000"/>
+              </a:spcBef>
+            </a:pPr>
+            <a:r>
+              <a:rPr lang="en-US" altLang="ja-JP" sz="2000" dirty="0">
+                <a:solidFill>
+                  <a:srgbClr val="0000FF"/>
+                </a:solidFill>
+                <a:latin typeface="Arial" panose="020B0604020202020204" pitchFamily="34" charset="0"/>
+                <a:ea typeface="HGP創英角ｺﾞｼｯｸUB" pitchFamily="50" charset="-128"/>
+                <a:cs typeface="Arial" panose="020B0604020202020204" pitchFamily="34" charset="0"/>
+              </a:rPr>
+              <a:t>Develop new </a:t>
+            </a:r>
+          </a:p>
+          <a:p>
+            <a:pPr>
+              <a:spcBef>
+                <a:spcPct val="50000"/>
+              </a:spcBef>
+            </a:pPr>
+            <a:r>
+              <a:rPr lang="en-US" altLang="ja-JP" sz="2000" dirty="0">
+                <a:solidFill>
+                  <a:srgbClr val="0000FF"/>
+                </a:solidFill>
+                <a:latin typeface="Arial" panose="020B0604020202020204" pitchFamily="34" charset="0"/>
+                <a:ea typeface="HGP創英角ｺﾞｼｯｸUB" pitchFamily="50" charset="-128"/>
+                <a:cs typeface="Arial" panose="020B0604020202020204" pitchFamily="34" charset="0"/>
+              </a:rPr>
+              <a:t>Software for ISD to manage asset </a:t>
+            </a:r>
+          </a:p>
+        </p:txBody>
+      </p:sp>
+      <p:pic>
+        <p:nvPicPr>
+          <p:cNvPr id="129" name="Picture 2">
+            <a:extLst>
+              <a:ext uri="{FF2B5EF4-FFF2-40B4-BE49-F238E27FC236}">
+                <a16:creationId xmlns:a16="http://schemas.microsoft.com/office/drawing/2014/main" id="{B31E223D-AE41-483E-90D3-F361A49F332F}"/>
+              </a:ext>
+            </a:extLst>
+          </p:cNvPr>
+          <p:cNvPicPr>
+            <a:picLocks noChangeAspect="1" noChangeArrowheads="1"/>
+          </p:cNvPicPr>
+          <p:nvPr/>
+        </p:nvPicPr>
+        <p:blipFill>
+          <a:blip r:embed="rId20">
+            <a:extLst>
+              <a:ext uri="{28A0092B-C50C-407E-A947-70E740481C1C}">
+                <a14:useLocalDpi xmlns:a14="http://schemas.microsoft.com/office/drawing/2010/main" val="0"/>
+              </a:ext>
+            </a:extLst>
+          </a:blip>
+          <a:srcRect/>
+          <a:stretch>
+            <a:fillRect/>
+          </a:stretch>
+        </p:blipFill>
+        <p:spPr bwMode="auto">
+          <a:xfrm>
+            <a:off x="2201527" y="3930375"/>
+            <a:ext cx="644992" cy="787357"/>
+          </a:xfrm>
+          <a:prstGeom prst="rect">
+            <a:avLst/>
+          </a:prstGeom>
+          <a:noFill/>
+          <a:ln>
+            <a:noFill/>
+          </a:ln>
+          <a:extLst>
+            <a:ext uri="{909E8E84-426E-40DD-AFC4-6F175D3DCCD1}">
+              <a14:hiddenFill xmlns:a14="http://schemas.microsoft.com/office/drawing/2010/main">
+                <a:solidFill>
+                  <a:schemeClr val="accent1"/>
+                </a:solidFill>
+              </a14:hiddenFill>
+            </a:ext>
+            <a:ext uri="{91240B29-F687-4F45-9708-019B960494DF}">
+              <a14:hiddenLine xmlns:a14="http://schemas.microsoft.com/office/drawing/2010/main" w="9525">
+                <a:solidFill>
+                  <a:schemeClr val="tx1"/>
+                </a:solidFill>
+                <a:miter lim="800000"/>
+                <a:headEnd/>
+                <a:tailEnd/>
+              </a14:hiddenLine>
+            </a:ext>
+          </a:extLst>
+        </p:spPr>
+      </p:pic>
+    </p:spTree>
+    <p:extLst>
+      <p:ext uri="{BB962C8B-B14F-4D97-AF65-F5344CB8AC3E}">
+        <p14:creationId xmlns:p14="http://schemas.microsoft.com/office/powerpoint/2010/main" val="1701685573"/>
+      </p:ext>
+    </p:extLst>
+  </p:cSld>
+  <p:clrMapOvr>
+    <a:masterClrMapping/>
+  </p:clrMapOvr>
+</p:sld>
+</file>
+
 <file path=ppt/theme/theme1.xml><?xml version="1.0" encoding="utf-8"?>
 <a:theme xmlns:a="http://schemas.openxmlformats.org/drawingml/2006/main" name="Office ​​テーマ">
   <a:themeElements>
